--- a/Presentaciones/Swell - Optimización de estrategias - R2 (19-02-2021).pptx
+++ b/Presentaciones/Swell - Optimización de estrategias - R2 (19-02-2021).pptx
@@ -5,10 +5,10 @@
     <p:sldMasterId id="2147483676" r:id="rId1"/>
   </p:sldMasterIdLst>
   <p:notesMasterIdLst>
-    <p:notesMasterId r:id="rId25"/>
+    <p:notesMasterId r:id="rId28"/>
   </p:notesMasterIdLst>
   <p:handoutMasterIdLst>
-    <p:handoutMasterId r:id="rId26"/>
+    <p:handoutMasterId r:id="rId29"/>
   </p:handoutMasterIdLst>
   <p:sldIdLst>
     <p:sldId id="306" r:id="rId2"/>
@@ -24,47 +24,50 @@
     <p:sldId id="393" r:id="rId12"/>
     <p:sldId id="394" r:id="rId13"/>
     <p:sldId id="395" r:id="rId14"/>
-    <p:sldId id="399" r:id="rId15"/>
-    <p:sldId id="397" r:id="rId16"/>
-    <p:sldId id="401" r:id="rId17"/>
-    <p:sldId id="385" r:id="rId18"/>
-    <p:sldId id="360" r:id="rId19"/>
-    <p:sldId id="396" r:id="rId20"/>
-    <p:sldId id="398" r:id="rId21"/>
-    <p:sldId id="390" r:id="rId22"/>
-    <p:sldId id="386" r:id="rId23"/>
-    <p:sldId id="402" r:id="rId24"/>
+    <p:sldId id="403" r:id="rId15"/>
+    <p:sldId id="405" r:id="rId16"/>
+    <p:sldId id="404" r:id="rId17"/>
+    <p:sldId id="399" r:id="rId18"/>
+    <p:sldId id="397" r:id="rId19"/>
+    <p:sldId id="401" r:id="rId20"/>
+    <p:sldId id="385" r:id="rId21"/>
+    <p:sldId id="360" r:id="rId22"/>
+    <p:sldId id="396" r:id="rId23"/>
+    <p:sldId id="398" r:id="rId24"/>
+    <p:sldId id="390" r:id="rId25"/>
+    <p:sldId id="386" r:id="rId26"/>
+    <p:sldId id="402" r:id="rId27"/>
   </p:sldIdLst>
   <p:sldSz cx="9144000" cy="5143500" type="screen16x9"/>
   <p:notesSz cx="6858000" cy="9144000"/>
   <p:embeddedFontLst>
     <p:embeddedFont>
       <p:font typeface="Calibri" panose="020F0502020204030204" pitchFamily="34" charset="0"/>
-      <p:regular r:id="rId27"/>
-      <p:bold r:id="rId28"/>
-      <p:italic r:id="rId29"/>
-      <p:boldItalic r:id="rId30"/>
+      <p:regular r:id="rId30"/>
+      <p:bold r:id="rId31"/>
+      <p:italic r:id="rId32"/>
+      <p:boldItalic r:id="rId33"/>
     </p:embeddedFont>
     <p:embeddedFont>
       <p:font typeface="Montserrat" panose="020B0604020202020204" charset="0"/>
-      <p:regular r:id="rId31"/>
-      <p:bold r:id="rId32"/>
-      <p:italic r:id="rId33"/>
-      <p:boldItalic r:id="rId34"/>
+      <p:regular r:id="rId34"/>
+      <p:bold r:id="rId35"/>
+      <p:italic r:id="rId36"/>
+      <p:boldItalic r:id="rId37"/>
     </p:embeddedFont>
     <p:embeddedFont>
       <p:font typeface="Montserrat Medium" panose="020B0604020202020204" charset="0"/>
-      <p:regular r:id="rId35"/>
-      <p:bold r:id="rId36"/>
-      <p:italic r:id="rId37"/>
-      <p:boldItalic r:id="rId38"/>
+      <p:regular r:id="rId38"/>
+      <p:bold r:id="rId39"/>
+      <p:italic r:id="rId40"/>
+      <p:boldItalic r:id="rId41"/>
     </p:embeddedFont>
     <p:embeddedFont>
       <p:font typeface="Open Sans" panose="020B0604020202020204" charset="0"/>
-      <p:regular r:id="rId39"/>
-      <p:bold r:id="rId40"/>
-      <p:italic r:id="rId41"/>
-      <p:boldItalic r:id="rId42"/>
+      <p:regular r:id="rId42"/>
+      <p:bold r:id="rId43"/>
+      <p:italic r:id="rId44"/>
+      <p:boldItalic r:id="rId45"/>
     </p:embeddedFont>
   </p:embeddedFontLst>
   <p:defaultTextStyle>
@@ -431,7 +434,7 @@
           <a:p>
             <a:fld id="{58996DD2-7C55-401B-B490-511405823B84}" type="datetimeFigureOut">
               <a:rPr lang="en-US" smtClean="0"/>
-              <a:t>2/14/2021</a:t>
+              <a:t>02/28/2021</a:t>
             </a:fld>
             <a:endParaRPr lang="en-US"/>
           </a:p>
@@ -509,7 +512,7 @@
           <a:p>
             <a:fld id="{5243A351-F6D7-4491-BB2C-32B50DC05CD9}" type="slidenum">
               <a:rPr lang="en-US" smtClean="0"/>
-              <a:t>‹Nº›</a:t>
+              <a:t>‹#›</a:t>
             </a:fld>
             <a:endParaRPr lang="en-US"/>
           </a:p>
@@ -2009,7 +2012,7 @@
             </a:pPr>
             <a:fld id="{00000000-1234-1234-1234-123412341234}" type="slidenum">
               <a:rPr lang="en"/>
-              <a:t>‹Nº›</a:t>
+              <a:t>‹#›</a:t>
             </a:fld>
             <a:endParaRPr/>
           </a:p>
@@ -2871,7 +2874,7 @@
             </a:pPr>
             <a:fld id="{00000000-1234-1234-1234-123412341234}" type="slidenum">
               <a:rPr lang="en"/>
-              <a:t>‹Nº›</a:t>
+              <a:t>‹#›</a:t>
             </a:fld>
             <a:endParaRPr/>
           </a:p>
@@ -6091,7 +6094,7 @@
             </a:pPr>
             <a:fld id="{00000000-1234-1234-1234-123412341234}" type="slidenum">
               <a:rPr lang="en"/>
-              <a:t>‹Nº›</a:t>
+              <a:t>‹#›</a:t>
             </a:fld>
             <a:endParaRPr/>
           </a:p>
@@ -7750,7 +7753,31 @@
                 <a:cs typeface="Open Sans" panose="020B0604020202020204" charset="0"/>
                 <a:sym typeface="Lato"/>
               </a:rPr>
-              <a:t>3. Procedimiento para cálculo de fractales</a:t>
+              <a:t>3. Procedimiento para cálculo de fractales y señal </a:t>
+            </a:r>
+            <a:r>
+              <a:rPr lang="es-MX" sz="1600" dirty="0" err="1">
+                <a:solidFill>
+                  <a:srgbClr val="677480"/>
+                </a:solidFill>
+                <a:latin typeface="Montserrat Medium" panose="020B0604020202020204" charset="0"/>
+                <a:ea typeface="Open Sans" panose="020B0604020202020204" charset="0"/>
+                <a:cs typeface="Open Sans" panose="020B0604020202020204" charset="0"/>
+                <a:sym typeface="Lato"/>
+              </a:rPr>
+              <a:t>intradiaria</a:t>
+            </a:r>
+            <a:r>
+              <a:rPr lang="es-MX" sz="1600" dirty="0">
+                <a:solidFill>
+                  <a:srgbClr val="677480"/>
+                </a:solidFill>
+                <a:latin typeface="Montserrat Medium" panose="020B0604020202020204" charset="0"/>
+                <a:ea typeface="Open Sans" panose="020B0604020202020204" charset="0"/>
+                <a:cs typeface="Open Sans" panose="020B0604020202020204" charset="0"/>
+                <a:sym typeface="Lato"/>
+              </a:rPr>
+              <a:t> final</a:t>
             </a:r>
           </a:p>
           <a:p>
@@ -8319,7 +8346,31 @@
                 <a:cs typeface="Open Sans" panose="020B0604020202020204" charset="0"/>
                 <a:sym typeface="Lato"/>
               </a:rPr>
-              <a:t>3. Procedimiento para cálculo de fractales</a:t>
+              <a:t>3. Procedimiento para cálculo de fractales y señal </a:t>
+            </a:r>
+            <a:r>
+              <a:rPr lang="es-MX" sz="1600" dirty="0" err="1">
+                <a:solidFill>
+                  <a:srgbClr val="677480"/>
+                </a:solidFill>
+                <a:latin typeface="Montserrat Medium" panose="020B0604020202020204" charset="0"/>
+                <a:ea typeface="Open Sans" panose="020B0604020202020204" charset="0"/>
+                <a:cs typeface="Open Sans" panose="020B0604020202020204" charset="0"/>
+                <a:sym typeface="Lato"/>
+              </a:rPr>
+              <a:t>intradiaria</a:t>
+            </a:r>
+            <a:r>
+              <a:rPr lang="es-MX" sz="1600" dirty="0">
+                <a:solidFill>
+                  <a:srgbClr val="677480"/>
+                </a:solidFill>
+                <a:latin typeface="Montserrat Medium" panose="020B0604020202020204" charset="0"/>
+                <a:ea typeface="Open Sans" panose="020B0604020202020204" charset="0"/>
+                <a:cs typeface="Open Sans" panose="020B0604020202020204" charset="0"/>
+                <a:sym typeface="Lato"/>
+              </a:rPr>
+              <a:t> final</a:t>
             </a:r>
             <a:endParaRPr lang="es-MX" sz="1600" b="1" i="1" dirty="0">
               <a:solidFill>
@@ -9503,7 +9554,31 @@
                 <a:cs typeface="Open Sans" panose="020B0604020202020204" charset="0"/>
                 <a:sym typeface="Lato"/>
               </a:rPr>
-              <a:t>3. Procedimiento para cálculo de fractales</a:t>
+              <a:t>3. Procedimiento para cálculo de fractales y señal </a:t>
+            </a:r>
+            <a:r>
+              <a:rPr lang="es-MX" sz="1600" dirty="0" err="1">
+                <a:solidFill>
+                  <a:srgbClr val="677480"/>
+                </a:solidFill>
+                <a:latin typeface="Montserrat Medium" panose="020B0604020202020204" charset="0"/>
+                <a:ea typeface="Open Sans" panose="020B0604020202020204" charset="0"/>
+                <a:cs typeface="Open Sans" panose="020B0604020202020204" charset="0"/>
+                <a:sym typeface="Lato"/>
+              </a:rPr>
+              <a:t>intradiaria</a:t>
+            </a:r>
+            <a:r>
+              <a:rPr lang="es-MX" sz="1600" dirty="0">
+                <a:solidFill>
+                  <a:srgbClr val="677480"/>
+                </a:solidFill>
+                <a:latin typeface="Montserrat Medium" panose="020B0604020202020204" charset="0"/>
+                <a:ea typeface="Open Sans" panose="020B0604020202020204" charset="0"/>
+                <a:cs typeface="Open Sans" panose="020B0604020202020204" charset="0"/>
+                <a:sym typeface="Lato"/>
+              </a:rPr>
+              <a:t> final</a:t>
             </a:r>
           </a:p>
           <a:p>
@@ -10073,6 +10148,5124 @@
         <p:spPr>
           <a:xfrm>
             <a:off x="138897" y="119606"/>
+            <a:ext cx="8841816" cy="4925360"/>
+          </a:xfrm>
+        </p:spPr>
+        <p:txBody>
+          <a:bodyPr/>
+          <a:lstStyle/>
+          <a:p>
+            <a:pPr marL="114300" indent="0">
+              <a:lnSpc>
+                <a:spcPct val="100000"/>
+              </a:lnSpc>
+              <a:buClr>
+                <a:srgbClr val="677480"/>
+              </a:buClr>
+              <a:buSzPts val="1100"/>
+              <a:buNone/>
+              <a:defRPr/>
+            </a:pPr>
+            <a:r>
+              <a:rPr lang="es-MX" sz="1600" dirty="0">
+                <a:solidFill>
+                  <a:srgbClr val="677480"/>
+                </a:solidFill>
+                <a:latin typeface="Montserrat Medium" panose="020B0604020202020204" charset="0"/>
+                <a:ea typeface="Open Sans" panose="020B0604020202020204" charset="0"/>
+                <a:cs typeface="Open Sans" panose="020B0604020202020204" charset="0"/>
+                <a:sym typeface="Lato"/>
+              </a:rPr>
+              <a:t>3. Procedimiento para cálculo de fractales y señal </a:t>
+            </a:r>
+            <a:r>
+              <a:rPr lang="es-MX" sz="1600" dirty="0" err="1">
+                <a:solidFill>
+                  <a:srgbClr val="677480"/>
+                </a:solidFill>
+                <a:latin typeface="Montserrat Medium" panose="020B0604020202020204" charset="0"/>
+                <a:ea typeface="Open Sans" panose="020B0604020202020204" charset="0"/>
+                <a:cs typeface="Open Sans" panose="020B0604020202020204" charset="0"/>
+                <a:sym typeface="Lato"/>
+              </a:rPr>
+              <a:t>intradiaria</a:t>
+            </a:r>
+            <a:r>
+              <a:rPr lang="es-MX" sz="1600" dirty="0">
+                <a:solidFill>
+                  <a:srgbClr val="677480"/>
+                </a:solidFill>
+                <a:latin typeface="Montserrat Medium" panose="020B0604020202020204" charset="0"/>
+                <a:ea typeface="Open Sans" panose="020B0604020202020204" charset="0"/>
+                <a:cs typeface="Open Sans" panose="020B0604020202020204" charset="0"/>
+                <a:sym typeface="Lato"/>
+              </a:rPr>
+              <a:t> final</a:t>
+            </a:r>
+          </a:p>
+          <a:p>
+            <a:pPr lvl="2">
+              <a:lnSpc>
+                <a:spcPct val="100000"/>
+              </a:lnSpc>
+              <a:spcBef>
+                <a:spcPts val="0"/>
+              </a:spcBef>
+              <a:buClr>
+                <a:srgbClr val="677480"/>
+              </a:buClr>
+              <a:buSzPts val="1100"/>
+              <a:defRPr/>
+            </a:pPr>
+            <a:endParaRPr lang="it-IT" sz="1100" b="1" dirty="0">
+              <a:solidFill>
+                <a:srgbClr val="677480"/>
+              </a:solidFill>
+              <a:latin typeface="Montserrat Medium" panose="020B0604020202020204" charset="0"/>
+              <a:ea typeface="Open Sans" panose="020B0604020202020204" charset="0"/>
+              <a:cs typeface="Open Sans" panose="020B0604020202020204" charset="0"/>
+              <a:sym typeface="Lato"/>
+            </a:endParaRPr>
+          </a:p>
+          <a:p>
+            <a:pPr>
+              <a:lnSpc>
+                <a:spcPct val="100000"/>
+              </a:lnSpc>
+              <a:buClr>
+                <a:srgbClr val="677480"/>
+              </a:buClr>
+              <a:buSzPts val="1100"/>
+              <a:defRPr/>
+            </a:pPr>
+            <a:r>
+              <a:rPr lang="en-US" sz="1500" dirty="0" err="1">
+                <a:solidFill>
+                  <a:srgbClr val="677480"/>
+                </a:solidFill>
+                <a:latin typeface="Montserrat Medium" panose="020B0604020202020204" charset="0"/>
+                <a:ea typeface="Open Sans" panose="020B0604020202020204" charset="0"/>
+                <a:cs typeface="Open Sans" panose="020B0604020202020204" charset="0"/>
+                <a:sym typeface="Lato"/>
+              </a:rPr>
+              <a:t>Resumen</a:t>
+            </a:r>
+            <a:r>
+              <a:rPr lang="en-US" sz="1500" dirty="0">
+                <a:solidFill>
+                  <a:srgbClr val="677480"/>
+                </a:solidFill>
+                <a:latin typeface="Montserrat Medium" panose="020B0604020202020204" charset="0"/>
+                <a:ea typeface="Open Sans" panose="020B0604020202020204" charset="0"/>
+                <a:cs typeface="Open Sans" panose="020B0604020202020204" charset="0"/>
+                <a:sym typeface="Lato"/>
+              </a:rPr>
+              <a:t> de fractal </a:t>
+            </a:r>
+            <a:r>
+              <a:rPr lang="en-US" sz="1500" dirty="0" err="1">
+                <a:solidFill>
+                  <a:srgbClr val="677480"/>
+                </a:solidFill>
+                <a:latin typeface="Montserrat Medium" panose="020B0604020202020204" charset="0"/>
+                <a:ea typeface="Open Sans" panose="020B0604020202020204" charset="0"/>
+                <a:cs typeface="Open Sans" panose="020B0604020202020204" charset="0"/>
+                <a:sym typeface="Lato"/>
+              </a:rPr>
+              <a:t>intradiario</a:t>
+            </a:r>
+            <a:r>
+              <a:rPr lang="en-US" sz="1500" dirty="0">
+                <a:solidFill>
+                  <a:srgbClr val="677480"/>
+                </a:solidFill>
+                <a:latin typeface="Montserrat Medium" panose="020B0604020202020204" charset="0"/>
+                <a:ea typeface="Open Sans" panose="020B0604020202020204" charset="0"/>
+                <a:cs typeface="Open Sans" panose="020B0604020202020204" charset="0"/>
+                <a:sym typeface="Lato"/>
+              </a:rPr>
+              <a:t> (FI), </a:t>
+            </a:r>
+            <a:r>
+              <a:rPr lang="en-US" sz="1500" dirty="0" err="1">
+                <a:solidFill>
+                  <a:srgbClr val="677480"/>
+                </a:solidFill>
+                <a:latin typeface="Montserrat Medium" panose="020B0604020202020204" charset="0"/>
+                <a:ea typeface="Open Sans" panose="020B0604020202020204" charset="0"/>
+                <a:cs typeface="Open Sans" panose="020B0604020202020204" charset="0"/>
+                <a:sym typeface="Lato"/>
+              </a:rPr>
+              <a:t>diario</a:t>
+            </a:r>
+            <a:r>
+              <a:rPr lang="en-US" sz="1500" dirty="0">
+                <a:solidFill>
+                  <a:srgbClr val="677480"/>
+                </a:solidFill>
+                <a:latin typeface="Montserrat Medium" panose="020B0604020202020204" charset="0"/>
+                <a:ea typeface="Open Sans" panose="020B0604020202020204" charset="0"/>
+                <a:cs typeface="Open Sans" panose="020B0604020202020204" charset="0"/>
+                <a:sym typeface="Lato"/>
+              </a:rPr>
+              <a:t> (FD) e </a:t>
+            </a:r>
+            <a:r>
+              <a:rPr lang="en-US" sz="1500" dirty="0" err="1">
+                <a:solidFill>
+                  <a:srgbClr val="677480"/>
+                </a:solidFill>
+                <a:latin typeface="Montserrat Medium" panose="020B0604020202020204" charset="0"/>
+                <a:ea typeface="Open Sans" panose="020B0604020202020204" charset="0"/>
+                <a:cs typeface="Open Sans" panose="020B0604020202020204" charset="0"/>
+                <a:sym typeface="Lato"/>
+              </a:rPr>
+              <a:t>intradiario</a:t>
+            </a:r>
+            <a:r>
+              <a:rPr lang="en-US" sz="1500" dirty="0">
+                <a:solidFill>
+                  <a:srgbClr val="677480"/>
+                </a:solidFill>
+                <a:latin typeface="Montserrat Medium" panose="020B0604020202020204" charset="0"/>
+                <a:ea typeface="Open Sans" panose="020B0604020202020204" charset="0"/>
+                <a:cs typeface="Open Sans" panose="020B0604020202020204" charset="0"/>
+                <a:sym typeface="Lato"/>
+              </a:rPr>
+              <a:t> de </a:t>
+            </a:r>
+            <a:r>
+              <a:rPr lang="en-US" sz="1500" dirty="0" err="1">
+                <a:solidFill>
+                  <a:srgbClr val="677480"/>
+                </a:solidFill>
+                <a:latin typeface="Montserrat Medium" panose="020B0604020202020204" charset="0"/>
+                <a:ea typeface="Open Sans" panose="020B0604020202020204" charset="0"/>
+                <a:cs typeface="Open Sans" panose="020B0604020202020204" charset="0"/>
+                <a:sym typeface="Lato"/>
+              </a:rPr>
+              <a:t>referencia</a:t>
+            </a:r>
+            <a:r>
+              <a:rPr lang="en-US" sz="1500" dirty="0">
+                <a:solidFill>
+                  <a:srgbClr val="677480"/>
+                </a:solidFill>
+                <a:latin typeface="Montserrat Medium" panose="020B0604020202020204" charset="0"/>
+                <a:ea typeface="Open Sans" panose="020B0604020202020204" charset="0"/>
+                <a:cs typeface="Open Sans" panose="020B0604020202020204" charset="0"/>
+                <a:sym typeface="Lato"/>
+              </a:rPr>
+              <a:t> (FIR)</a:t>
+            </a:r>
+          </a:p>
+          <a:p>
+            <a:pPr>
+              <a:lnSpc>
+                <a:spcPct val="100000"/>
+              </a:lnSpc>
+              <a:buClr>
+                <a:srgbClr val="677480"/>
+              </a:buClr>
+              <a:buSzPts val="1100"/>
+              <a:defRPr/>
+            </a:pPr>
+            <a:endParaRPr lang="en-US" sz="1500" dirty="0">
+              <a:solidFill>
+                <a:srgbClr val="677480"/>
+              </a:solidFill>
+              <a:latin typeface="Montserrat Medium" panose="020B0604020202020204" charset="0"/>
+              <a:ea typeface="Open Sans" panose="020B0604020202020204" charset="0"/>
+              <a:cs typeface="Open Sans" panose="020B0604020202020204" charset="0"/>
+              <a:sym typeface="Lato"/>
+            </a:endParaRPr>
+          </a:p>
+          <a:p>
+            <a:pPr>
+              <a:lnSpc>
+                <a:spcPct val="100000"/>
+              </a:lnSpc>
+              <a:buClr>
+                <a:srgbClr val="677480"/>
+              </a:buClr>
+              <a:buSzPts val="1100"/>
+              <a:defRPr/>
+            </a:pPr>
+            <a:endParaRPr lang="en-US" sz="1500" dirty="0">
+              <a:solidFill>
+                <a:srgbClr val="677480"/>
+              </a:solidFill>
+              <a:latin typeface="Montserrat Medium" panose="020B0604020202020204" charset="0"/>
+              <a:ea typeface="Open Sans" panose="020B0604020202020204" charset="0"/>
+              <a:cs typeface="Open Sans" panose="020B0604020202020204" charset="0"/>
+              <a:sym typeface="Lato"/>
+            </a:endParaRPr>
+          </a:p>
+          <a:p>
+            <a:pPr>
+              <a:lnSpc>
+                <a:spcPct val="100000"/>
+              </a:lnSpc>
+              <a:buClr>
+                <a:srgbClr val="677480"/>
+              </a:buClr>
+              <a:buSzPts val="1100"/>
+              <a:defRPr/>
+            </a:pPr>
+            <a:endParaRPr lang="en-US" sz="1500" dirty="0">
+              <a:solidFill>
+                <a:srgbClr val="677480"/>
+              </a:solidFill>
+              <a:latin typeface="Montserrat Medium" panose="020B0604020202020204" charset="0"/>
+              <a:ea typeface="Open Sans" panose="020B0604020202020204" charset="0"/>
+              <a:cs typeface="Open Sans" panose="020B0604020202020204" charset="0"/>
+              <a:sym typeface="Lato"/>
+            </a:endParaRPr>
+          </a:p>
+          <a:p>
+            <a:pPr>
+              <a:lnSpc>
+                <a:spcPct val="100000"/>
+              </a:lnSpc>
+              <a:buClr>
+                <a:srgbClr val="677480"/>
+              </a:buClr>
+              <a:buSzPts val="1100"/>
+              <a:defRPr/>
+            </a:pPr>
+            <a:endParaRPr lang="en-US" sz="1500" dirty="0">
+              <a:solidFill>
+                <a:srgbClr val="677480"/>
+              </a:solidFill>
+              <a:latin typeface="Montserrat Medium" panose="020B0604020202020204" charset="0"/>
+              <a:ea typeface="Open Sans" panose="020B0604020202020204" charset="0"/>
+              <a:cs typeface="Open Sans" panose="020B0604020202020204" charset="0"/>
+              <a:sym typeface="Lato"/>
+            </a:endParaRPr>
+          </a:p>
+          <a:p>
+            <a:pPr>
+              <a:lnSpc>
+                <a:spcPct val="100000"/>
+              </a:lnSpc>
+              <a:buClr>
+                <a:srgbClr val="677480"/>
+              </a:buClr>
+              <a:buSzPts val="1100"/>
+              <a:defRPr/>
+            </a:pPr>
+            <a:endParaRPr lang="en-US" sz="1500" dirty="0">
+              <a:solidFill>
+                <a:srgbClr val="677480"/>
+              </a:solidFill>
+              <a:latin typeface="Montserrat Medium" panose="020B0604020202020204" charset="0"/>
+              <a:ea typeface="Open Sans" panose="020B0604020202020204" charset="0"/>
+              <a:cs typeface="Open Sans" panose="020B0604020202020204" charset="0"/>
+              <a:sym typeface="Lato"/>
+            </a:endParaRPr>
+          </a:p>
+          <a:p>
+            <a:pPr>
+              <a:lnSpc>
+                <a:spcPct val="100000"/>
+              </a:lnSpc>
+              <a:buClr>
+                <a:srgbClr val="677480"/>
+              </a:buClr>
+              <a:buSzPts val="1100"/>
+              <a:defRPr/>
+            </a:pPr>
+            <a:endParaRPr lang="en-US" sz="1500" dirty="0">
+              <a:solidFill>
+                <a:srgbClr val="677480"/>
+              </a:solidFill>
+              <a:latin typeface="Montserrat Medium" panose="020B0604020202020204" charset="0"/>
+              <a:ea typeface="Open Sans" panose="020B0604020202020204" charset="0"/>
+              <a:cs typeface="Open Sans" panose="020B0604020202020204" charset="0"/>
+              <a:sym typeface="Lato"/>
+            </a:endParaRPr>
+          </a:p>
+          <a:p>
+            <a:pPr>
+              <a:lnSpc>
+                <a:spcPct val="100000"/>
+              </a:lnSpc>
+              <a:buClr>
+                <a:srgbClr val="677480"/>
+              </a:buClr>
+              <a:buSzPts val="1100"/>
+              <a:defRPr/>
+            </a:pPr>
+            <a:endParaRPr lang="en-US" sz="1500" dirty="0">
+              <a:solidFill>
+                <a:srgbClr val="677480"/>
+              </a:solidFill>
+              <a:latin typeface="Montserrat Medium" panose="020B0604020202020204" charset="0"/>
+              <a:ea typeface="Open Sans" panose="020B0604020202020204" charset="0"/>
+              <a:cs typeface="Open Sans" panose="020B0604020202020204" charset="0"/>
+              <a:sym typeface="Lato"/>
+            </a:endParaRPr>
+          </a:p>
+          <a:p>
+            <a:pPr>
+              <a:lnSpc>
+                <a:spcPct val="100000"/>
+              </a:lnSpc>
+              <a:buClr>
+                <a:srgbClr val="677480"/>
+              </a:buClr>
+              <a:buSzPts val="1100"/>
+              <a:defRPr/>
+            </a:pPr>
+            <a:endParaRPr lang="en-US" sz="1500" dirty="0">
+              <a:solidFill>
+                <a:srgbClr val="677480"/>
+              </a:solidFill>
+              <a:latin typeface="Montserrat Medium" panose="020B0604020202020204" charset="0"/>
+              <a:ea typeface="Open Sans" panose="020B0604020202020204" charset="0"/>
+              <a:cs typeface="Open Sans" panose="020B0604020202020204" charset="0"/>
+              <a:sym typeface="Lato"/>
+            </a:endParaRPr>
+          </a:p>
+          <a:p>
+            <a:pPr>
+              <a:lnSpc>
+                <a:spcPct val="100000"/>
+              </a:lnSpc>
+              <a:buClr>
+                <a:srgbClr val="677480"/>
+              </a:buClr>
+              <a:buSzPts val="1100"/>
+              <a:defRPr/>
+            </a:pPr>
+            <a:endParaRPr lang="en-US" sz="1500" dirty="0">
+              <a:solidFill>
+                <a:srgbClr val="677480"/>
+              </a:solidFill>
+              <a:latin typeface="Montserrat Medium" panose="020B0604020202020204" charset="0"/>
+              <a:ea typeface="Open Sans" panose="020B0604020202020204" charset="0"/>
+              <a:cs typeface="Open Sans" panose="020B0604020202020204" charset="0"/>
+              <a:sym typeface="Lato"/>
+            </a:endParaRPr>
+          </a:p>
+          <a:p>
+            <a:pPr>
+              <a:lnSpc>
+                <a:spcPct val="100000"/>
+              </a:lnSpc>
+              <a:buClr>
+                <a:srgbClr val="677480"/>
+              </a:buClr>
+              <a:buSzPts val="1100"/>
+              <a:defRPr/>
+            </a:pPr>
+            <a:endParaRPr lang="en-US" sz="1500" dirty="0">
+              <a:solidFill>
+                <a:srgbClr val="677480"/>
+              </a:solidFill>
+              <a:latin typeface="Montserrat Medium" panose="020B0604020202020204" charset="0"/>
+              <a:ea typeface="Open Sans" panose="020B0604020202020204" charset="0"/>
+              <a:cs typeface="Open Sans" panose="020B0604020202020204" charset="0"/>
+              <a:sym typeface="Lato"/>
+            </a:endParaRPr>
+          </a:p>
+          <a:p>
+            <a:pPr>
+              <a:lnSpc>
+                <a:spcPct val="100000"/>
+              </a:lnSpc>
+              <a:buClr>
+                <a:srgbClr val="677480"/>
+              </a:buClr>
+              <a:buSzPts val="1100"/>
+              <a:defRPr/>
+            </a:pPr>
+            <a:endParaRPr lang="en-US" sz="1500" dirty="0">
+              <a:solidFill>
+                <a:srgbClr val="677480"/>
+              </a:solidFill>
+              <a:latin typeface="Montserrat Medium" panose="020B0604020202020204" charset="0"/>
+              <a:ea typeface="Open Sans" panose="020B0604020202020204" charset="0"/>
+              <a:cs typeface="Open Sans" panose="020B0604020202020204" charset="0"/>
+              <a:sym typeface="Lato"/>
+            </a:endParaRPr>
+          </a:p>
+          <a:p>
+            <a:pPr>
+              <a:lnSpc>
+                <a:spcPct val="100000"/>
+              </a:lnSpc>
+              <a:buClr>
+                <a:srgbClr val="677480"/>
+              </a:buClr>
+              <a:buSzPts val="1100"/>
+              <a:defRPr/>
+            </a:pPr>
+            <a:endParaRPr lang="en-US" sz="1500" dirty="0">
+              <a:solidFill>
+                <a:srgbClr val="677480"/>
+              </a:solidFill>
+              <a:latin typeface="Montserrat Medium" panose="020B0604020202020204" charset="0"/>
+              <a:ea typeface="Open Sans" panose="020B0604020202020204" charset="0"/>
+              <a:cs typeface="Open Sans" panose="020B0604020202020204" charset="0"/>
+              <a:sym typeface="Lato"/>
+            </a:endParaRPr>
+          </a:p>
+          <a:p>
+            <a:pPr>
+              <a:lnSpc>
+                <a:spcPct val="100000"/>
+              </a:lnSpc>
+              <a:buClr>
+                <a:srgbClr val="677480"/>
+              </a:buClr>
+              <a:buSzPts val="1100"/>
+              <a:defRPr/>
+            </a:pPr>
+            <a:endParaRPr lang="en-US" sz="1500" dirty="0">
+              <a:solidFill>
+                <a:srgbClr val="677480"/>
+              </a:solidFill>
+              <a:latin typeface="Montserrat Medium" panose="020B0604020202020204" charset="0"/>
+              <a:ea typeface="Open Sans" panose="020B0604020202020204" charset="0"/>
+              <a:cs typeface="Open Sans" panose="020B0604020202020204" charset="0"/>
+              <a:sym typeface="Lato"/>
+            </a:endParaRPr>
+          </a:p>
+          <a:p>
+            <a:pPr marL="171450" indent="-171450">
+              <a:lnSpc>
+                <a:spcPct val="100000"/>
+              </a:lnSpc>
+              <a:buClr>
+                <a:srgbClr val="677480"/>
+              </a:buClr>
+              <a:buSzPts val="1100"/>
+              <a:buFont typeface="Arial" panose="020B0604020202020204" pitchFamily="34" charset="0"/>
+              <a:buChar char="•"/>
+              <a:defRPr/>
+            </a:pPr>
+            <a:r>
+              <a:rPr lang="en-US" sz="1100" dirty="0">
+                <a:solidFill>
+                  <a:srgbClr val="677480"/>
+                </a:solidFill>
+                <a:latin typeface="Montserrat Medium" panose="020B0604020202020204" charset="0"/>
+                <a:ea typeface="Open Sans" panose="020B0604020202020204" charset="0"/>
+                <a:cs typeface="Open Sans" panose="020B0604020202020204" charset="0"/>
+                <a:sym typeface="Lato"/>
+              </a:rPr>
+              <a:t>Si no hay FI o FD (FI o FD no es </a:t>
+            </a:r>
+            <a:r>
+              <a:rPr lang="en-US" sz="1100" dirty="0" err="1">
+                <a:solidFill>
+                  <a:srgbClr val="677480"/>
+                </a:solidFill>
+                <a:latin typeface="Montserrat Medium" panose="020B0604020202020204" charset="0"/>
+                <a:ea typeface="Open Sans" panose="020B0604020202020204" charset="0"/>
+                <a:cs typeface="Open Sans" panose="020B0604020202020204" charset="0"/>
+                <a:sym typeface="Lato"/>
+              </a:rPr>
+              <a:t>ni</a:t>
+            </a:r>
+            <a:r>
+              <a:rPr lang="en-US" sz="1100" dirty="0">
+                <a:solidFill>
+                  <a:srgbClr val="677480"/>
+                </a:solidFill>
+                <a:latin typeface="Montserrat Medium" panose="020B0604020202020204" charset="0"/>
+                <a:ea typeface="Open Sans" panose="020B0604020202020204" charset="0"/>
+                <a:cs typeface="Open Sans" panose="020B0604020202020204" charset="0"/>
+                <a:sym typeface="Lato"/>
+              </a:rPr>
+              <a:t> BUY </a:t>
+            </a:r>
+            <a:r>
+              <a:rPr lang="en-US" sz="1100" dirty="0" err="1">
+                <a:solidFill>
+                  <a:srgbClr val="677480"/>
+                </a:solidFill>
+                <a:latin typeface="Montserrat Medium" panose="020B0604020202020204" charset="0"/>
+                <a:ea typeface="Open Sans" panose="020B0604020202020204" charset="0"/>
+                <a:cs typeface="Open Sans" panose="020B0604020202020204" charset="0"/>
+                <a:sym typeface="Lato"/>
+              </a:rPr>
+              <a:t>ni</a:t>
+            </a:r>
+            <a:r>
+              <a:rPr lang="en-US" sz="1100" dirty="0">
+                <a:solidFill>
+                  <a:srgbClr val="677480"/>
+                </a:solidFill>
+                <a:latin typeface="Montserrat Medium" panose="020B0604020202020204" charset="0"/>
+                <a:ea typeface="Open Sans" panose="020B0604020202020204" charset="0"/>
+                <a:cs typeface="Open Sans" panose="020B0604020202020204" charset="0"/>
+                <a:sym typeface="Lato"/>
+              </a:rPr>
+              <a:t> SELL), </a:t>
+            </a:r>
+            <a:r>
+              <a:rPr lang="en-US" sz="1100" dirty="0" err="1">
+                <a:solidFill>
+                  <a:srgbClr val="677480"/>
+                </a:solidFill>
+                <a:latin typeface="Montserrat Medium" panose="020B0604020202020204" charset="0"/>
+                <a:ea typeface="Open Sans" panose="020B0604020202020204" charset="0"/>
+                <a:cs typeface="Open Sans" panose="020B0604020202020204" charset="0"/>
+                <a:sym typeface="Lato"/>
+              </a:rPr>
+              <a:t>entonces</a:t>
+            </a:r>
+            <a:r>
+              <a:rPr lang="en-US" sz="1100" dirty="0">
+                <a:solidFill>
+                  <a:srgbClr val="677480"/>
+                </a:solidFill>
+                <a:latin typeface="Montserrat Medium" panose="020B0604020202020204" charset="0"/>
+                <a:ea typeface="Open Sans" panose="020B0604020202020204" charset="0"/>
+                <a:cs typeface="Open Sans" panose="020B0604020202020204" charset="0"/>
+                <a:sym typeface="Lato"/>
+              </a:rPr>
+              <a:t>  se </a:t>
+            </a:r>
+            <a:r>
+              <a:rPr lang="en-US" sz="1100" dirty="0" err="1">
+                <a:solidFill>
+                  <a:srgbClr val="677480"/>
+                </a:solidFill>
+                <a:latin typeface="Montserrat Medium" panose="020B0604020202020204" charset="0"/>
+                <a:ea typeface="Open Sans" panose="020B0604020202020204" charset="0"/>
+                <a:cs typeface="Open Sans" panose="020B0604020202020204" charset="0"/>
+                <a:sym typeface="Lato"/>
+              </a:rPr>
+              <a:t>asigna</a:t>
+            </a:r>
+            <a:r>
+              <a:rPr lang="en-US" sz="1100" dirty="0">
+                <a:solidFill>
+                  <a:srgbClr val="677480"/>
+                </a:solidFill>
+                <a:latin typeface="Montserrat Medium" panose="020B0604020202020204" charset="0"/>
+                <a:ea typeface="Open Sans" panose="020B0604020202020204" charset="0"/>
+                <a:cs typeface="Open Sans" panose="020B0604020202020204" charset="0"/>
+                <a:sym typeface="Lato"/>
+              </a:rPr>
+              <a:t> el valor anterior de FI o FD. </a:t>
+            </a:r>
+          </a:p>
+          <a:p>
+            <a:pPr marL="171450" indent="-171450">
+              <a:lnSpc>
+                <a:spcPct val="100000"/>
+              </a:lnSpc>
+              <a:buClr>
+                <a:srgbClr val="677480"/>
+              </a:buClr>
+              <a:buSzPts val="1100"/>
+              <a:buFont typeface="Arial" panose="020B0604020202020204" pitchFamily="34" charset="0"/>
+              <a:buChar char="•"/>
+              <a:defRPr/>
+            </a:pPr>
+            <a:endParaRPr lang="en-US" sz="1100" dirty="0">
+              <a:solidFill>
+                <a:srgbClr val="677480"/>
+              </a:solidFill>
+              <a:latin typeface="Montserrat Medium" panose="020B0604020202020204" charset="0"/>
+              <a:ea typeface="Open Sans" panose="020B0604020202020204" charset="0"/>
+              <a:cs typeface="Open Sans" panose="020B0604020202020204" charset="0"/>
+              <a:sym typeface="Lato"/>
+            </a:endParaRPr>
+          </a:p>
+          <a:p>
+            <a:pPr marL="0">
+              <a:lnSpc>
+                <a:spcPct val="100000"/>
+              </a:lnSpc>
+              <a:buClr>
+                <a:srgbClr val="677480"/>
+              </a:buClr>
+              <a:buSzPts val="1100"/>
+              <a:defRPr/>
+            </a:pPr>
+            <a:r>
+              <a:rPr lang="en-US" sz="1500" dirty="0" err="1">
+                <a:solidFill>
+                  <a:srgbClr val="677480"/>
+                </a:solidFill>
+                <a:latin typeface="Montserrat Medium" panose="020B0604020202020204" charset="0"/>
+                <a:ea typeface="Open Sans" panose="020B0604020202020204" charset="0"/>
+                <a:cs typeface="Open Sans" panose="020B0604020202020204" charset="0"/>
+                <a:sym typeface="Lato"/>
+              </a:rPr>
+              <a:t>Resumen</a:t>
+            </a:r>
+            <a:r>
+              <a:rPr lang="en-US" sz="1500" dirty="0">
+                <a:solidFill>
+                  <a:srgbClr val="677480"/>
+                </a:solidFill>
+                <a:latin typeface="Montserrat Medium" panose="020B0604020202020204" charset="0"/>
+                <a:ea typeface="Open Sans" panose="020B0604020202020204" charset="0"/>
+                <a:cs typeface="Open Sans" panose="020B0604020202020204" charset="0"/>
+                <a:sym typeface="Lato"/>
+              </a:rPr>
+              <a:t> de Fractal </a:t>
+            </a:r>
+            <a:r>
+              <a:rPr lang="en-US" sz="1500" dirty="0" err="1">
+                <a:solidFill>
+                  <a:srgbClr val="677480"/>
+                </a:solidFill>
+                <a:latin typeface="Montserrat Medium" panose="020B0604020202020204" charset="0"/>
+                <a:ea typeface="Open Sans" panose="020B0604020202020204" charset="0"/>
+                <a:cs typeface="Open Sans" panose="020B0604020202020204" charset="0"/>
+                <a:sym typeface="Lato"/>
+              </a:rPr>
+              <a:t>intradiario</a:t>
+            </a:r>
+            <a:r>
+              <a:rPr lang="en-US" sz="1500" dirty="0">
+                <a:solidFill>
+                  <a:srgbClr val="677480"/>
+                </a:solidFill>
+                <a:latin typeface="Montserrat Medium" panose="020B0604020202020204" charset="0"/>
+                <a:ea typeface="Open Sans" panose="020B0604020202020204" charset="0"/>
+                <a:cs typeface="Open Sans" panose="020B0604020202020204" charset="0"/>
+                <a:sym typeface="Lato"/>
+              </a:rPr>
+              <a:t> final (FIF)</a:t>
+            </a:r>
+          </a:p>
+          <a:p>
+            <a:pPr marL="457200" lvl="2">
+              <a:lnSpc>
+                <a:spcPct val="100000"/>
+              </a:lnSpc>
+              <a:spcBef>
+                <a:spcPts val="0"/>
+              </a:spcBef>
+              <a:buClr>
+                <a:srgbClr val="677480"/>
+              </a:buClr>
+              <a:buSzPts val="1100"/>
+              <a:defRPr/>
+            </a:pPr>
+            <a:r>
+              <a:rPr lang="en-US" sz="1100" dirty="0">
+                <a:solidFill>
+                  <a:srgbClr val="677480"/>
+                </a:solidFill>
+                <a:latin typeface="Montserrat Medium" panose="020B0604020202020204" charset="0"/>
+                <a:ea typeface="Open Sans" panose="020B0604020202020204" charset="0"/>
+                <a:cs typeface="Open Sans" panose="020B0604020202020204" charset="0"/>
+                <a:sym typeface="Lato"/>
+              </a:rPr>
+              <a:t>Si hay FIR (FIR es BUY o SELL), </a:t>
+            </a:r>
+            <a:r>
+              <a:rPr lang="en-US" sz="1100" dirty="0" err="1">
+                <a:solidFill>
+                  <a:srgbClr val="677480"/>
+                </a:solidFill>
+                <a:latin typeface="Montserrat Medium" panose="020B0604020202020204" charset="0"/>
+                <a:ea typeface="Open Sans" panose="020B0604020202020204" charset="0"/>
+                <a:cs typeface="Open Sans" panose="020B0604020202020204" charset="0"/>
+                <a:sym typeface="Lato"/>
+              </a:rPr>
+              <a:t>entonces</a:t>
+            </a:r>
+            <a:endParaRPr lang="en-US" sz="1100" dirty="0">
+              <a:solidFill>
+                <a:srgbClr val="677480"/>
+              </a:solidFill>
+              <a:latin typeface="Montserrat Medium" panose="020B0604020202020204" charset="0"/>
+              <a:ea typeface="Open Sans" panose="020B0604020202020204" charset="0"/>
+              <a:cs typeface="Open Sans" panose="020B0604020202020204" charset="0"/>
+              <a:sym typeface="Lato"/>
+            </a:endParaRPr>
+          </a:p>
+          <a:p>
+            <a:pPr marL="914400" lvl="4">
+              <a:lnSpc>
+                <a:spcPct val="100000"/>
+              </a:lnSpc>
+              <a:spcBef>
+                <a:spcPts val="0"/>
+              </a:spcBef>
+              <a:buClr>
+                <a:srgbClr val="677480"/>
+              </a:buClr>
+              <a:buSzPts val="1100"/>
+              <a:defRPr/>
+            </a:pPr>
+            <a:r>
+              <a:rPr lang="en-US" sz="1100" dirty="0">
+                <a:solidFill>
+                  <a:srgbClr val="677480"/>
+                </a:solidFill>
+                <a:latin typeface="Montserrat Medium" panose="020B0604020202020204" charset="0"/>
+                <a:ea typeface="Open Sans" panose="020B0604020202020204" charset="0"/>
+                <a:cs typeface="Open Sans" panose="020B0604020202020204" charset="0"/>
+                <a:sym typeface="Lato"/>
+              </a:rPr>
+              <a:t>FIF = FIR</a:t>
+            </a:r>
+          </a:p>
+          <a:p>
+            <a:pPr marL="457200" lvl="2">
+              <a:lnSpc>
+                <a:spcPct val="100000"/>
+              </a:lnSpc>
+              <a:spcBef>
+                <a:spcPts val="0"/>
+              </a:spcBef>
+              <a:buClr>
+                <a:srgbClr val="677480"/>
+              </a:buClr>
+              <a:buSzPts val="1100"/>
+              <a:defRPr/>
+            </a:pPr>
+            <a:r>
+              <a:rPr lang="en-US" sz="1100" dirty="0">
+                <a:solidFill>
+                  <a:srgbClr val="677480"/>
+                </a:solidFill>
+                <a:latin typeface="Montserrat Medium" panose="020B0604020202020204" charset="0"/>
+                <a:ea typeface="Open Sans" panose="020B0604020202020204" charset="0"/>
+                <a:cs typeface="Open Sans" panose="020B0604020202020204" charset="0"/>
+                <a:sym typeface="Lato"/>
+              </a:rPr>
+              <a:t>Si </a:t>
+            </a:r>
+            <a:r>
+              <a:rPr lang="en-US" sz="1100" b="1" u="sng" dirty="0">
+                <a:solidFill>
+                  <a:srgbClr val="677480"/>
+                </a:solidFill>
+                <a:latin typeface="Montserrat Medium" panose="020B0604020202020204" charset="0"/>
+                <a:ea typeface="Open Sans" panose="020B0604020202020204" charset="0"/>
+                <a:cs typeface="Open Sans" panose="020B0604020202020204" charset="0"/>
+                <a:sym typeface="Lato"/>
+              </a:rPr>
+              <a:t>NO</a:t>
+            </a:r>
+            <a:r>
+              <a:rPr lang="en-US" sz="1100" dirty="0">
+                <a:solidFill>
+                  <a:srgbClr val="677480"/>
+                </a:solidFill>
+                <a:latin typeface="Montserrat Medium" panose="020B0604020202020204" charset="0"/>
+                <a:ea typeface="Open Sans" panose="020B0604020202020204" charset="0"/>
+                <a:cs typeface="Open Sans" panose="020B0604020202020204" charset="0"/>
+                <a:sym typeface="Lato"/>
+              </a:rPr>
+              <a:t> hay FIR (FIR no es </a:t>
+            </a:r>
+            <a:r>
+              <a:rPr lang="en-US" sz="1100" dirty="0" err="1">
+                <a:solidFill>
+                  <a:srgbClr val="677480"/>
+                </a:solidFill>
+                <a:latin typeface="Montserrat Medium" panose="020B0604020202020204" charset="0"/>
+                <a:ea typeface="Open Sans" panose="020B0604020202020204" charset="0"/>
+                <a:cs typeface="Open Sans" panose="020B0604020202020204" charset="0"/>
+                <a:sym typeface="Lato"/>
+              </a:rPr>
+              <a:t>ni</a:t>
+            </a:r>
+            <a:r>
+              <a:rPr lang="en-US" sz="1100" dirty="0">
+                <a:solidFill>
+                  <a:srgbClr val="677480"/>
+                </a:solidFill>
+                <a:latin typeface="Montserrat Medium" panose="020B0604020202020204" charset="0"/>
+                <a:ea typeface="Open Sans" panose="020B0604020202020204" charset="0"/>
+                <a:cs typeface="Open Sans" panose="020B0604020202020204" charset="0"/>
+                <a:sym typeface="Lato"/>
+              </a:rPr>
+              <a:t> BUY </a:t>
+            </a:r>
+            <a:r>
+              <a:rPr lang="en-US" sz="1100" dirty="0" err="1">
+                <a:solidFill>
+                  <a:srgbClr val="677480"/>
+                </a:solidFill>
+                <a:latin typeface="Montserrat Medium" panose="020B0604020202020204" charset="0"/>
+                <a:ea typeface="Open Sans" panose="020B0604020202020204" charset="0"/>
+                <a:cs typeface="Open Sans" panose="020B0604020202020204" charset="0"/>
+                <a:sym typeface="Lato"/>
+              </a:rPr>
+              <a:t>ni</a:t>
+            </a:r>
+            <a:r>
+              <a:rPr lang="en-US" sz="1100" dirty="0">
+                <a:solidFill>
+                  <a:srgbClr val="677480"/>
+                </a:solidFill>
+                <a:latin typeface="Montserrat Medium" panose="020B0604020202020204" charset="0"/>
+                <a:ea typeface="Open Sans" panose="020B0604020202020204" charset="0"/>
+                <a:cs typeface="Open Sans" panose="020B0604020202020204" charset="0"/>
+                <a:sym typeface="Lato"/>
+              </a:rPr>
+              <a:t> SELL)</a:t>
+            </a:r>
+          </a:p>
+          <a:p>
+            <a:pPr marL="914400" lvl="3">
+              <a:lnSpc>
+                <a:spcPct val="100000"/>
+              </a:lnSpc>
+              <a:spcBef>
+                <a:spcPts val="0"/>
+              </a:spcBef>
+              <a:buClr>
+                <a:srgbClr val="677480"/>
+              </a:buClr>
+              <a:buSzPts val="1100"/>
+              <a:buFont typeface="Courier New" panose="02070309020205020404" pitchFamily="49" charset="0"/>
+              <a:buChar char="o"/>
+              <a:defRPr/>
+            </a:pPr>
+            <a:r>
+              <a:rPr lang="en-US" sz="1100" dirty="0">
+                <a:solidFill>
+                  <a:srgbClr val="677480"/>
+                </a:solidFill>
+                <a:latin typeface="Montserrat Medium" panose="020B0604020202020204" charset="0"/>
+                <a:ea typeface="Open Sans" panose="020B0604020202020204" charset="0"/>
+                <a:cs typeface="Open Sans" panose="020B0604020202020204" charset="0"/>
+                <a:sym typeface="Lato"/>
+              </a:rPr>
+              <a:t>FIF = FD</a:t>
+            </a:r>
+          </a:p>
+        </p:txBody>
+      </p:sp>
+      <p:graphicFrame>
+        <p:nvGraphicFramePr>
+          <p:cNvPr id="2" name="Table 2">
+            <a:extLst>
+              <a:ext uri="{FF2B5EF4-FFF2-40B4-BE49-F238E27FC236}">
+                <a16:creationId xmlns:a16="http://schemas.microsoft.com/office/drawing/2014/main" id="{55D5BA6A-0DB7-45C8-91D0-86E4FC76768A}"/>
+              </a:ext>
+            </a:extLst>
+          </p:cNvPr>
+          <p:cNvGraphicFramePr>
+            <a:graphicFrameLocks noGrp="1"/>
+          </p:cNvGraphicFramePr>
+          <p:nvPr>
+            <p:extLst>
+              <p:ext uri="{D42A27DB-BD31-4B8C-83A1-F6EECF244321}">
+                <p14:modId xmlns:p14="http://schemas.microsoft.com/office/powerpoint/2010/main" val="3000396736"/>
+              </p:ext>
+            </p:extLst>
+          </p:nvPr>
+        </p:nvGraphicFramePr>
+        <p:xfrm>
+          <a:off x="57793" y="1112138"/>
+          <a:ext cx="9036000" cy="2651760"/>
+        </p:xfrm>
+        <a:graphic>
+          <a:graphicData uri="http://schemas.openxmlformats.org/drawingml/2006/table">
+            <a:tbl>
+              <a:tblPr firstRow="1" bandRow="1">
+                <a:tableStyleId>{26726A9D-E0CB-4EF1-A61A-D68CCAF3E86F}</a:tableStyleId>
+              </a:tblPr>
+              <a:tblGrid>
+                <a:gridCol w="828000">
+                  <a:extLst>
+                    <a:ext uri="{9D8B030D-6E8A-4147-A177-3AD203B41FA5}">
+                      <a16:colId xmlns:a16="http://schemas.microsoft.com/office/drawing/2014/main" val="3707398666"/>
+                    </a:ext>
+                  </a:extLst>
+                </a:gridCol>
+                <a:gridCol w="684000">
+                  <a:extLst>
+                    <a:ext uri="{9D8B030D-6E8A-4147-A177-3AD203B41FA5}">
+                      <a16:colId xmlns:a16="http://schemas.microsoft.com/office/drawing/2014/main" val="4293839784"/>
+                    </a:ext>
+                  </a:extLst>
+                </a:gridCol>
+                <a:gridCol w="684000">
+                  <a:extLst>
+                    <a:ext uri="{9D8B030D-6E8A-4147-A177-3AD203B41FA5}">
+                      <a16:colId xmlns:a16="http://schemas.microsoft.com/office/drawing/2014/main" val="1614306687"/>
+                    </a:ext>
+                  </a:extLst>
+                </a:gridCol>
+                <a:gridCol w="684000">
+                  <a:extLst>
+                    <a:ext uri="{9D8B030D-6E8A-4147-A177-3AD203B41FA5}">
+                      <a16:colId xmlns:a16="http://schemas.microsoft.com/office/drawing/2014/main" val="4254882390"/>
+                    </a:ext>
+                  </a:extLst>
+                </a:gridCol>
+                <a:gridCol w="684000">
+                  <a:extLst>
+                    <a:ext uri="{9D8B030D-6E8A-4147-A177-3AD203B41FA5}">
+                      <a16:colId xmlns:a16="http://schemas.microsoft.com/office/drawing/2014/main" val="792456650"/>
+                    </a:ext>
+                  </a:extLst>
+                </a:gridCol>
+                <a:gridCol w="684000">
+                  <a:extLst>
+                    <a:ext uri="{9D8B030D-6E8A-4147-A177-3AD203B41FA5}">
+                      <a16:colId xmlns:a16="http://schemas.microsoft.com/office/drawing/2014/main" val="2239605070"/>
+                    </a:ext>
+                  </a:extLst>
+                </a:gridCol>
+                <a:gridCol w="684000">
+                  <a:extLst>
+                    <a:ext uri="{9D8B030D-6E8A-4147-A177-3AD203B41FA5}">
+                      <a16:colId xmlns:a16="http://schemas.microsoft.com/office/drawing/2014/main" val="3789483854"/>
+                    </a:ext>
+                  </a:extLst>
+                </a:gridCol>
+                <a:gridCol w="684000">
+                  <a:extLst>
+                    <a:ext uri="{9D8B030D-6E8A-4147-A177-3AD203B41FA5}">
+                      <a16:colId xmlns:a16="http://schemas.microsoft.com/office/drawing/2014/main" val="2946774310"/>
+                    </a:ext>
+                  </a:extLst>
+                </a:gridCol>
+                <a:gridCol w="684000">
+                  <a:extLst>
+                    <a:ext uri="{9D8B030D-6E8A-4147-A177-3AD203B41FA5}">
+                      <a16:colId xmlns:a16="http://schemas.microsoft.com/office/drawing/2014/main" val="2165103518"/>
+                    </a:ext>
+                  </a:extLst>
+                </a:gridCol>
+                <a:gridCol w="684000">
+                  <a:extLst>
+                    <a:ext uri="{9D8B030D-6E8A-4147-A177-3AD203B41FA5}">
+                      <a16:colId xmlns:a16="http://schemas.microsoft.com/office/drawing/2014/main" val="2704840816"/>
+                    </a:ext>
+                  </a:extLst>
+                </a:gridCol>
+                <a:gridCol w="684000">
+                  <a:extLst>
+                    <a:ext uri="{9D8B030D-6E8A-4147-A177-3AD203B41FA5}">
+                      <a16:colId xmlns:a16="http://schemas.microsoft.com/office/drawing/2014/main" val="345930781"/>
+                    </a:ext>
+                  </a:extLst>
+                </a:gridCol>
+                <a:gridCol w="684000">
+                  <a:extLst>
+                    <a:ext uri="{9D8B030D-6E8A-4147-A177-3AD203B41FA5}">
+                      <a16:colId xmlns:a16="http://schemas.microsoft.com/office/drawing/2014/main" val="2846653660"/>
+                    </a:ext>
+                  </a:extLst>
+                </a:gridCol>
+                <a:gridCol w="684000">
+                  <a:extLst>
+                    <a:ext uri="{9D8B030D-6E8A-4147-A177-3AD203B41FA5}">
+                      <a16:colId xmlns:a16="http://schemas.microsoft.com/office/drawing/2014/main" val="1556081278"/>
+                    </a:ext>
+                  </a:extLst>
+                </a:gridCol>
+              </a:tblGrid>
+              <a:tr h="0">
+                <a:tc>
+                  <a:txBody>
+                    <a:bodyPr/>
+                    <a:lstStyle/>
+                    <a:p>
+                      <a:pPr algn="ctr"/>
+                      <a:r>
+                        <a:rPr lang="es-CO" sz="900" b="1" noProof="0" dirty="0">
+                          <a:latin typeface="Montserrat Medium" panose="020B0604020202020204" charset="0"/>
+                        </a:rPr>
+                        <a:t>Estrategia</a:t>
+                      </a:r>
+                    </a:p>
+                  </a:txBody>
+                  <a:tcPr anchor="ctr"/>
+                </a:tc>
+                <a:tc>
+                  <a:txBody>
+                    <a:bodyPr/>
+                    <a:lstStyle/>
+                    <a:p>
+                      <a:pPr algn="ctr"/>
+                      <a:r>
+                        <a:rPr lang="es-CO" sz="900" b="1" noProof="0" dirty="0">
+                          <a:latin typeface="Montserrat Medium" panose="020B0604020202020204" charset="0"/>
+                        </a:rPr>
+                        <a:t>Variable compra</a:t>
+                      </a:r>
+                    </a:p>
+                  </a:txBody>
+                  <a:tcPr anchor="ctr"/>
+                </a:tc>
+                <a:tc>
+                  <a:txBody>
+                    <a:bodyPr/>
+                    <a:lstStyle/>
+                    <a:p>
+                      <a:pPr algn="ctr"/>
+                      <a:r>
+                        <a:rPr lang="es-CO" sz="900" b="1" noProof="0" dirty="0">
+                          <a:latin typeface="Montserrat Medium" panose="020B0604020202020204" charset="0"/>
+                        </a:rPr>
+                        <a:t>Criterio compra</a:t>
+                      </a:r>
+                    </a:p>
+                  </a:txBody>
+                  <a:tcPr anchor="ctr"/>
+                </a:tc>
+                <a:tc>
+                  <a:txBody>
+                    <a:bodyPr/>
+                    <a:lstStyle/>
+                    <a:p>
+                      <a:pPr marL="0" marR="0" lvl="0" indent="0" algn="ctr" defTabSz="914400" rtl="0" eaLnBrk="1" fontAlgn="auto" latinLnBrk="0" hangingPunct="1">
+                        <a:lnSpc>
+                          <a:spcPct val="100000"/>
+                        </a:lnSpc>
+                        <a:spcBef>
+                          <a:spcPts val="0"/>
+                        </a:spcBef>
+                        <a:spcAft>
+                          <a:spcPts val="0"/>
+                        </a:spcAft>
+                        <a:buClr>
+                          <a:srgbClr val="000000"/>
+                        </a:buClr>
+                        <a:buSzTx/>
+                        <a:buFont typeface="Arial"/>
+                        <a:buNone/>
+                        <a:tabLst/>
+                        <a:defRPr/>
+                      </a:pPr>
+                      <a:r>
+                        <a:rPr lang="es-CO" sz="900" b="1" noProof="0" dirty="0">
+                          <a:latin typeface="Montserrat Medium" panose="020B0604020202020204" charset="0"/>
+                        </a:rPr>
+                        <a:t>Función</a:t>
+                      </a:r>
+                    </a:p>
+                    <a:p>
+                      <a:pPr algn="ctr"/>
+                      <a:r>
+                        <a:rPr lang="es-CO" sz="900" b="1" noProof="0" dirty="0">
+                          <a:latin typeface="Montserrat Medium" panose="020B0604020202020204" charset="0"/>
+                        </a:rPr>
+                        <a:t>compra</a:t>
+                      </a:r>
+                    </a:p>
+                  </a:txBody>
+                  <a:tcPr anchor="ctr"/>
+                </a:tc>
+                <a:tc>
+                  <a:txBody>
+                    <a:bodyPr/>
+                    <a:lstStyle/>
+                    <a:p>
+                      <a:pPr algn="ctr"/>
+                      <a:r>
+                        <a:rPr lang="es-CO" sz="900" b="1" noProof="0" dirty="0">
+                          <a:latin typeface="Montserrat Medium" panose="020B0604020202020204" charset="0"/>
+                        </a:rPr>
+                        <a:t>Ref. compra</a:t>
+                      </a:r>
+                    </a:p>
+                  </a:txBody>
+                  <a:tcPr anchor="ctr"/>
+                </a:tc>
+                <a:tc>
+                  <a:txBody>
+                    <a:bodyPr/>
+                    <a:lstStyle/>
+                    <a:p>
+                      <a:pPr algn="ctr"/>
+                      <a:r>
+                        <a:rPr lang="es-CO" sz="900" b="1" noProof="0" dirty="0">
+                          <a:latin typeface="Montserrat Medium" panose="020B0604020202020204" charset="0"/>
+                        </a:rPr>
+                        <a:t>Señal compra</a:t>
+                      </a:r>
+                    </a:p>
+                  </a:txBody>
+                  <a:tcPr anchor="ctr"/>
+                </a:tc>
+                <a:tc>
+                  <a:txBody>
+                    <a:bodyPr/>
+                    <a:lstStyle/>
+                    <a:p>
+                      <a:pPr algn="ctr"/>
+                      <a:r>
+                        <a:rPr lang="es-CO" sz="900" b="1" noProof="0" dirty="0">
+                          <a:latin typeface="Montserrat Medium" panose="020B0604020202020204" charset="0"/>
+                        </a:rPr>
+                        <a:t>Variable venta</a:t>
+                      </a:r>
+                    </a:p>
+                  </a:txBody>
+                  <a:tcPr anchor="ctr"/>
+                </a:tc>
+                <a:tc>
+                  <a:txBody>
+                    <a:bodyPr/>
+                    <a:lstStyle/>
+                    <a:p>
+                      <a:pPr algn="ctr"/>
+                      <a:r>
+                        <a:rPr lang="es-CO" sz="900" b="1" noProof="0" dirty="0">
+                          <a:latin typeface="Montserrat Medium" panose="020B0604020202020204" charset="0"/>
+                        </a:rPr>
+                        <a:t>Criterio venta</a:t>
+                      </a:r>
+                    </a:p>
+                  </a:txBody>
+                  <a:tcPr anchor="ctr"/>
+                </a:tc>
+                <a:tc>
+                  <a:txBody>
+                    <a:bodyPr/>
+                    <a:lstStyle/>
+                    <a:p>
+                      <a:pPr algn="ctr"/>
+                      <a:r>
+                        <a:rPr lang="es-CO" sz="900" b="1" noProof="0" dirty="0">
+                          <a:latin typeface="Montserrat Medium" panose="020B0604020202020204" charset="0"/>
+                        </a:rPr>
+                        <a:t>Función venta</a:t>
+                      </a:r>
+                    </a:p>
+                  </a:txBody>
+                  <a:tcPr anchor="ctr"/>
+                </a:tc>
+                <a:tc>
+                  <a:txBody>
+                    <a:bodyPr/>
+                    <a:lstStyle/>
+                    <a:p>
+                      <a:pPr algn="ctr"/>
+                      <a:r>
+                        <a:rPr lang="es-CO" sz="900" b="1" noProof="0" dirty="0">
+                          <a:latin typeface="Montserrat Medium" panose="020B0604020202020204" charset="0"/>
+                        </a:rPr>
+                        <a:t>Ref. venta</a:t>
+                      </a:r>
+                    </a:p>
+                  </a:txBody>
+                  <a:tcPr anchor="ctr"/>
+                </a:tc>
+                <a:tc>
+                  <a:txBody>
+                    <a:bodyPr/>
+                    <a:lstStyle/>
+                    <a:p>
+                      <a:pPr algn="ctr"/>
+                      <a:r>
+                        <a:rPr lang="es-CO" sz="900" b="1" noProof="0" dirty="0">
+                          <a:latin typeface="Montserrat Medium" panose="020B0604020202020204" charset="0"/>
+                        </a:rPr>
+                        <a:t>Señal venta</a:t>
+                      </a:r>
+                    </a:p>
+                  </a:txBody>
+                  <a:tcPr anchor="ctr"/>
+                </a:tc>
+                <a:tc>
+                  <a:txBody>
+                    <a:bodyPr/>
+                    <a:lstStyle/>
+                    <a:p>
+                      <a:pPr algn="ctr"/>
+                      <a:r>
+                        <a:rPr lang="es-CO" sz="900" b="1" noProof="0" dirty="0">
+                          <a:latin typeface="Montserrat Medium" panose="020B0604020202020204" charset="0"/>
+                        </a:rPr>
+                        <a:t>Periodo inicio</a:t>
+                      </a:r>
+                    </a:p>
+                  </a:txBody>
+                  <a:tcPr anchor="ctr"/>
+                </a:tc>
+                <a:tc>
+                  <a:txBody>
+                    <a:bodyPr/>
+                    <a:lstStyle/>
+                    <a:p>
+                      <a:pPr algn="ctr"/>
+                      <a:r>
+                        <a:rPr lang="es-CO" sz="900" b="1" noProof="0" dirty="0">
+                          <a:latin typeface="Montserrat Medium" panose="020B0604020202020204" charset="0"/>
+                        </a:rPr>
+                        <a:t>Periodo fin</a:t>
+                      </a:r>
+                    </a:p>
+                  </a:txBody>
+                  <a:tcPr anchor="ctr"/>
+                </a:tc>
+                <a:extLst>
+                  <a:ext uri="{0D108BD9-81ED-4DB2-BD59-A6C34878D82A}">
+                    <a16:rowId xmlns:a16="http://schemas.microsoft.com/office/drawing/2014/main" val="2888573755"/>
+                  </a:ext>
+                </a:extLst>
+              </a:tr>
+              <a:tr h="0">
+                <a:tc>
+                  <a:txBody>
+                    <a:bodyPr/>
+                    <a:lstStyle/>
+                    <a:p>
+                      <a:r>
+                        <a:rPr lang="es-CO" sz="900" noProof="0" dirty="0">
+                          <a:latin typeface="Montserrat Medium" panose="020B0604020202020204" charset="0"/>
+                        </a:rPr>
+                        <a:t>FIR</a:t>
+                      </a:r>
+                    </a:p>
+                  </a:txBody>
+                  <a:tcPr/>
+                </a:tc>
+                <a:tc>
+                  <a:txBody>
+                    <a:bodyPr/>
+                    <a:lstStyle/>
+                    <a:p>
+                      <a:pPr algn="ctr"/>
+                      <a:r>
+                        <a:rPr lang="es-CO" sz="900" noProof="0" dirty="0">
+                          <a:latin typeface="Montserrat Medium" panose="020B0604020202020204" charset="0"/>
+                        </a:rPr>
+                        <a:t>CLOSE</a:t>
+                      </a:r>
+                    </a:p>
+                  </a:txBody>
+                  <a:tcPr/>
+                </a:tc>
+                <a:tc>
+                  <a:txBody>
+                    <a:bodyPr/>
+                    <a:lstStyle/>
+                    <a:p>
+                      <a:pPr algn="ctr"/>
+                      <a:r>
+                        <a:rPr lang="es-CO" sz="900" noProof="0" dirty="0">
+                          <a:latin typeface="Montserrat Medium" panose="020B0604020202020204" charset="0"/>
+                        </a:rPr>
+                        <a:t>&gt;</a:t>
+                      </a:r>
+                    </a:p>
+                  </a:txBody>
+                  <a:tcPr/>
+                </a:tc>
+                <a:tc>
+                  <a:txBody>
+                    <a:bodyPr/>
+                    <a:lstStyle/>
+                    <a:p>
+                      <a:pPr algn="ctr"/>
+                      <a:r>
+                        <a:rPr lang="es-CO" sz="900" noProof="0" dirty="0" err="1">
+                          <a:latin typeface="Montserrat Medium" panose="020B0604020202020204" charset="0"/>
+                        </a:rPr>
+                        <a:t>max</a:t>
+                      </a:r>
+                      <a:endParaRPr lang="es-CO" sz="900" noProof="0" dirty="0">
+                        <a:latin typeface="Montserrat Medium" panose="020B0604020202020204" charset="0"/>
+                      </a:endParaRPr>
+                    </a:p>
+                  </a:txBody>
+                  <a:tcPr/>
+                </a:tc>
+                <a:tc>
+                  <a:txBody>
+                    <a:bodyPr/>
+                    <a:lstStyle/>
+                    <a:p>
+                      <a:pPr algn="ctr"/>
+                      <a:r>
+                        <a:rPr lang="es-CO" sz="900" noProof="0" dirty="0">
+                          <a:latin typeface="Montserrat Medium" panose="020B0604020202020204" charset="0"/>
+                        </a:rPr>
+                        <a:t>HIGH</a:t>
+                      </a:r>
+                    </a:p>
+                  </a:txBody>
+                  <a:tcPr/>
+                </a:tc>
+                <a:tc>
+                  <a:txBody>
+                    <a:bodyPr/>
+                    <a:lstStyle/>
+                    <a:p>
+                      <a:pPr algn="ctr"/>
+                      <a:r>
+                        <a:rPr lang="es-CO" sz="900" noProof="0" dirty="0">
+                          <a:latin typeface="Montserrat Medium" panose="020B0604020202020204" charset="0"/>
+                        </a:rPr>
+                        <a:t>BUY</a:t>
+                      </a:r>
+                    </a:p>
+                  </a:txBody>
+                  <a:tcPr/>
+                </a:tc>
+                <a:tc>
+                  <a:txBody>
+                    <a:bodyPr/>
+                    <a:lstStyle/>
+                    <a:p>
+                      <a:pPr algn="ctr"/>
+                      <a:r>
+                        <a:rPr lang="es-CO" sz="900" noProof="0" dirty="0">
+                          <a:latin typeface="Montserrat Medium" panose="020B0604020202020204" charset="0"/>
+                        </a:rPr>
+                        <a:t>CLOSE</a:t>
+                      </a:r>
+                    </a:p>
+                  </a:txBody>
+                  <a:tcPr/>
+                </a:tc>
+                <a:tc>
+                  <a:txBody>
+                    <a:bodyPr/>
+                    <a:lstStyle/>
+                    <a:p>
+                      <a:pPr algn="ctr"/>
+                      <a:r>
+                        <a:rPr lang="es-CO" sz="900" noProof="0" dirty="0">
+                          <a:latin typeface="Montserrat Medium" panose="020B0604020202020204" charset="0"/>
+                        </a:rPr>
+                        <a:t>&lt;</a:t>
+                      </a:r>
+                    </a:p>
+                  </a:txBody>
+                  <a:tcPr/>
+                </a:tc>
+                <a:tc>
+                  <a:txBody>
+                    <a:bodyPr/>
+                    <a:lstStyle/>
+                    <a:p>
+                      <a:pPr algn="ctr"/>
+                      <a:r>
+                        <a:rPr lang="es-CO" sz="900" noProof="0" dirty="0">
+                          <a:latin typeface="Montserrat Medium" panose="020B0604020202020204" charset="0"/>
+                        </a:rPr>
+                        <a:t>min</a:t>
+                      </a:r>
+                    </a:p>
+                  </a:txBody>
+                  <a:tcPr/>
+                </a:tc>
+                <a:tc>
+                  <a:txBody>
+                    <a:bodyPr/>
+                    <a:lstStyle/>
+                    <a:p>
+                      <a:pPr algn="ctr"/>
+                      <a:r>
+                        <a:rPr lang="es-CO" sz="900" noProof="0" dirty="0">
+                          <a:latin typeface="Montserrat Medium" panose="020B0604020202020204" charset="0"/>
+                        </a:rPr>
+                        <a:t>LOW</a:t>
+                      </a:r>
+                    </a:p>
+                  </a:txBody>
+                  <a:tcPr/>
+                </a:tc>
+                <a:tc>
+                  <a:txBody>
+                    <a:bodyPr/>
+                    <a:lstStyle/>
+                    <a:p>
+                      <a:pPr algn="ctr"/>
+                      <a:r>
+                        <a:rPr lang="es-CO" sz="900" noProof="0" dirty="0">
+                          <a:latin typeface="Montserrat Medium" panose="020B0604020202020204" charset="0"/>
+                        </a:rPr>
+                        <a:t>SELL</a:t>
+                      </a:r>
+                    </a:p>
+                  </a:txBody>
+                  <a:tcPr/>
+                </a:tc>
+                <a:tc>
+                  <a:txBody>
+                    <a:bodyPr/>
+                    <a:lstStyle/>
+                    <a:p>
+                      <a:pPr algn="ctr"/>
+                      <a:r>
+                        <a:rPr lang="es-CO" sz="900" noProof="0" dirty="0">
+                          <a:latin typeface="Montserrat Medium" panose="020B0604020202020204" charset="0"/>
+                        </a:rPr>
+                        <a:t>FDX</a:t>
+                      </a:r>
+                    </a:p>
+                  </a:txBody>
+                  <a:tcPr/>
+                </a:tc>
+                <a:tc>
+                  <a:txBody>
+                    <a:bodyPr/>
+                    <a:lstStyle/>
+                    <a:p>
+                      <a:pPr algn="ctr"/>
+                      <a:r>
+                        <a:rPr lang="es-CO" sz="900" noProof="0" dirty="0">
+                          <a:latin typeface="Montserrat Medium" panose="020B0604020202020204" charset="0"/>
+                        </a:rPr>
+                        <a:t>FDX</a:t>
+                      </a:r>
+                    </a:p>
+                  </a:txBody>
+                  <a:tcPr/>
+                </a:tc>
+                <a:extLst>
+                  <a:ext uri="{0D108BD9-81ED-4DB2-BD59-A6C34878D82A}">
+                    <a16:rowId xmlns:a16="http://schemas.microsoft.com/office/drawing/2014/main" val="3422260265"/>
+                  </a:ext>
+                </a:extLst>
+              </a:tr>
+              <a:tr h="0">
+                <a:tc>
+                  <a:txBody>
+                    <a:bodyPr/>
+                    <a:lstStyle/>
+                    <a:p>
+                      <a:r>
+                        <a:rPr lang="es-CO" sz="900" noProof="0" dirty="0">
+                          <a:latin typeface="Montserrat Medium" panose="020B0604020202020204" charset="0"/>
+                        </a:rPr>
+                        <a:t>FI1 – FD1</a:t>
+                      </a:r>
+                    </a:p>
+                  </a:txBody>
+                  <a:tcPr/>
+                </a:tc>
+                <a:tc>
+                  <a:txBody>
+                    <a:bodyPr/>
+                    <a:lstStyle/>
+                    <a:p>
+                      <a:pPr algn="ctr"/>
+                      <a:r>
+                        <a:rPr lang="es-CO" sz="900" noProof="0" dirty="0">
+                          <a:latin typeface="Montserrat Medium" panose="020B0604020202020204" charset="0"/>
+                        </a:rPr>
+                        <a:t>CLOSE</a:t>
+                      </a:r>
+                    </a:p>
+                  </a:txBody>
+                  <a:tcPr/>
+                </a:tc>
+                <a:tc>
+                  <a:txBody>
+                    <a:bodyPr/>
+                    <a:lstStyle/>
+                    <a:p>
+                      <a:pPr algn="ctr"/>
+                      <a:r>
+                        <a:rPr lang="es-CO" sz="900" noProof="0" dirty="0">
+                          <a:latin typeface="Montserrat Medium" panose="020B0604020202020204" charset="0"/>
+                        </a:rPr>
+                        <a:t>&gt;</a:t>
+                      </a:r>
+                    </a:p>
+                  </a:txBody>
+                  <a:tcPr/>
+                </a:tc>
+                <a:tc>
+                  <a:txBody>
+                    <a:bodyPr/>
+                    <a:lstStyle/>
+                    <a:p>
+                      <a:pPr algn="ctr"/>
+                      <a:r>
+                        <a:rPr lang="es-CO" sz="900" noProof="0" dirty="0" err="1">
+                          <a:latin typeface="Montserrat Medium" panose="020B0604020202020204" charset="0"/>
+                        </a:rPr>
+                        <a:t>max</a:t>
+                      </a:r>
+                      <a:endParaRPr lang="es-CO" sz="900" noProof="0" dirty="0">
+                        <a:latin typeface="Montserrat Medium" panose="020B0604020202020204" charset="0"/>
+                      </a:endParaRPr>
+                    </a:p>
+                  </a:txBody>
+                  <a:tcPr/>
+                </a:tc>
+                <a:tc>
+                  <a:txBody>
+                    <a:bodyPr/>
+                    <a:lstStyle/>
+                    <a:p>
+                      <a:pPr algn="ctr"/>
+                      <a:r>
+                        <a:rPr lang="es-CO" sz="900" noProof="0" dirty="0">
+                          <a:latin typeface="Montserrat Medium" panose="020B0604020202020204" charset="0"/>
+                        </a:rPr>
+                        <a:t>HIGH</a:t>
+                      </a:r>
+                    </a:p>
+                  </a:txBody>
+                  <a:tcPr/>
+                </a:tc>
+                <a:tc>
+                  <a:txBody>
+                    <a:bodyPr/>
+                    <a:lstStyle/>
+                    <a:p>
+                      <a:pPr algn="ctr"/>
+                      <a:r>
+                        <a:rPr lang="es-CO" sz="900" noProof="0" dirty="0">
+                          <a:latin typeface="Montserrat Medium" panose="020B0604020202020204" charset="0"/>
+                        </a:rPr>
+                        <a:t>BUY</a:t>
+                      </a:r>
+                    </a:p>
+                  </a:txBody>
+                  <a:tcPr/>
+                </a:tc>
+                <a:tc>
+                  <a:txBody>
+                    <a:bodyPr/>
+                    <a:lstStyle/>
+                    <a:p>
+                      <a:pPr algn="ctr"/>
+                      <a:r>
+                        <a:rPr lang="es-CO" sz="900" noProof="0" dirty="0">
+                          <a:latin typeface="Montserrat Medium" panose="020B0604020202020204" charset="0"/>
+                        </a:rPr>
+                        <a:t>CLOSE</a:t>
+                      </a:r>
+                    </a:p>
+                  </a:txBody>
+                  <a:tcPr/>
+                </a:tc>
+                <a:tc>
+                  <a:txBody>
+                    <a:bodyPr/>
+                    <a:lstStyle/>
+                    <a:p>
+                      <a:pPr algn="ctr"/>
+                      <a:r>
+                        <a:rPr lang="es-CO" sz="900" noProof="0" dirty="0">
+                          <a:latin typeface="Montserrat Medium" panose="020B0604020202020204" charset="0"/>
+                        </a:rPr>
+                        <a:t>&lt;</a:t>
+                      </a:r>
+                    </a:p>
+                  </a:txBody>
+                  <a:tcPr/>
+                </a:tc>
+                <a:tc>
+                  <a:txBody>
+                    <a:bodyPr/>
+                    <a:lstStyle/>
+                    <a:p>
+                      <a:pPr algn="ctr"/>
+                      <a:r>
+                        <a:rPr lang="es-CO" sz="900" noProof="0" dirty="0">
+                          <a:latin typeface="Montserrat Medium" panose="020B0604020202020204" charset="0"/>
+                        </a:rPr>
+                        <a:t>min</a:t>
+                      </a:r>
+                    </a:p>
+                  </a:txBody>
+                  <a:tcPr/>
+                </a:tc>
+                <a:tc>
+                  <a:txBody>
+                    <a:bodyPr/>
+                    <a:lstStyle/>
+                    <a:p>
+                      <a:pPr algn="ctr"/>
+                      <a:r>
+                        <a:rPr lang="es-CO" sz="900" noProof="0" dirty="0">
+                          <a:latin typeface="Montserrat Medium" panose="020B0604020202020204" charset="0"/>
+                        </a:rPr>
+                        <a:t>LOW</a:t>
+                      </a:r>
+                    </a:p>
+                  </a:txBody>
+                  <a:tcPr/>
+                </a:tc>
+                <a:tc>
+                  <a:txBody>
+                    <a:bodyPr/>
+                    <a:lstStyle/>
+                    <a:p>
+                      <a:pPr algn="ctr"/>
+                      <a:r>
+                        <a:rPr lang="es-CO" sz="900" noProof="0" dirty="0">
+                          <a:latin typeface="Montserrat Medium" panose="020B0604020202020204" charset="0"/>
+                        </a:rPr>
+                        <a:t>SELL</a:t>
+                      </a:r>
+                    </a:p>
+                  </a:txBody>
+                  <a:tcPr/>
+                </a:tc>
+                <a:tc>
+                  <a:txBody>
+                    <a:bodyPr/>
+                    <a:lstStyle/>
+                    <a:p>
+                      <a:pPr algn="ctr"/>
+                      <a:r>
+                        <a:rPr lang="es-CO" sz="900" noProof="0" dirty="0">
+                          <a:latin typeface="Montserrat Medium" panose="020B0604020202020204" charset="0"/>
+                        </a:rPr>
+                        <a:t>-4</a:t>
+                      </a:r>
+                    </a:p>
+                  </a:txBody>
+                  <a:tcPr/>
+                </a:tc>
+                <a:tc>
+                  <a:txBody>
+                    <a:bodyPr/>
+                    <a:lstStyle/>
+                    <a:p>
+                      <a:pPr algn="ctr"/>
+                      <a:r>
+                        <a:rPr lang="es-CO" sz="900" noProof="0" dirty="0">
+                          <a:latin typeface="Montserrat Medium" panose="020B0604020202020204" charset="0"/>
+                        </a:rPr>
+                        <a:t>-1</a:t>
+                      </a:r>
+                    </a:p>
+                  </a:txBody>
+                  <a:tcPr/>
+                </a:tc>
+                <a:extLst>
+                  <a:ext uri="{0D108BD9-81ED-4DB2-BD59-A6C34878D82A}">
+                    <a16:rowId xmlns:a16="http://schemas.microsoft.com/office/drawing/2014/main" val="4184399363"/>
+                  </a:ext>
+                </a:extLst>
+              </a:tr>
+              <a:tr h="0">
+                <a:tc>
+                  <a:txBody>
+                    <a:bodyPr/>
+                    <a:lstStyle/>
+                    <a:p>
+                      <a:r>
+                        <a:rPr kumimoji="0" lang="es-CO" sz="900" b="0" i="0" u="none" strike="noStrike" kern="0" cap="none" spc="0" normalizeH="0" baseline="0" noProof="0" dirty="0">
+                          <a:ln>
+                            <a:noFill/>
+                          </a:ln>
+                          <a:solidFill>
+                            <a:srgbClr val="000000"/>
+                          </a:solidFill>
+                          <a:effectLst/>
+                          <a:uLnTx/>
+                          <a:uFillTx/>
+                          <a:latin typeface="Montserrat Medium" panose="020B0604020202020204" charset="0"/>
+                          <a:cs typeface="Arial"/>
+                          <a:sym typeface="Arial"/>
+                        </a:rPr>
+                        <a:t>FI2 – FD2</a:t>
+                      </a:r>
+                      <a:endParaRPr lang="es-CO" sz="900" noProof="0" dirty="0">
+                        <a:latin typeface="Montserrat Medium" panose="020B0604020202020204" charset="0"/>
+                      </a:endParaRPr>
+                    </a:p>
+                  </a:txBody>
+                  <a:tcPr/>
+                </a:tc>
+                <a:tc>
+                  <a:txBody>
+                    <a:bodyPr/>
+                    <a:lstStyle/>
+                    <a:p>
+                      <a:pPr algn="ctr"/>
+                      <a:r>
+                        <a:rPr lang="es-CO" sz="900" noProof="0" dirty="0">
+                          <a:latin typeface="Montserrat Medium" panose="020B0604020202020204" charset="0"/>
+                        </a:rPr>
+                        <a:t>CLOSE</a:t>
+                      </a:r>
+                    </a:p>
+                  </a:txBody>
+                  <a:tcPr/>
+                </a:tc>
+                <a:tc>
+                  <a:txBody>
+                    <a:bodyPr/>
+                    <a:lstStyle/>
+                    <a:p>
+                      <a:pPr algn="ctr"/>
+                      <a:r>
+                        <a:rPr lang="es-CO" sz="900" noProof="0" dirty="0">
+                          <a:latin typeface="Montserrat Medium" panose="020B0604020202020204" charset="0"/>
+                        </a:rPr>
+                        <a:t>&gt;</a:t>
+                      </a:r>
+                    </a:p>
+                  </a:txBody>
+                  <a:tcPr/>
+                </a:tc>
+                <a:tc>
+                  <a:txBody>
+                    <a:bodyPr/>
+                    <a:lstStyle/>
+                    <a:p>
+                      <a:pPr algn="ctr"/>
+                      <a:r>
+                        <a:rPr lang="es-CO" sz="900" noProof="0" dirty="0" err="1">
+                          <a:latin typeface="Montserrat Medium" panose="020B0604020202020204" charset="0"/>
+                        </a:rPr>
+                        <a:t>max</a:t>
+                      </a:r>
+                      <a:endParaRPr lang="es-CO" sz="900" noProof="0" dirty="0">
+                        <a:latin typeface="Montserrat Medium" panose="020B0604020202020204" charset="0"/>
+                      </a:endParaRPr>
+                    </a:p>
+                  </a:txBody>
+                  <a:tcPr/>
+                </a:tc>
+                <a:tc>
+                  <a:txBody>
+                    <a:bodyPr/>
+                    <a:lstStyle/>
+                    <a:p>
+                      <a:pPr marL="0" marR="0" lvl="0" indent="0" algn="ctr" defTabSz="914400" rtl="0" eaLnBrk="1" fontAlgn="auto" latinLnBrk="0" hangingPunct="1">
+                        <a:lnSpc>
+                          <a:spcPct val="100000"/>
+                        </a:lnSpc>
+                        <a:spcBef>
+                          <a:spcPts val="0"/>
+                        </a:spcBef>
+                        <a:spcAft>
+                          <a:spcPts val="0"/>
+                        </a:spcAft>
+                        <a:buClr>
+                          <a:srgbClr val="000000"/>
+                        </a:buClr>
+                        <a:buSzTx/>
+                        <a:buFont typeface="Arial"/>
+                        <a:buNone/>
+                        <a:tabLst/>
+                        <a:defRPr/>
+                      </a:pPr>
+                      <a:r>
+                        <a:rPr lang="es-CO" sz="900" noProof="0" dirty="0">
+                          <a:latin typeface="Montserrat Medium" panose="020B0604020202020204" charset="0"/>
+                        </a:rPr>
+                        <a:t>HIGH</a:t>
+                      </a:r>
+                    </a:p>
+                  </a:txBody>
+                  <a:tcPr/>
+                </a:tc>
+                <a:tc>
+                  <a:txBody>
+                    <a:bodyPr/>
+                    <a:lstStyle/>
+                    <a:p>
+                      <a:pPr algn="ctr"/>
+                      <a:r>
+                        <a:rPr lang="es-CO" sz="900" noProof="0" dirty="0">
+                          <a:latin typeface="Montserrat Medium" panose="020B0604020202020204" charset="0"/>
+                        </a:rPr>
+                        <a:t>BUY</a:t>
+                      </a:r>
+                    </a:p>
+                  </a:txBody>
+                  <a:tcPr/>
+                </a:tc>
+                <a:tc>
+                  <a:txBody>
+                    <a:bodyPr/>
+                    <a:lstStyle/>
+                    <a:p>
+                      <a:pPr algn="ctr"/>
+                      <a:r>
+                        <a:rPr lang="es-CO" sz="900" noProof="0" dirty="0">
+                          <a:latin typeface="Montserrat Medium" panose="020B0604020202020204" charset="0"/>
+                        </a:rPr>
+                        <a:t>CLOSE</a:t>
+                      </a:r>
+                    </a:p>
+                  </a:txBody>
+                  <a:tcPr/>
+                </a:tc>
+                <a:tc>
+                  <a:txBody>
+                    <a:bodyPr/>
+                    <a:lstStyle/>
+                    <a:p>
+                      <a:pPr algn="ctr"/>
+                      <a:r>
+                        <a:rPr lang="es-CO" sz="900" noProof="0" dirty="0">
+                          <a:latin typeface="Montserrat Medium" panose="020B0604020202020204" charset="0"/>
+                        </a:rPr>
+                        <a:t>&lt;</a:t>
+                      </a:r>
+                    </a:p>
+                  </a:txBody>
+                  <a:tcPr/>
+                </a:tc>
+                <a:tc>
+                  <a:txBody>
+                    <a:bodyPr/>
+                    <a:lstStyle/>
+                    <a:p>
+                      <a:pPr algn="ctr"/>
+                      <a:r>
+                        <a:rPr lang="es-CO" sz="900" noProof="0" dirty="0">
+                          <a:latin typeface="Montserrat Medium" panose="020B0604020202020204" charset="0"/>
+                        </a:rPr>
+                        <a:t>min</a:t>
+                      </a:r>
+                    </a:p>
+                  </a:txBody>
+                  <a:tcPr/>
+                </a:tc>
+                <a:tc>
+                  <a:txBody>
+                    <a:bodyPr/>
+                    <a:lstStyle/>
+                    <a:p>
+                      <a:pPr marL="0" marR="0" lvl="0" indent="0" algn="ctr" defTabSz="914400" rtl="0" eaLnBrk="1" fontAlgn="auto" latinLnBrk="0" hangingPunct="1">
+                        <a:lnSpc>
+                          <a:spcPct val="100000"/>
+                        </a:lnSpc>
+                        <a:spcBef>
+                          <a:spcPts val="0"/>
+                        </a:spcBef>
+                        <a:spcAft>
+                          <a:spcPts val="0"/>
+                        </a:spcAft>
+                        <a:buClr>
+                          <a:srgbClr val="000000"/>
+                        </a:buClr>
+                        <a:buSzTx/>
+                        <a:buFont typeface="Arial"/>
+                        <a:buNone/>
+                        <a:tabLst/>
+                        <a:defRPr/>
+                      </a:pPr>
+                      <a:r>
+                        <a:rPr lang="es-CO" sz="900" noProof="0" dirty="0">
+                          <a:latin typeface="Montserrat Medium" panose="020B0604020202020204" charset="0"/>
+                        </a:rPr>
+                        <a:t>LOW</a:t>
+                      </a:r>
+                    </a:p>
+                  </a:txBody>
+                  <a:tcPr/>
+                </a:tc>
+                <a:tc>
+                  <a:txBody>
+                    <a:bodyPr/>
+                    <a:lstStyle/>
+                    <a:p>
+                      <a:pPr algn="ctr"/>
+                      <a:r>
+                        <a:rPr lang="es-CO" sz="900" noProof="0" dirty="0">
+                          <a:latin typeface="Montserrat Medium" panose="020B0604020202020204" charset="0"/>
+                        </a:rPr>
+                        <a:t>SELL</a:t>
+                      </a:r>
+                    </a:p>
+                  </a:txBody>
+                  <a:tcPr/>
+                </a:tc>
+                <a:tc>
+                  <a:txBody>
+                    <a:bodyPr/>
+                    <a:lstStyle/>
+                    <a:p>
+                      <a:pPr algn="ctr"/>
+                      <a:r>
+                        <a:rPr lang="es-CO" sz="900" noProof="0" dirty="0">
+                          <a:latin typeface="Montserrat Medium" panose="020B0604020202020204" charset="0"/>
+                        </a:rPr>
+                        <a:t>-5</a:t>
+                      </a:r>
+                    </a:p>
+                  </a:txBody>
+                  <a:tcPr/>
+                </a:tc>
+                <a:tc>
+                  <a:txBody>
+                    <a:bodyPr/>
+                    <a:lstStyle/>
+                    <a:p>
+                      <a:pPr algn="ctr"/>
+                      <a:r>
+                        <a:rPr lang="es-CO" sz="900" noProof="0" dirty="0">
+                          <a:latin typeface="Montserrat Medium" panose="020B0604020202020204" charset="0"/>
+                        </a:rPr>
+                        <a:t>-2</a:t>
+                      </a:r>
+                    </a:p>
+                  </a:txBody>
+                  <a:tcPr/>
+                </a:tc>
+                <a:extLst>
+                  <a:ext uri="{0D108BD9-81ED-4DB2-BD59-A6C34878D82A}">
+                    <a16:rowId xmlns:a16="http://schemas.microsoft.com/office/drawing/2014/main" val="2627516057"/>
+                  </a:ext>
+                </a:extLst>
+              </a:tr>
+              <a:tr h="0">
+                <a:tc>
+                  <a:txBody>
+                    <a:bodyPr/>
+                    <a:lstStyle/>
+                    <a:p>
+                      <a:r>
+                        <a:rPr kumimoji="0" lang="es-CO" sz="900" b="0" i="0" u="none" strike="noStrike" kern="0" cap="none" spc="0" normalizeH="0" baseline="0" noProof="0" dirty="0">
+                          <a:ln>
+                            <a:noFill/>
+                          </a:ln>
+                          <a:solidFill>
+                            <a:srgbClr val="000000"/>
+                          </a:solidFill>
+                          <a:effectLst/>
+                          <a:uLnTx/>
+                          <a:uFillTx/>
+                          <a:latin typeface="Montserrat Medium" panose="020B0604020202020204" charset="0"/>
+                          <a:cs typeface="Arial"/>
+                          <a:sym typeface="Arial"/>
+                        </a:rPr>
+                        <a:t>FI3 – FD3</a:t>
+                      </a:r>
+                      <a:endParaRPr lang="es-CO" sz="900" b="0" noProof="0" dirty="0">
+                        <a:latin typeface="Montserrat Medium" panose="020B0604020202020204" charset="0"/>
+                      </a:endParaRPr>
+                    </a:p>
+                  </a:txBody>
+                  <a:tcPr/>
+                </a:tc>
+                <a:tc>
+                  <a:txBody>
+                    <a:bodyPr/>
+                    <a:lstStyle/>
+                    <a:p>
+                      <a:pPr algn="ctr"/>
+                      <a:r>
+                        <a:rPr lang="es-CO" sz="900" b="0" noProof="0" dirty="0">
+                          <a:latin typeface="Montserrat Medium" panose="020B0604020202020204" charset="0"/>
+                        </a:rPr>
+                        <a:t>CLOSE</a:t>
+                      </a:r>
+                    </a:p>
+                  </a:txBody>
+                  <a:tcPr/>
+                </a:tc>
+                <a:tc>
+                  <a:txBody>
+                    <a:bodyPr/>
+                    <a:lstStyle/>
+                    <a:p>
+                      <a:pPr algn="ctr"/>
+                      <a:r>
+                        <a:rPr lang="es-CO" sz="900" b="0" noProof="0" dirty="0">
+                          <a:latin typeface="Montserrat Medium" panose="020B0604020202020204" charset="0"/>
+                        </a:rPr>
+                        <a:t>&gt;</a:t>
+                      </a:r>
+                    </a:p>
+                  </a:txBody>
+                  <a:tcPr/>
+                </a:tc>
+                <a:tc>
+                  <a:txBody>
+                    <a:bodyPr/>
+                    <a:lstStyle/>
+                    <a:p>
+                      <a:pPr algn="ctr"/>
+                      <a:r>
+                        <a:rPr lang="es-CO" sz="900" b="0" noProof="0" dirty="0">
+                          <a:latin typeface="Montserrat Medium" panose="020B0604020202020204" charset="0"/>
+                        </a:rPr>
+                        <a:t>min</a:t>
+                      </a:r>
+                    </a:p>
+                  </a:txBody>
+                  <a:tcPr/>
+                </a:tc>
+                <a:tc>
+                  <a:txBody>
+                    <a:bodyPr/>
+                    <a:lstStyle/>
+                    <a:p>
+                      <a:pPr algn="ctr"/>
+                      <a:r>
+                        <a:rPr lang="es-CO" sz="900" b="0" noProof="0" dirty="0">
+                          <a:latin typeface="Montserrat Medium" panose="020B0604020202020204" charset="0"/>
+                        </a:rPr>
+                        <a:t>LOW</a:t>
+                      </a:r>
+                    </a:p>
+                  </a:txBody>
+                  <a:tcPr/>
+                </a:tc>
+                <a:tc>
+                  <a:txBody>
+                    <a:bodyPr/>
+                    <a:lstStyle/>
+                    <a:p>
+                      <a:pPr algn="ctr"/>
+                      <a:r>
+                        <a:rPr lang="es-CO" sz="900" b="0" noProof="0" dirty="0">
+                          <a:latin typeface="Montserrat Medium" panose="020B0604020202020204" charset="0"/>
+                        </a:rPr>
+                        <a:t>BUY</a:t>
+                      </a:r>
+                    </a:p>
+                  </a:txBody>
+                  <a:tcPr/>
+                </a:tc>
+                <a:tc>
+                  <a:txBody>
+                    <a:bodyPr/>
+                    <a:lstStyle/>
+                    <a:p>
+                      <a:pPr algn="ctr"/>
+                      <a:r>
+                        <a:rPr lang="es-CO" sz="900" b="0" noProof="0" dirty="0">
+                          <a:latin typeface="Montserrat Medium" panose="020B0604020202020204" charset="0"/>
+                        </a:rPr>
+                        <a:t>CLOSE</a:t>
+                      </a:r>
+                    </a:p>
+                  </a:txBody>
+                  <a:tcPr/>
+                </a:tc>
+                <a:tc>
+                  <a:txBody>
+                    <a:bodyPr/>
+                    <a:lstStyle/>
+                    <a:p>
+                      <a:pPr algn="ctr"/>
+                      <a:r>
+                        <a:rPr lang="es-CO" sz="900" b="0" noProof="0" dirty="0">
+                          <a:latin typeface="Montserrat Medium" panose="020B0604020202020204" charset="0"/>
+                        </a:rPr>
+                        <a:t>&lt;</a:t>
+                      </a:r>
+                    </a:p>
+                  </a:txBody>
+                  <a:tcPr/>
+                </a:tc>
+                <a:tc>
+                  <a:txBody>
+                    <a:bodyPr/>
+                    <a:lstStyle/>
+                    <a:p>
+                      <a:pPr algn="ctr"/>
+                      <a:r>
+                        <a:rPr lang="es-CO" sz="900" b="0" noProof="0" dirty="0" err="1">
+                          <a:latin typeface="Montserrat Medium" panose="020B0604020202020204" charset="0"/>
+                        </a:rPr>
+                        <a:t>max</a:t>
+                      </a:r>
+                      <a:endParaRPr lang="es-CO" sz="900" b="0" noProof="0" dirty="0">
+                        <a:latin typeface="Montserrat Medium" panose="020B0604020202020204" charset="0"/>
+                      </a:endParaRPr>
+                    </a:p>
+                  </a:txBody>
+                  <a:tcPr/>
+                </a:tc>
+                <a:tc>
+                  <a:txBody>
+                    <a:bodyPr/>
+                    <a:lstStyle/>
+                    <a:p>
+                      <a:pPr algn="ctr"/>
+                      <a:r>
+                        <a:rPr lang="es-CO" sz="900" b="0" noProof="0" dirty="0">
+                          <a:latin typeface="Montserrat Medium" panose="020B0604020202020204" charset="0"/>
+                        </a:rPr>
+                        <a:t>HIGH</a:t>
+                      </a:r>
+                    </a:p>
+                  </a:txBody>
+                  <a:tcPr/>
+                </a:tc>
+                <a:tc>
+                  <a:txBody>
+                    <a:bodyPr/>
+                    <a:lstStyle/>
+                    <a:p>
+                      <a:pPr algn="ctr"/>
+                      <a:r>
+                        <a:rPr lang="es-CO" sz="900" b="0" noProof="0" dirty="0">
+                          <a:latin typeface="Montserrat Medium" panose="020B0604020202020204" charset="0"/>
+                        </a:rPr>
+                        <a:t>SELL</a:t>
+                      </a:r>
+                    </a:p>
+                  </a:txBody>
+                  <a:tcPr/>
+                </a:tc>
+                <a:tc>
+                  <a:txBody>
+                    <a:bodyPr/>
+                    <a:lstStyle/>
+                    <a:p>
+                      <a:pPr algn="ctr"/>
+                      <a:r>
+                        <a:rPr lang="es-CO" sz="900" b="0" noProof="0" dirty="0">
+                          <a:latin typeface="Montserrat Medium" panose="020B0604020202020204" charset="0"/>
+                        </a:rPr>
+                        <a:t>-4</a:t>
+                      </a:r>
+                    </a:p>
+                  </a:txBody>
+                  <a:tcPr/>
+                </a:tc>
+                <a:tc>
+                  <a:txBody>
+                    <a:bodyPr/>
+                    <a:lstStyle/>
+                    <a:p>
+                      <a:pPr algn="ctr"/>
+                      <a:r>
+                        <a:rPr lang="es-CO" sz="900" b="0" noProof="0" dirty="0">
+                          <a:latin typeface="Montserrat Medium" panose="020B0604020202020204" charset="0"/>
+                        </a:rPr>
+                        <a:t>-1</a:t>
+                      </a:r>
+                    </a:p>
+                  </a:txBody>
+                  <a:tcPr/>
+                </a:tc>
+                <a:extLst>
+                  <a:ext uri="{0D108BD9-81ED-4DB2-BD59-A6C34878D82A}">
+                    <a16:rowId xmlns:a16="http://schemas.microsoft.com/office/drawing/2014/main" val="728529902"/>
+                  </a:ext>
+                </a:extLst>
+              </a:tr>
+              <a:tr h="0">
+                <a:tc>
+                  <a:txBody>
+                    <a:bodyPr/>
+                    <a:lstStyle/>
+                    <a:p>
+                      <a:r>
+                        <a:rPr kumimoji="0" lang="es-CO" sz="900" b="0" i="0" u="none" strike="noStrike" kern="0" cap="none" spc="0" normalizeH="0" baseline="0" noProof="0" dirty="0">
+                          <a:ln>
+                            <a:noFill/>
+                          </a:ln>
+                          <a:solidFill>
+                            <a:srgbClr val="000000"/>
+                          </a:solidFill>
+                          <a:effectLst/>
+                          <a:uLnTx/>
+                          <a:uFillTx/>
+                          <a:latin typeface="Montserrat Medium" panose="020B0604020202020204" charset="0"/>
+                          <a:cs typeface="Arial"/>
+                          <a:sym typeface="Arial"/>
+                        </a:rPr>
+                        <a:t>FI4 – FD4</a:t>
+                      </a:r>
+                      <a:endParaRPr lang="es-CO" sz="900" b="0" noProof="0" dirty="0">
+                        <a:latin typeface="Montserrat Medium" panose="020B0604020202020204" charset="0"/>
+                      </a:endParaRPr>
+                    </a:p>
+                  </a:txBody>
+                  <a:tcPr/>
+                </a:tc>
+                <a:tc>
+                  <a:txBody>
+                    <a:bodyPr/>
+                    <a:lstStyle/>
+                    <a:p>
+                      <a:pPr algn="ctr"/>
+                      <a:r>
+                        <a:rPr lang="es-CO" sz="900" b="0" noProof="0" dirty="0">
+                          <a:latin typeface="Montserrat Medium" panose="020B0604020202020204" charset="0"/>
+                        </a:rPr>
+                        <a:t>CLOSE</a:t>
+                      </a:r>
+                    </a:p>
+                  </a:txBody>
+                  <a:tcPr/>
+                </a:tc>
+                <a:tc>
+                  <a:txBody>
+                    <a:bodyPr/>
+                    <a:lstStyle/>
+                    <a:p>
+                      <a:pPr algn="ctr"/>
+                      <a:r>
+                        <a:rPr lang="es-CO" sz="900" b="0" noProof="0" dirty="0">
+                          <a:latin typeface="Montserrat Medium" panose="020B0604020202020204" charset="0"/>
+                        </a:rPr>
+                        <a:t>&gt;</a:t>
+                      </a:r>
+                    </a:p>
+                  </a:txBody>
+                  <a:tcPr/>
+                </a:tc>
+                <a:tc>
+                  <a:txBody>
+                    <a:bodyPr/>
+                    <a:lstStyle/>
+                    <a:p>
+                      <a:pPr algn="ctr"/>
+                      <a:r>
+                        <a:rPr lang="es-CO" sz="900" b="0" noProof="0" dirty="0">
+                          <a:latin typeface="Montserrat Medium" panose="020B0604020202020204" charset="0"/>
+                        </a:rPr>
+                        <a:t>min</a:t>
+                      </a:r>
+                    </a:p>
+                  </a:txBody>
+                  <a:tcPr/>
+                </a:tc>
+                <a:tc>
+                  <a:txBody>
+                    <a:bodyPr/>
+                    <a:lstStyle/>
+                    <a:p>
+                      <a:pPr marL="0" marR="0" lvl="0" indent="0" algn="ctr" defTabSz="914400" rtl="0" eaLnBrk="1" fontAlgn="auto" latinLnBrk="0" hangingPunct="1">
+                        <a:lnSpc>
+                          <a:spcPct val="100000"/>
+                        </a:lnSpc>
+                        <a:spcBef>
+                          <a:spcPts val="0"/>
+                        </a:spcBef>
+                        <a:spcAft>
+                          <a:spcPts val="0"/>
+                        </a:spcAft>
+                        <a:buClr>
+                          <a:srgbClr val="000000"/>
+                        </a:buClr>
+                        <a:buSzTx/>
+                        <a:buFont typeface="Arial"/>
+                        <a:buNone/>
+                        <a:tabLst/>
+                        <a:defRPr/>
+                      </a:pPr>
+                      <a:r>
+                        <a:rPr kumimoji="0" lang="es-CO" sz="900" b="0" i="0" u="none" strike="noStrike" kern="0" cap="none" spc="0" normalizeH="0" baseline="0" noProof="0" dirty="0">
+                          <a:ln>
+                            <a:noFill/>
+                          </a:ln>
+                          <a:solidFill>
+                            <a:srgbClr val="000000"/>
+                          </a:solidFill>
+                          <a:effectLst/>
+                          <a:uLnTx/>
+                          <a:uFillTx/>
+                          <a:latin typeface="Montserrat Medium" panose="020B0604020202020204" charset="0"/>
+                          <a:cs typeface="Arial"/>
+                          <a:sym typeface="Arial"/>
+                        </a:rPr>
+                        <a:t>LOW</a:t>
+                      </a:r>
+                    </a:p>
+                  </a:txBody>
+                  <a:tcPr/>
+                </a:tc>
+                <a:tc>
+                  <a:txBody>
+                    <a:bodyPr/>
+                    <a:lstStyle/>
+                    <a:p>
+                      <a:pPr algn="ctr"/>
+                      <a:r>
+                        <a:rPr lang="es-CO" sz="900" b="0" noProof="0" dirty="0">
+                          <a:latin typeface="Montserrat Medium" panose="020B0604020202020204" charset="0"/>
+                        </a:rPr>
+                        <a:t>BUY</a:t>
+                      </a:r>
+                    </a:p>
+                  </a:txBody>
+                  <a:tcPr/>
+                </a:tc>
+                <a:tc>
+                  <a:txBody>
+                    <a:bodyPr/>
+                    <a:lstStyle/>
+                    <a:p>
+                      <a:pPr algn="ctr"/>
+                      <a:r>
+                        <a:rPr lang="es-CO" sz="900" b="0" noProof="0" dirty="0">
+                          <a:latin typeface="Montserrat Medium" panose="020B0604020202020204" charset="0"/>
+                        </a:rPr>
+                        <a:t>CLOSE</a:t>
+                      </a:r>
+                    </a:p>
+                  </a:txBody>
+                  <a:tcPr/>
+                </a:tc>
+                <a:tc>
+                  <a:txBody>
+                    <a:bodyPr/>
+                    <a:lstStyle/>
+                    <a:p>
+                      <a:pPr algn="ctr"/>
+                      <a:r>
+                        <a:rPr lang="es-CO" sz="900" b="0" noProof="0" dirty="0">
+                          <a:latin typeface="Montserrat Medium" panose="020B0604020202020204" charset="0"/>
+                        </a:rPr>
+                        <a:t>&lt;</a:t>
+                      </a:r>
+                    </a:p>
+                  </a:txBody>
+                  <a:tcPr/>
+                </a:tc>
+                <a:tc>
+                  <a:txBody>
+                    <a:bodyPr/>
+                    <a:lstStyle/>
+                    <a:p>
+                      <a:pPr algn="ctr"/>
+                      <a:r>
+                        <a:rPr lang="es-CO" sz="900" b="0" noProof="0" dirty="0" err="1">
+                          <a:latin typeface="Montserrat Medium" panose="020B0604020202020204" charset="0"/>
+                        </a:rPr>
+                        <a:t>max</a:t>
+                      </a:r>
+                      <a:endParaRPr lang="es-CO" sz="900" b="0" noProof="0" dirty="0">
+                        <a:latin typeface="Montserrat Medium" panose="020B0604020202020204" charset="0"/>
+                      </a:endParaRPr>
+                    </a:p>
+                  </a:txBody>
+                  <a:tcPr/>
+                </a:tc>
+                <a:tc>
+                  <a:txBody>
+                    <a:bodyPr/>
+                    <a:lstStyle/>
+                    <a:p>
+                      <a:pPr marL="0" marR="0" lvl="0" indent="0" algn="ctr" defTabSz="914400" rtl="0" eaLnBrk="1" fontAlgn="auto" latinLnBrk="0" hangingPunct="1">
+                        <a:lnSpc>
+                          <a:spcPct val="100000"/>
+                        </a:lnSpc>
+                        <a:spcBef>
+                          <a:spcPts val="0"/>
+                        </a:spcBef>
+                        <a:spcAft>
+                          <a:spcPts val="0"/>
+                        </a:spcAft>
+                        <a:buClr>
+                          <a:srgbClr val="000000"/>
+                        </a:buClr>
+                        <a:buSzTx/>
+                        <a:buFont typeface="Arial"/>
+                        <a:buNone/>
+                        <a:tabLst/>
+                        <a:defRPr/>
+                      </a:pPr>
+                      <a:r>
+                        <a:rPr kumimoji="0" lang="es-CO" sz="900" b="0" i="0" u="none" strike="noStrike" kern="0" cap="none" spc="0" normalizeH="0" baseline="0" noProof="0">
+                          <a:ln>
+                            <a:noFill/>
+                          </a:ln>
+                          <a:solidFill>
+                            <a:srgbClr val="000000"/>
+                          </a:solidFill>
+                          <a:effectLst/>
+                          <a:uLnTx/>
+                          <a:uFillTx/>
+                          <a:latin typeface="Montserrat Medium" panose="020B0604020202020204" charset="0"/>
+                          <a:cs typeface="Arial"/>
+                          <a:sym typeface="Arial"/>
+                        </a:rPr>
+                        <a:t>HIGH</a:t>
+                      </a:r>
+                      <a:endParaRPr kumimoji="0" lang="es-CO" sz="900" b="0" i="0" u="none" strike="noStrike" kern="0" cap="none" spc="0" normalizeH="0" baseline="0" noProof="0" dirty="0">
+                        <a:ln>
+                          <a:noFill/>
+                        </a:ln>
+                        <a:solidFill>
+                          <a:srgbClr val="000000"/>
+                        </a:solidFill>
+                        <a:effectLst/>
+                        <a:uLnTx/>
+                        <a:uFillTx/>
+                        <a:latin typeface="Montserrat Medium" panose="020B0604020202020204" charset="0"/>
+                        <a:cs typeface="Arial"/>
+                        <a:sym typeface="Arial"/>
+                      </a:endParaRPr>
+                    </a:p>
+                  </a:txBody>
+                  <a:tcPr/>
+                </a:tc>
+                <a:tc>
+                  <a:txBody>
+                    <a:bodyPr/>
+                    <a:lstStyle/>
+                    <a:p>
+                      <a:pPr algn="ctr"/>
+                      <a:r>
+                        <a:rPr lang="es-CO" sz="900" b="0" noProof="0" dirty="0">
+                          <a:latin typeface="Montserrat Medium" panose="020B0604020202020204" charset="0"/>
+                        </a:rPr>
+                        <a:t>SELL</a:t>
+                      </a:r>
+                    </a:p>
+                  </a:txBody>
+                  <a:tcPr/>
+                </a:tc>
+                <a:tc>
+                  <a:txBody>
+                    <a:bodyPr/>
+                    <a:lstStyle/>
+                    <a:p>
+                      <a:pPr algn="ctr"/>
+                      <a:r>
+                        <a:rPr lang="es-CO" sz="900" b="0" noProof="0">
+                          <a:latin typeface="Montserrat Medium" panose="020B0604020202020204" charset="0"/>
+                        </a:rPr>
+                        <a:t>-5</a:t>
+                      </a:r>
+                    </a:p>
+                  </a:txBody>
+                  <a:tcPr/>
+                </a:tc>
+                <a:tc>
+                  <a:txBody>
+                    <a:bodyPr/>
+                    <a:lstStyle/>
+                    <a:p>
+                      <a:pPr algn="ctr"/>
+                      <a:r>
+                        <a:rPr lang="es-CO" sz="900" b="0" noProof="0" dirty="0">
+                          <a:latin typeface="Montserrat Medium" panose="020B0604020202020204" charset="0"/>
+                        </a:rPr>
+                        <a:t>-1</a:t>
+                      </a:r>
+                    </a:p>
+                  </a:txBody>
+                  <a:tcPr/>
+                </a:tc>
+                <a:extLst>
+                  <a:ext uri="{0D108BD9-81ED-4DB2-BD59-A6C34878D82A}">
+                    <a16:rowId xmlns:a16="http://schemas.microsoft.com/office/drawing/2014/main" val="717443374"/>
+                  </a:ext>
+                </a:extLst>
+              </a:tr>
+              <a:tr h="0">
+                <a:tc>
+                  <a:txBody>
+                    <a:bodyPr/>
+                    <a:lstStyle/>
+                    <a:p>
+                      <a:r>
+                        <a:rPr kumimoji="0" lang="es-CO" sz="900" b="0" i="0" u="none" strike="noStrike" kern="0" cap="none" spc="0" normalizeH="0" baseline="0" noProof="0" dirty="0">
+                          <a:ln>
+                            <a:noFill/>
+                          </a:ln>
+                          <a:solidFill>
+                            <a:srgbClr val="000000"/>
+                          </a:solidFill>
+                          <a:effectLst/>
+                          <a:uLnTx/>
+                          <a:uFillTx/>
+                          <a:latin typeface="Montserrat Medium" panose="020B0604020202020204" charset="0"/>
+                          <a:cs typeface="Arial"/>
+                          <a:sym typeface="Arial"/>
+                        </a:rPr>
+                        <a:t>FI5 – FD5</a:t>
+                      </a:r>
+                      <a:endParaRPr lang="es-CO" sz="900" b="0" noProof="0" dirty="0">
+                        <a:latin typeface="Montserrat Medium" panose="020B0604020202020204" charset="0"/>
+                      </a:endParaRPr>
+                    </a:p>
+                  </a:txBody>
+                  <a:tcPr/>
+                </a:tc>
+                <a:tc>
+                  <a:txBody>
+                    <a:bodyPr/>
+                    <a:lstStyle/>
+                    <a:p>
+                      <a:pPr algn="ctr"/>
+                      <a:r>
+                        <a:rPr lang="es-CO" sz="900" b="0" noProof="0" dirty="0">
+                          <a:latin typeface="Montserrat Medium" panose="020B0604020202020204" charset="0"/>
+                        </a:rPr>
+                        <a:t>CLOSE</a:t>
+                      </a:r>
+                    </a:p>
+                  </a:txBody>
+                  <a:tcPr/>
+                </a:tc>
+                <a:tc>
+                  <a:txBody>
+                    <a:bodyPr/>
+                    <a:lstStyle/>
+                    <a:p>
+                      <a:pPr algn="ctr"/>
+                      <a:r>
+                        <a:rPr lang="es-CO" sz="900" b="0" noProof="0" dirty="0">
+                          <a:latin typeface="Montserrat Medium" panose="020B0604020202020204" charset="0"/>
+                        </a:rPr>
+                        <a:t>&gt;</a:t>
+                      </a:r>
+                    </a:p>
+                  </a:txBody>
+                  <a:tcPr/>
+                </a:tc>
+                <a:tc>
+                  <a:txBody>
+                    <a:bodyPr/>
+                    <a:lstStyle/>
+                    <a:p>
+                      <a:pPr algn="ctr"/>
+                      <a:r>
+                        <a:rPr lang="es-CO" sz="900" b="0" noProof="0" dirty="0">
+                          <a:latin typeface="Montserrat Medium" panose="020B0604020202020204" charset="0"/>
+                        </a:rPr>
+                        <a:t>min</a:t>
+                      </a:r>
+                    </a:p>
+                  </a:txBody>
+                  <a:tcPr/>
+                </a:tc>
+                <a:tc>
+                  <a:txBody>
+                    <a:bodyPr/>
+                    <a:lstStyle/>
+                    <a:p>
+                      <a:pPr marL="0" marR="0" lvl="0" indent="0" algn="ctr" defTabSz="914400" rtl="0" eaLnBrk="1" fontAlgn="auto" latinLnBrk="0" hangingPunct="1">
+                        <a:lnSpc>
+                          <a:spcPct val="100000"/>
+                        </a:lnSpc>
+                        <a:spcBef>
+                          <a:spcPts val="0"/>
+                        </a:spcBef>
+                        <a:spcAft>
+                          <a:spcPts val="0"/>
+                        </a:spcAft>
+                        <a:buClr>
+                          <a:srgbClr val="000000"/>
+                        </a:buClr>
+                        <a:buSzTx/>
+                        <a:buFont typeface="Arial"/>
+                        <a:buNone/>
+                        <a:tabLst/>
+                        <a:defRPr/>
+                      </a:pPr>
+                      <a:r>
+                        <a:rPr kumimoji="0" lang="es-CO" sz="900" b="0" i="0" u="none" strike="noStrike" kern="0" cap="none" spc="0" normalizeH="0" baseline="0" noProof="0" dirty="0">
+                          <a:ln>
+                            <a:noFill/>
+                          </a:ln>
+                          <a:solidFill>
+                            <a:srgbClr val="000000"/>
+                          </a:solidFill>
+                          <a:effectLst/>
+                          <a:uLnTx/>
+                          <a:uFillTx/>
+                          <a:latin typeface="Montserrat Medium" panose="020B0604020202020204" charset="0"/>
+                          <a:cs typeface="Arial"/>
+                          <a:sym typeface="Arial"/>
+                        </a:rPr>
+                        <a:t>LOW</a:t>
+                      </a:r>
+                    </a:p>
+                  </a:txBody>
+                  <a:tcPr/>
+                </a:tc>
+                <a:tc>
+                  <a:txBody>
+                    <a:bodyPr/>
+                    <a:lstStyle/>
+                    <a:p>
+                      <a:pPr algn="ctr"/>
+                      <a:r>
+                        <a:rPr lang="es-CO" sz="900" b="0" noProof="0" dirty="0">
+                          <a:latin typeface="Montserrat Medium" panose="020B0604020202020204" charset="0"/>
+                        </a:rPr>
+                        <a:t>BUY</a:t>
+                      </a:r>
+                    </a:p>
+                  </a:txBody>
+                  <a:tcPr/>
+                </a:tc>
+                <a:tc>
+                  <a:txBody>
+                    <a:bodyPr/>
+                    <a:lstStyle/>
+                    <a:p>
+                      <a:pPr algn="ctr"/>
+                      <a:r>
+                        <a:rPr lang="es-CO" sz="900" b="0" noProof="0" dirty="0">
+                          <a:latin typeface="Montserrat Medium" panose="020B0604020202020204" charset="0"/>
+                        </a:rPr>
+                        <a:t>CLOSE</a:t>
+                      </a:r>
+                    </a:p>
+                  </a:txBody>
+                  <a:tcPr/>
+                </a:tc>
+                <a:tc>
+                  <a:txBody>
+                    <a:bodyPr/>
+                    <a:lstStyle/>
+                    <a:p>
+                      <a:pPr algn="ctr"/>
+                      <a:r>
+                        <a:rPr lang="es-CO" sz="900" b="0" noProof="0" dirty="0">
+                          <a:latin typeface="Montserrat Medium" panose="020B0604020202020204" charset="0"/>
+                        </a:rPr>
+                        <a:t>&lt;</a:t>
+                      </a:r>
+                    </a:p>
+                  </a:txBody>
+                  <a:tcPr/>
+                </a:tc>
+                <a:tc>
+                  <a:txBody>
+                    <a:bodyPr/>
+                    <a:lstStyle/>
+                    <a:p>
+                      <a:pPr algn="ctr"/>
+                      <a:r>
+                        <a:rPr lang="es-CO" sz="900" b="0" noProof="0" dirty="0" err="1">
+                          <a:latin typeface="Montserrat Medium" panose="020B0604020202020204" charset="0"/>
+                        </a:rPr>
+                        <a:t>max</a:t>
+                      </a:r>
+                      <a:endParaRPr lang="es-CO" sz="900" b="0" noProof="0" dirty="0">
+                        <a:latin typeface="Montserrat Medium" panose="020B0604020202020204" charset="0"/>
+                      </a:endParaRPr>
+                    </a:p>
+                  </a:txBody>
+                  <a:tcPr/>
+                </a:tc>
+                <a:tc>
+                  <a:txBody>
+                    <a:bodyPr/>
+                    <a:lstStyle/>
+                    <a:p>
+                      <a:pPr marL="0" marR="0" lvl="0" indent="0" algn="ctr" defTabSz="914400" rtl="0" eaLnBrk="1" fontAlgn="auto" latinLnBrk="0" hangingPunct="1">
+                        <a:lnSpc>
+                          <a:spcPct val="100000"/>
+                        </a:lnSpc>
+                        <a:spcBef>
+                          <a:spcPts val="0"/>
+                        </a:spcBef>
+                        <a:spcAft>
+                          <a:spcPts val="0"/>
+                        </a:spcAft>
+                        <a:buClr>
+                          <a:srgbClr val="000000"/>
+                        </a:buClr>
+                        <a:buSzTx/>
+                        <a:buFont typeface="Arial"/>
+                        <a:buNone/>
+                        <a:tabLst/>
+                        <a:defRPr/>
+                      </a:pPr>
+                      <a:r>
+                        <a:rPr kumimoji="0" lang="es-CO" sz="900" b="0" i="0" u="none" strike="noStrike" kern="0" cap="none" spc="0" normalizeH="0" baseline="0" noProof="0" dirty="0">
+                          <a:ln>
+                            <a:noFill/>
+                          </a:ln>
+                          <a:solidFill>
+                            <a:srgbClr val="000000"/>
+                          </a:solidFill>
+                          <a:effectLst/>
+                          <a:uLnTx/>
+                          <a:uFillTx/>
+                          <a:latin typeface="Montserrat Medium" panose="020B0604020202020204" charset="0"/>
+                          <a:cs typeface="Arial"/>
+                          <a:sym typeface="Arial"/>
+                        </a:rPr>
+                        <a:t>HIGH</a:t>
+                      </a:r>
+                    </a:p>
+                  </a:txBody>
+                  <a:tcPr/>
+                </a:tc>
+                <a:tc>
+                  <a:txBody>
+                    <a:bodyPr/>
+                    <a:lstStyle/>
+                    <a:p>
+                      <a:pPr algn="ctr"/>
+                      <a:r>
+                        <a:rPr lang="es-CO" sz="900" b="0" noProof="0" dirty="0">
+                          <a:latin typeface="Montserrat Medium" panose="020B0604020202020204" charset="0"/>
+                        </a:rPr>
+                        <a:t>SELL</a:t>
+                      </a:r>
+                    </a:p>
+                  </a:txBody>
+                  <a:tcPr/>
+                </a:tc>
+                <a:tc>
+                  <a:txBody>
+                    <a:bodyPr/>
+                    <a:lstStyle/>
+                    <a:p>
+                      <a:pPr algn="ctr"/>
+                      <a:r>
+                        <a:rPr lang="es-CO" sz="900" b="0" noProof="0" dirty="0">
+                          <a:latin typeface="Montserrat Medium" panose="020B0604020202020204" charset="0"/>
+                        </a:rPr>
+                        <a:t>-6</a:t>
+                      </a:r>
+                    </a:p>
+                  </a:txBody>
+                  <a:tcPr/>
+                </a:tc>
+                <a:tc>
+                  <a:txBody>
+                    <a:bodyPr/>
+                    <a:lstStyle/>
+                    <a:p>
+                      <a:pPr algn="ctr"/>
+                      <a:r>
+                        <a:rPr lang="es-CO" sz="900" b="0" noProof="0" dirty="0">
+                          <a:latin typeface="Montserrat Medium" panose="020B0604020202020204" charset="0"/>
+                        </a:rPr>
+                        <a:t>-1</a:t>
+                      </a:r>
+                    </a:p>
+                  </a:txBody>
+                  <a:tcPr/>
+                </a:tc>
+                <a:extLst>
+                  <a:ext uri="{0D108BD9-81ED-4DB2-BD59-A6C34878D82A}">
+                    <a16:rowId xmlns:a16="http://schemas.microsoft.com/office/drawing/2014/main" val="4150239213"/>
+                  </a:ext>
+                </a:extLst>
+              </a:tr>
+              <a:tr h="0">
+                <a:tc>
+                  <a:txBody>
+                    <a:bodyPr/>
+                    <a:lstStyle/>
+                    <a:p>
+                      <a:r>
+                        <a:rPr kumimoji="0" lang="es-CO" sz="900" b="0" i="0" u="none" strike="noStrike" kern="0" cap="none" spc="0" normalizeH="0" baseline="0" noProof="0" dirty="0">
+                          <a:ln>
+                            <a:noFill/>
+                          </a:ln>
+                          <a:solidFill>
+                            <a:srgbClr val="000000"/>
+                          </a:solidFill>
+                          <a:effectLst/>
+                          <a:uLnTx/>
+                          <a:uFillTx/>
+                          <a:latin typeface="Montserrat Medium" panose="020B0604020202020204" charset="0"/>
+                          <a:cs typeface="Arial"/>
+                          <a:sym typeface="Arial"/>
+                        </a:rPr>
+                        <a:t>FI5 – FD6</a:t>
+                      </a:r>
+                      <a:endParaRPr lang="es-CO" sz="900" b="0" noProof="0" dirty="0">
+                        <a:latin typeface="Montserrat Medium" panose="020B0604020202020204" charset="0"/>
+                      </a:endParaRPr>
+                    </a:p>
+                  </a:txBody>
+                  <a:tcPr/>
+                </a:tc>
+                <a:tc>
+                  <a:txBody>
+                    <a:bodyPr/>
+                    <a:lstStyle/>
+                    <a:p>
+                      <a:pPr algn="ctr"/>
+                      <a:r>
+                        <a:rPr lang="es-CO" sz="900" b="0" noProof="0" dirty="0">
+                          <a:latin typeface="Montserrat Medium" panose="020B0604020202020204" charset="0"/>
+                        </a:rPr>
+                        <a:t>CLOSE</a:t>
+                      </a:r>
+                    </a:p>
+                  </a:txBody>
+                  <a:tcPr/>
+                </a:tc>
+                <a:tc>
+                  <a:txBody>
+                    <a:bodyPr/>
+                    <a:lstStyle/>
+                    <a:p>
+                      <a:pPr algn="ctr"/>
+                      <a:r>
+                        <a:rPr lang="es-CO" sz="900" b="0" noProof="0" dirty="0">
+                          <a:latin typeface="Montserrat Medium" panose="020B0604020202020204" charset="0"/>
+                        </a:rPr>
+                        <a:t>&gt;</a:t>
+                      </a:r>
+                    </a:p>
+                  </a:txBody>
+                  <a:tcPr/>
+                </a:tc>
+                <a:tc>
+                  <a:txBody>
+                    <a:bodyPr/>
+                    <a:lstStyle/>
+                    <a:p>
+                      <a:pPr algn="ctr"/>
+                      <a:r>
+                        <a:rPr lang="es-CO" sz="900" b="0" noProof="0" dirty="0">
+                          <a:latin typeface="Montserrat Medium" panose="020B0604020202020204" charset="0"/>
+                        </a:rPr>
+                        <a:t>min</a:t>
+                      </a:r>
+                    </a:p>
+                  </a:txBody>
+                  <a:tcPr/>
+                </a:tc>
+                <a:tc>
+                  <a:txBody>
+                    <a:bodyPr/>
+                    <a:lstStyle/>
+                    <a:p>
+                      <a:pPr marL="0" marR="0" lvl="0" indent="0" algn="ctr" defTabSz="914400" rtl="0" eaLnBrk="1" fontAlgn="auto" latinLnBrk="0" hangingPunct="1">
+                        <a:lnSpc>
+                          <a:spcPct val="100000"/>
+                        </a:lnSpc>
+                        <a:spcBef>
+                          <a:spcPts val="0"/>
+                        </a:spcBef>
+                        <a:spcAft>
+                          <a:spcPts val="0"/>
+                        </a:spcAft>
+                        <a:buClr>
+                          <a:srgbClr val="000000"/>
+                        </a:buClr>
+                        <a:buSzTx/>
+                        <a:buFont typeface="Arial"/>
+                        <a:buNone/>
+                        <a:tabLst/>
+                        <a:defRPr/>
+                      </a:pPr>
+                      <a:r>
+                        <a:rPr kumimoji="0" lang="es-CO" sz="900" b="0" i="0" u="none" strike="noStrike" kern="0" cap="none" spc="0" normalizeH="0" baseline="0" noProof="0" dirty="0">
+                          <a:ln>
+                            <a:noFill/>
+                          </a:ln>
+                          <a:solidFill>
+                            <a:srgbClr val="000000"/>
+                          </a:solidFill>
+                          <a:effectLst/>
+                          <a:uLnTx/>
+                          <a:uFillTx/>
+                          <a:latin typeface="Montserrat Medium" panose="020B0604020202020204" charset="0"/>
+                          <a:cs typeface="Arial"/>
+                          <a:sym typeface="Arial"/>
+                        </a:rPr>
+                        <a:t>LOW</a:t>
+                      </a:r>
+                    </a:p>
+                  </a:txBody>
+                  <a:tcPr/>
+                </a:tc>
+                <a:tc>
+                  <a:txBody>
+                    <a:bodyPr/>
+                    <a:lstStyle/>
+                    <a:p>
+                      <a:pPr algn="ctr"/>
+                      <a:r>
+                        <a:rPr lang="es-CO" sz="900" b="0" noProof="0" dirty="0">
+                          <a:latin typeface="Montserrat Medium" panose="020B0604020202020204" charset="0"/>
+                        </a:rPr>
+                        <a:t>BUY</a:t>
+                      </a:r>
+                    </a:p>
+                  </a:txBody>
+                  <a:tcPr/>
+                </a:tc>
+                <a:tc>
+                  <a:txBody>
+                    <a:bodyPr/>
+                    <a:lstStyle/>
+                    <a:p>
+                      <a:pPr algn="ctr"/>
+                      <a:r>
+                        <a:rPr lang="es-CO" sz="900" b="0" noProof="0" dirty="0">
+                          <a:latin typeface="Montserrat Medium" panose="020B0604020202020204" charset="0"/>
+                        </a:rPr>
+                        <a:t>CLOSE</a:t>
+                      </a:r>
+                    </a:p>
+                  </a:txBody>
+                  <a:tcPr/>
+                </a:tc>
+                <a:tc>
+                  <a:txBody>
+                    <a:bodyPr/>
+                    <a:lstStyle/>
+                    <a:p>
+                      <a:pPr algn="ctr"/>
+                      <a:r>
+                        <a:rPr lang="es-CO" sz="900" b="0" noProof="0" dirty="0">
+                          <a:latin typeface="Montserrat Medium" panose="020B0604020202020204" charset="0"/>
+                        </a:rPr>
+                        <a:t>&lt;</a:t>
+                      </a:r>
+                    </a:p>
+                  </a:txBody>
+                  <a:tcPr/>
+                </a:tc>
+                <a:tc>
+                  <a:txBody>
+                    <a:bodyPr/>
+                    <a:lstStyle/>
+                    <a:p>
+                      <a:pPr algn="ctr"/>
+                      <a:r>
+                        <a:rPr lang="es-CO" sz="900" b="0" noProof="0" dirty="0" err="1">
+                          <a:latin typeface="Montserrat Medium" panose="020B0604020202020204" charset="0"/>
+                        </a:rPr>
+                        <a:t>max</a:t>
+                      </a:r>
+                      <a:endParaRPr lang="es-CO" sz="900" b="0" noProof="0" dirty="0">
+                        <a:latin typeface="Montserrat Medium" panose="020B0604020202020204" charset="0"/>
+                      </a:endParaRPr>
+                    </a:p>
+                  </a:txBody>
+                  <a:tcPr/>
+                </a:tc>
+                <a:tc>
+                  <a:txBody>
+                    <a:bodyPr/>
+                    <a:lstStyle/>
+                    <a:p>
+                      <a:pPr marL="0" marR="0" lvl="0" indent="0" algn="ctr" defTabSz="914400" rtl="0" eaLnBrk="1" fontAlgn="auto" latinLnBrk="0" hangingPunct="1">
+                        <a:lnSpc>
+                          <a:spcPct val="100000"/>
+                        </a:lnSpc>
+                        <a:spcBef>
+                          <a:spcPts val="0"/>
+                        </a:spcBef>
+                        <a:spcAft>
+                          <a:spcPts val="0"/>
+                        </a:spcAft>
+                        <a:buClr>
+                          <a:srgbClr val="000000"/>
+                        </a:buClr>
+                        <a:buSzTx/>
+                        <a:buFont typeface="Arial"/>
+                        <a:buNone/>
+                        <a:tabLst/>
+                        <a:defRPr/>
+                      </a:pPr>
+                      <a:r>
+                        <a:rPr kumimoji="0" lang="es-CO" sz="900" b="0" i="0" u="none" strike="noStrike" kern="0" cap="none" spc="0" normalizeH="0" baseline="0" noProof="0" dirty="0">
+                          <a:ln>
+                            <a:noFill/>
+                          </a:ln>
+                          <a:solidFill>
+                            <a:srgbClr val="000000"/>
+                          </a:solidFill>
+                          <a:effectLst/>
+                          <a:uLnTx/>
+                          <a:uFillTx/>
+                          <a:latin typeface="Montserrat Medium" panose="020B0604020202020204" charset="0"/>
+                          <a:cs typeface="Arial"/>
+                          <a:sym typeface="Arial"/>
+                        </a:rPr>
+                        <a:t>HIGH</a:t>
+                      </a:r>
+                    </a:p>
+                  </a:txBody>
+                  <a:tcPr/>
+                </a:tc>
+                <a:tc>
+                  <a:txBody>
+                    <a:bodyPr/>
+                    <a:lstStyle/>
+                    <a:p>
+                      <a:pPr algn="ctr"/>
+                      <a:r>
+                        <a:rPr lang="es-CO" sz="900" b="0" noProof="0" dirty="0">
+                          <a:latin typeface="Montserrat Medium" panose="020B0604020202020204" charset="0"/>
+                        </a:rPr>
+                        <a:t>SELL</a:t>
+                      </a:r>
+                    </a:p>
+                  </a:txBody>
+                  <a:tcPr/>
+                </a:tc>
+                <a:tc>
+                  <a:txBody>
+                    <a:bodyPr/>
+                    <a:lstStyle/>
+                    <a:p>
+                      <a:pPr algn="ctr"/>
+                      <a:r>
+                        <a:rPr lang="es-CO" sz="900" b="0" noProof="0" dirty="0">
+                          <a:latin typeface="Montserrat Medium" panose="020B0604020202020204" charset="0"/>
+                        </a:rPr>
+                        <a:t>-3</a:t>
+                      </a:r>
+                    </a:p>
+                  </a:txBody>
+                  <a:tcPr/>
+                </a:tc>
+                <a:tc>
+                  <a:txBody>
+                    <a:bodyPr/>
+                    <a:lstStyle/>
+                    <a:p>
+                      <a:pPr algn="ctr"/>
+                      <a:r>
+                        <a:rPr lang="es-CO" sz="900" b="0" noProof="0" dirty="0">
+                          <a:latin typeface="Montserrat Medium" panose="020B0604020202020204" charset="0"/>
+                        </a:rPr>
+                        <a:t>-1</a:t>
+                      </a:r>
+                    </a:p>
+                  </a:txBody>
+                  <a:tcPr/>
+                </a:tc>
+                <a:extLst>
+                  <a:ext uri="{0D108BD9-81ED-4DB2-BD59-A6C34878D82A}">
+                    <a16:rowId xmlns:a16="http://schemas.microsoft.com/office/drawing/2014/main" val="656007624"/>
+                  </a:ext>
+                </a:extLst>
+              </a:tr>
+              <a:tr h="0">
+                <a:tc>
+                  <a:txBody>
+                    <a:bodyPr/>
+                    <a:lstStyle/>
+                    <a:p>
+                      <a:r>
+                        <a:rPr kumimoji="0" lang="es-CO" sz="900" b="0" i="0" u="none" strike="noStrike" kern="0" cap="none" spc="0" normalizeH="0" baseline="0" noProof="0" dirty="0">
+                          <a:ln>
+                            <a:noFill/>
+                          </a:ln>
+                          <a:solidFill>
+                            <a:srgbClr val="000000"/>
+                          </a:solidFill>
+                          <a:effectLst/>
+                          <a:uLnTx/>
+                          <a:uFillTx/>
+                          <a:latin typeface="Montserrat Medium" panose="020B0604020202020204" charset="0"/>
+                          <a:cs typeface="Arial"/>
+                          <a:sym typeface="Arial"/>
+                        </a:rPr>
+                        <a:t>FI7 – FD7</a:t>
+                      </a:r>
+                      <a:endParaRPr lang="es-CO" sz="900" b="0" noProof="0" dirty="0">
+                        <a:latin typeface="Montserrat Medium" panose="020B0604020202020204" charset="0"/>
+                      </a:endParaRPr>
+                    </a:p>
+                  </a:txBody>
+                  <a:tcPr/>
+                </a:tc>
+                <a:tc>
+                  <a:txBody>
+                    <a:bodyPr/>
+                    <a:lstStyle/>
+                    <a:p>
+                      <a:pPr algn="ctr"/>
+                      <a:r>
+                        <a:rPr lang="es-CO" sz="900" b="0" noProof="0" dirty="0">
+                          <a:latin typeface="Montserrat Medium" panose="020B0604020202020204" charset="0"/>
+                        </a:rPr>
+                        <a:t>CLOSE</a:t>
+                      </a:r>
+                    </a:p>
+                  </a:txBody>
+                  <a:tcPr/>
+                </a:tc>
+                <a:tc>
+                  <a:txBody>
+                    <a:bodyPr/>
+                    <a:lstStyle/>
+                    <a:p>
+                      <a:pPr algn="ctr"/>
+                      <a:r>
+                        <a:rPr lang="es-CO" sz="900" b="0" noProof="0" dirty="0">
+                          <a:latin typeface="Montserrat Medium" panose="020B0604020202020204" charset="0"/>
+                        </a:rPr>
+                        <a:t>&gt;</a:t>
+                      </a:r>
+                    </a:p>
+                  </a:txBody>
+                  <a:tcPr/>
+                </a:tc>
+                <a:tc>
+                  <a:txBody>
+                    <a:bodyPr/>
+                    <a:lstStyle/>
+                    <a:p>
+                      <a:pPr algn="ctr"/>
+                      <a:r>
+                        <a:rPr lang="es-CO" sz="900" b="0" noProof="0" dirty="0">
+                          <a:latin typeface="Montserrat Medium" panose="020B0604020202020204" charset="0"/>
+                        </a:rPr>
+                        <a:t>min</a:t>
+                      </a:r>
+                    </a:p>
+                  </a:txBody>
+                  <a:tcPr/>
+                </a:tc>
+                <a:tc>
+                  <a:txBody>
+                    <a:bodyPr/>
+                    <a:lstStyle/>
+                    <a:p>
+                      <a:pPr marL="0" marR="0" lvl="0" indent="0" algn="ctr" defTabSz="914400" rtl="0" eaLnBrk="1" fontAlgn="auto" latinLnBrk="0" hangingPunct="1">
+                        <a:lnSpc>
+                          <a:spcPct val="100000"/>
+                        </a:lnSpc>
+                        <a:spcBef>
+                          <a:spcPts val="0"/>
+                        </a:spcBef>
+                        <a:spcAft>
+                          <a:spcPts val="0"/>
+                        </a:spcAft>
+                        <a:buClr>
+                          <a:srgbClr val="000000"/>
+                        </a:buClr>
+                        <a:buSzTx/>
+                        <a:buFont typeface="Arial"/>
+                        <a:buNone/>
+                        <a:tabLst/>
+                        <a:defRPr/>
+                      </a:pPr>
+                      <a:r>
+                        <a:rPr kumimoji="0" lang="es-CO" sz="900" b="0" i="0" u="none" strike="noStrike" kern="0" cap="none" spc="0" normalizeH="0" baseline="0" noProof="0" dirty="0">
+                          <a:ln>
+                            <a:noFill/>
+                          </a:ln>
+                          <a:solidFill>
+                            <a:srgbClr val="000000"/>
+                          </a:solidFill>
+                          <a:effectLst/>
+                          <a:uLnTx/>
+                          <a:uFillTx/>
+                          <a:latin typeface="Montserrat Medium" panose="020B0604020202020204" charset="0"/>
+                          <a:cs typeface="Arial"/>
+                          <a:sym typeface="Arial"/>
+                        </a:rPr>
+                        <a:t>LOW</a:t>
+                      </a:r>
+                    </a:p>
+                  </a:txBody>
+                  <a:tcPr/>
+                </a:tc>
+                <a:tc>
+                  <a:txBody>
+                    <a:bodyPr/>
+                    <a:lstStyle/>
+                    <a:p>
+                      <a:pPr algn="ctr"/>
+                      <a:r>
+                        <a:rPr lang="es-CO" sz="900" b="0" noProof="0" dirty="0">
+                          <a:latin typeface="Montserrat Medium" panose="020B0604020202020204" charset="0"/>
+                        </a:rPr>
+                        <a:t>BUY</a:t>
+                      </a:r>
+                    </a:p>
+                  </a:txBody>
+                  <a:tcPr/>
+                </a:tc>
+                <a:tc>
+                  <a:txBody>
+                    <a:bodyPr/>
+                    <a:lstStyle/>
+                    <a:p>
+                      <a:pPr algn="ctr"/>
+                      <a:r>
+                        <a:rPr lang="es-CO" sz="900" b="0" noProof="0" dirty="0">
+                          <a:latin typeface="Montserrat Medium" panose="020B0604020202020204" charset="0"/>
+                        </a:rPr>
+                        <a:t>CLOSE</a:t>
+                      </a:r>
+                    </a:p>
+                  </a:txBody>
+                  <a:tcPr/>
+                </a:tc>
+                <a:tc>
+                  <a:txBody>
+                    <a:bodyPr/>
+                    <a:lstStyle/>
+                    <a:p>
+                      <a:pPr algn="ctr"/>
+                      <a:r>
+                        <a:rPr lang="es-CO" sz="900" b="0" noProof="0" dirty="0">
+                          <a:latin typeface="Montserrat Medium" panose="020B0604020202020204" charset="0"/>
+                        </a:rPr>
+                        <a:t>&lt;</a:t>
+                      </a:r>
+                    </a:p>
+                  </a:txBody>
+                  <a:tcPr/>
+                </a:tc>
+                <a:tc>
+                  <a:txBody>
+                    <a:bodyPr/>
+                    <a:lstStyle/>
+                    <a:p>
+                      <a:pPr algn="ctr"/>
+                      <a:r>
+                        <a:rPr lang="es-CO" sz="900" b="0" noProof="0" dirty="0" err="1">
+                          <a:latin typeface="Montserrat Medium" panose="020B0604020202020204" charset="0"/>
+                        </a:rPr>
+                        <a:t>max</a:t>
+                      </a:r>
+                      <a:endParaRPr lang="es-CO" sz="900" b="0" noProof="0" dirty="0">
+                        <a:latin typeface="Montserrat Medium" panose="020B0604020202020204" charset="0"/>
+                      </a:endParaRPr>
+                    </a:p>
+                  </a:txBody>
+                  <a:tcPr/>
+                </a:tc>
+                <a:tc>
+                  <a:txBody>
+                    <a:bodyPr/>
+                    <a:lstStyle/>
+                    <a:p>
+                      <a:pPr marL="0" marR="0" lvl="0" indent="0" algn="ctr" defTabSz="914400" rtl="0" eaLnBrk="1" fontAlgn="auto" latinLnBrk="0" hangingPunct="1">
+                        <a:lnSpc>
+                          <a:spcPct val="100000"/>
+                        </a:lnSpc>
+                        <a:spcBef>
+                          <a:spcPts val="0"/>
+                        </a:spcBef>
+                        <a:spcAft>
+                          <a:spcPts val="0"/>
+                        </a:spcAft>
+                        <a:buClr>
+                          <a:srgbClr val="000000"/>
+                        </a:buClr>
+                        <a:buSzTx/>
+                        <a:buFont typeface="Arial"/>
+                        <a:buNone/>
+                        <a:tabLst/>
+                        <a:defRPr/>
+                      </a:pPr>
+                      <a:r>
+                        <a:rPr kumimoji="0" lang="es-CO" sz="900" b="0" i="0" u="none" strike="noStrike" kern="0" cap="none" spc="0" normalizeH="0" baseline="0" noProof="0" dirty="0">
+                          <a:ln>
+                            <a:noFill/>
+                          </a:ln>
+                          <a:solidFill>
+                            <a:srgbClr val="000000"/>
+                          </a:solidFill>
+                          <a:effectLst/>
+                          <a:uLnTx/>
+                          <a:uFillTx/>
+                          <a:latin typeface="Montserrat Medium" panose="020B0604020202020204" charset="0"/>
+                          <a:cs typeface="Arial"/>
+                          <a:sym typeface="Arial"/>
+                        </a:rPr>
+                        <a:t>HIGH</a:t>
+                      </a:r>
+                    </a:p>
+                  </a:txBody>
+                  <a:tcPr/>
+                </a:tc>
+                <a:tc>
+                  <a:txBody>
+                    <a:bodyPr/>
+                    <a:lstStyle/>
+                    <a:p>
+                      <a:pPr algn="ctr"/>
+                      <a:r>
+                        <a:rPr lang="es-CO" sz="900" b="0" noProof="0" dirty="0">
+                          <a:latin typeface="Montserrat Medium" panose="020B0604020202020204" charset="0"/>
+                        </a:rPr>
+                        <a:t>SELL</a:t>
+                      </a:r>
+                    </a:p>
+                  </a:txBody>
+                  <a:tcPr/>
+                </a:tc>
+                <a:tc>
+                  <a:txBody>
+                    <a:bodyPr/>
+                    <a:lstStyle/>
+                    <a:p>
+                      <a:pPr algn="ctr"/>
+                      <a:r>
+                        <a:rPr lang="es-CO" sz="900" b="0" noProof="0" dirty="0">
+                          <a:latin typeface="Montserrat Medium" panose="020B0604020202020204" charset="0"/>
+                        </a:rPr>
+                        <a:t>-6</a:t>
+                      </a:r>
+                    </a:p>
+                  </a:txBody>
+                  <a:tcPr/>
+                </a:tc>
+                <a:tc>
+                  <a:txBody>
+                    <a:bodyPr/>
+                    <a:lstStyle/>
+                    <a:p>
+                      <a:pPr algn="ctr"/>
+                      <a:r>
+                        <a:rPr lang="es-CO" sz="900" b="0" noProof="0" dirty="0">
+                          <a:latin typeface="Montserrat Medium" panose="020B0604020202020204" charset="0"/>
+                        </a:rPr>
+                        <a:t>-2</a:t>
+                      </a:r>
+                    </a:p>
+                  </a:txBody>
+                  <a:tcPr/>
+                </a:tc>
+                <a:extLst>
+                  <a:ext uri="{0D108BD9-81ED-4DB2-BD59-A6C34878D82A}">
+                    <a16:rowId xmlns:a16="http://schemas.microsoft.com/office/drawing/2014/main" val="2689690166"/>
+                  </a:ext>
+                </a:extLst>
+              </a:tr>
+              <a:tr h="0">
+                <a:tc>
+                  <a:txBody>
+                    <a:bodyPr/>
+                    <a:lstStyle/>
+                    <a:p>
+                      <a:r>
+                        <a:rPr kumimoji="0" lang="es-CO" sz="900" b="0" i="0" u="none" strike="noStrike" kern="0" cap="none" spc="0" normalizeH="0" baseline="0" noProof="0" dirty="0">
+                          <a:ln>
+                            <a:noFill/>
+                          </a:ln>
+                          <a:solidFill>
+                            <a:srgbClr val="000000"/>
+                          </a:solidFill>
+                          <a:effectLst/>
+                          <a:uLnTx/>
+                          <a:uFillTx/>
+                          <a:latin typeface="Montserrat Medium" panose="020B0604020202020204" charset="0"/>
+                          <a:cs typeface="Arial"/>
+                          <a:sym typeface="Arial"/>
+                        </a:rPr>
+                        <a:t>FI8 – FD8</a:t>
+                      </a:r>
+                      <a:endParaRPr lang="es-CO" sz="900" noProof="0" dirty="0">
+                        <a:latin typeface="Montserrat Medium" panose="020B0604020202020204" charset="0"/>
+                      </a:endParaRPr>
+                    </a:p>
+                  </a:txBody>
+                  <a:tcPr/>
+                </a:tc>
+                <a:tc>
+                  <a:txBody>
+                    <a:bodyPr/>
+                    <a:lstStyle/>
+                    <a:p>
+                      <a:pPr algn="ctr"/>
+                      <a:r>
+                        <a:rPr lang="es-CO" sz="900" noProof="0" dirty="0">
+                          <a:latin typeface="Montserrat Medium" panose="020B0604020202020204" charset="0"/>
+                        </a:rPr>
+                        <a:t>CLOSE</a:t>
+                      </a:r>
+                    </a:p>
+                  </a:txBody>
+                  <a:tcPr/>
+                </a:tc>
+                <a:tc>
+                  <a:txBody>
+                    <a:bodyPr/>
+                    <a:lstStyle/>
+                    <a:p>
+                      <a:pPr algn="ctr"/>
+                      <a:r>
+                        <a:rPr lang="es-CO" sz="900" noProof="0" dirty="0">
+                          <a:latin typeface="Montserrat Medium" panose="020B0604020202020204" charset="0"/>
+                        </a:rPr>
+                        <a:t>&gt;</a:t>
+                      </a:r>
+                    </a:p>
+                  </a:txBody>
+                  <a:tcPr/>
+                </a:tc>
+                <a:tc>
+                  <a:txBody>
+                    <a:bodyPr/>
+                    <a:lstStyle/>
+                    <a:p>
+                      <a:pPr algn="ctr"/>
+                      <a:r>
+                        <a:rPr lang="es-CO" sz="900" noProof="0" dirty="0" err="1">
+                          <a:latin typeface="Montserrat Medium" panose="020B0604020202020204" charset="0"/>
+                        </a:rPr>
+                        <a:t>max</a:t>
+                      </a:r>
+                      <a:endParaRPr lang="es-CO" sz="900" noProof="0" dirty="0">
+                        <a:latin typeface="Montserrat Medium" panose="020B0604020202020204" charset="0"/>
+                      </a:endParaRPr>
+                    </a:p>
+                  </a:txBody>
+                  <a:tcPr/>
+                </a:tc>
+                <a:tc>
+                  <a:txBody>
+                    <a:bodyPr/>
+                    <a:lstStyle/>
+                    <a:p>
+                      <a:pPr algn="ctr"/>
+                      <a:r>
+                        <a:rPr lang="es-CO" sz="900" noProof="0" dirty="0">
+                          <a:latin typeface="Montserrat Medium" panose="020B0604020202020204" charset="0"/>
+                        </a:rPr>
+                        <a:t>OPEN</a:t>
+                      </a:r>
+                    </a:p>
+                  </a:txBody>
+                  <a:tcPr/>
+                </a:tc>
+                <a:tc>
+                  <a:txBody>
+                    <a:bodyPr/>
+                    <a:lstStyle/>
+                    <a:p>
+                      <a:pPr algn="ctr"/>
+                      <a:r>
+                        <a:rPr lang="es-CO" sz="900" noProof="0" dirty="0">
+                          <a:latin typeface="Montserrat Medium" panose="020B0604020202020204" charset="0"/>
+                        </a:rPr>
+                        <a:t>BUY</a:t>
+                      </a:r>
+                    </a:p>
+                  </a:txBody>
+                  <a:tcPr/>
+                </a:tc>
+                <a:tc>
+                  <a:txBody>
+                    <a:bodyPr/>
+                    <a:lstStyle/>
+                    <a:p>
+                      <a:pPr algn="ctr"/>
+                      <a:r>
+                        <a:rPr lang="es-CO" sz="900" noProof="0" dirty="0">
+                          <a:latin typeface="Montserrat Medium" panose="020B0604020202020204" charset="0"/>
+                        </a:rPr>
+                        <a:t>CLOSE</a:t>
+                      </a:r>
+                    </a:p>
+                  </a:txBody>
+                  <a:tcPr/>
+                </a:tc>
+                <a:tc>
+                  <a:txBody>
+                    <a:bodyPr/>
+                    <a:lstStyle/>
+                    <a:p>
+                      <a:pPr algn="ctr"/>
+                      <a:r>
+                        <a:rPr lang="es-CO" sz="900" noProof="0" dirty="0">
+                          <a:latin typeface="Montserrat Medium" panose="020B0604020202020204" charset="0"/>
+                        </a:rPr>
+                        <a:t>&lt;</a:t>
+                      </a:r>
+                    </a:p>
+                  </a:txBody>
+                  <a:tcPr/>
+                </a:tc>
+                <a:tc>
+                  <a:txBody>
+                    <a:bodyPr/>
+                    <a:lstStyle/>
+                    <a:p>
+                      <a:pPr algn="ctr"/>
+                      <a:r>
+                        <a:rPr lang="es-CO" sz="900" noProof="0" dirty="0">
+                          <a:latin typeface="Montserrat Medium" panose="020B0604020202020204" charset="0"/>
+                        </a:rPr>
+                        <a:t>min</a:t>
+                      </a:r>
+                    </a:p>
+                  </a:txBody>
+                  <a:tcPr/>
+                </a:tc>
+                <a:tc>
+                  <a:txBody>
+                    <a:bodyPr/>
+                    <a:lstStyle/>
+                    <a:p>
+                      <a:pPr algn="ctr"/>
+                      <a:r>
+                        <a:rPr lang="es-CO" sz="900" noProof="0" dirty="0">
+                          <a:latin typeface="Montserrat Medium" panose="020B0604020202020204" charset="0"/>
+                        </a:rPr>
+                        <a:t>LOW</a:t>
+                      </a:r>
+                    </a:p>
+                  </a:txBody>
+                  <a:tcPr/>
+                </a:tc>
+                <a:tc>
+                  <a:txBody>
+                    <a:bodyPr/>
+                    <a:lstStyle/>
+                    <a:p>
+                      <a:pPr algn="ctr"/>
+                      <a:r>
+                        <a:rPr lang="es-CO" sz="900" noProof="0" dirty="0">
+                          <a:latin typeface="Montserrat Medium" panose="020B0604020202020204" charset="0"/>
+                        </a:rPr>
+                        <a:t>SELL</a:t>
+                      </a:r>
+                    </a:p>
+                  </a:txBody>
+                  <a:tcPr/>
+                </a:tc>
+                <a:tc>
+                  <a:txBody>
+                    <a:bodyPr/>
+                    <a:lstStyle/>
+                    <a:p>
+                      <a:pPr algn="ctr"/>
+                      <a:r>
+                        <a:rPr lang="es-CO" sz="900" noProof="0" dirty="0">
+                          <a:latin typeface="Montserrat Medium" panose="020B0604020202020204" charset="0"/>
+                        </a:rPr>
+                        <a:t>-4</a:t>
+                      </a:r>
+                    </a:p>
+                  </a:txBody>
+                  <a:tcPr/>
+                </a:tc>
+                <a:tc>
+                  <a:txBody>
+                    <a:bodyPr/>
+                    <a:lstStyle/>
+                    <a:p>
+                      <a:pPr algn="ctr"/>
+                      <a:r>
+                        <a:rPr lang="es-CO" sz="900" noProof="0" dirty="0">
+                          <a:latin typeface="Montserrat Medium" panose="020B0604020202020204" charset="0"/>
+                        </a:rPr>
+                        <a:t>-1</a:t>
+                      </a:r>
+                    </a:p>
+                  </a:txBody>
+                  <a:tcPr/>
+                </a:tc>
+                <a:extLst>
+                  <a:ext uri="{0D108BD9-81ED-4DB2-BD59-A6C34878D82A}">
+                    <a16:rowId xmlns:a16="http://schemas.microsoft.com/office/drawing/2014/main" val="4198004282"/>
+                  </a:ext>
+                </a:extLst>
+              </a:tr>
+              <a:tr h="0">
+                <a:tc>
+                  <a:txBody>
+                    <a:bodyPr/>
+                    <a:lstStyle/>
+                    <a:p>
+                      <a:r>
+                        <a:rPr kumimoji="0" lang="es-CO" sz="900" b="0" i="0" u="none" strike="noStrike" kern="0" cap="none" spc="0" normalizeH="0" baseline="0" noProof="0" dirty="0">
+                          <a:ln>
+                            <a:noFill/>
+                          </a:ln>
+                          <a:solidFill>
+                            <a:srgbClr val="000000"/>
+                          </a:solidFill>
+                          <a:effectLst/>
+                          <a:uLnTx/>
+                          <a:uFillTx/>
+                          <a:latin typeface="Montserrat Medium" panose="020B0604020202020204" charset="0"/>
+                          <a:cs typeface="Arial"/>
+                          <a:sym typeface="Arial"/>
+                        </a:rPr>
+                        <a:t>FI9 – FD9</a:t>
+                      </a:r>
+                      <a:endParaRPr lang="es-CO" sz="900" noProof="0" dirty="0">
+                        <a:latin typeface="Montserrat Medium" panose="020B0604020202020204" charset="0"/>
+                      </a:endParaRPr>
+                    </a:p>
+                  </a:txBody>
+                  <a:tcPr/>
+                </a:tc>
+                <a:tc>
+                  <a:txBody>
+                    <a:bodyPr/>
+                    <a:lstStyle/>
+                    <a:p>
+                      <a:pPr algn="ctr"/>
+                      <a:r>
+                        <a:rPr lang="es-CO" sz="900" noProof="0" dirty="0">
+                          <a:latin typeface="Montserrat Medium" panose="020B0604020202020204" charset="0"/>
+                        </a:rPr>
+                        <a:t>CLOSE</a:t>
+                      </a:r>
+                    </a:p>
+                  </a:txBody>
+                  <a:tcPr/>
+                </a:tc>
+                <a:tc>
+                  <a:txBody>
+                    <a:bodyPr/>
+                    <a:lstStyle/>
+                    <a:p>
+                      <a:pPr algn="ctr"/>
+                      <a:r>
+                        <a:rPr lang="es-CO" sz="900" noProof="0" dirty="0">
+                          <a:latin typeface="Montserrat Medium" panose="020B0604020202020204" charset="0"/>
+                        </a:rPr>
+                        <a:t>&gt;</a:t>
+                      </a:r>
+                    </a:p>
+                  </a:txBody>
+                  <a:tcPr/>
+                </a:tc>
+                <a:tc>
+                  <a:txBody>
+                    <a:bodyPr/>
+                    <a:lstStyle/>
+                    <a:p>
+                      <a:pPr algn="ctr"/>
+                      <a:r>
+                        <a:rPr lang="es-CO" sz="900" noProof="0" dirty="0" err="1">
+                          <a:latin typeface="Montserrat Medium" panose="020B0604020202020204" charset="0"/>
+                        </a:rPr>
+                        <a:t>max</a:t>
+                      </a:r>
+                      <a:endParaRPr lang="es-CO" sz="900" noProof="0" dirty="0">
+                        <a:latin typeface="Montserrat Medium" panose="020B0604020202020204" charset="0"/>
+                      </a:endParaRPr>
+                    </a:p>
+                  </a:txBody>
+                  <a:tcPr/>
+                </a:tc>
+                <a:tc>
+                  <a:txBody>
+                    <a:bodyPr/>
+                    <a:lstStyle/>
+                    <a:p>
+                      <a:pPr algn="ctr"/>
+                      <a:r>
+                        <a:rPr lang="es-CO" sz="900" noProof="0" dirty="0">
+                          <a:latin typeface="Montserrat Medium" panose="020B0604020202020204" charset="0"/>
+                        </a:rPr>
+                        <a:t>OPEN</a:t>
+                      </a:r>
+                    </a:p>
+                  </a:txBody>
+                  <a:tcPr/>
+                </a:tc>
+                <a:tc>
+                  <a:txBody>
+                    <a:bodyPr/>
+                    <a:lstStyle/>
+                    <a:p>
+                      <a:pPr algn="ctr"/>
+                      <a:r>
+                        <a:rPr lang="es-CO" sz="900" noProof="0" dirty="0">
+                          <a:latin typeface="Montserrat Medium" panose="020B0604020202020204" charset="0"/>
+                        </a:rPr>
+                        <a:t>BUY</a:t>
+                      </a:r>
+                    </a:p>
+                  </a:txBody>
+                  <a:tcPr/>
+                </a:tc>
+                <a:tc>
+                  <a:txBody>
+                    <a:bodyPr/>
+                    <a:lstStyle/>
+                    <a:p>
+                      <a:pPr algn="ctr"/>
+                      <a:r>
+                        <a:rPr lang="es-CO" sz="900" noProof="0" dirty="0">
+                          <a:latin typeface="Montserrat Medium" panose="020B0604020202020204" charset="0"/>
+                        </a:rPr>
+                        <a:t>CLOSE</a:t>
+                      </a:r>
+                    </a:p>
+                  </a:txBody>
+                  <a:tcPr/>
+                </a:tc>
+                <a:tc>
+                  <a:txBody>
+                    <a:bodyPr/>
+                    <a:lstStyle/>
+                    <a:p>
+                      <a:pPr algn="ctr"/>
+                      <a:r>
+                        <a:rPr lang="es-CO" sz="900" noProof="0" dirty="0">
+                          <a:latin typeface="Montserrat Medium" panose="020B0604020202020204" charset="0"/>
+                        </a:rPr>
+                        <a:t>&lt;</a:t>
+                      </a:r>
+                    </a:p>
+                  </a:txBody>
+                  <a:tcPr/>
+                </a:tc>
+                <a:tc>
+                  <a:txBody>
+                    <a:bodyPr/>
+                    <a:lstStyle/>
+                    <a:p>
+                      <a:pPr algn="ctr"/>
+                      <a:r>
+                        <a:rPr lang="es-CO" sz="900" noProof="0" dirty="0">
+                          <a:latin typeface="Montserrat Medium" panose="020B0604020202020204" charset="0"/>
+                        </a:rPr>
+                        <a:t>min</a:t>
+                      </a:r>
+                    </a:p>
+                  </a:txBody>
+                  <a:tcPr/>
+                </a:tc>
+                <a:tc>
+                  <a:txBody>
+                    <a:bodyPr/>
+                    <a:lstStyle/>
+                    <a:p>
+                      <a:pPr algn="ctr"/>
+                      <a:r>
+                        <a:rPr lang="es-CO" sz="900" noProof="0" dirty="0">
+                          <a:latin typeface="Montserrat Medium" panose="020B0604020202020204" charset="0"/>
+                        </a:rPr>
+                        <a:t>HIGH</a:t>
+                      </a:r>
+                    </a:p>
+                  </a:txBody>
+                  <a:tcPr/>
+                </a:tc>
+                <a:tc>
+                  <a:txBody>
+                    <a:bodyPr/>
+                    <a:lstStyle/>
+                    <a:p>
+                      <a:pPr algn="ctr"/>
+                      <a:r>
+                        <a:rPr lang="es-CO" sz="900" noProof="0" dirty="0">
+                          <a:latin typeface="Montserrat Medium" panose="020B0604020202020204" charset="0"/>
+                        </a:rPr>
+                        <a:t>SELL</a:t>
+                      </a:r>
+                    </a:p>
+                  </a:txBody>
+                  <a:tcPr/>
+                </a:tc>
+                <a:tc>
+                  <a:txBody>
+                    <a:bodyPr/>
+                    <a:lstStyle/>
+                    <a:p>
+                      <a:pPr algn="ctr"/>
+                      <a:r>
+                        <a:rPr lang="es-CO" sz="900" noProof="0" dirty="0">
+                          <a:latin typeface="Montserrat Medium" panose="020B0604020202020204" charset="0"/>
+                        </a:rPr>
+                        <a:t>-4</a:t>
+                      </a:r>
+                    </a:p>
+                  </a:txBody>
+                  <a:tcPr/>
+                </a:tc>
+                <a:tc>
+                  <a:txBody>
+                    <a:bodyPr/>
+                    <a:lstStyle/>
+                    <a:p>
+                      <a:pPr algn="ctr"/>
+                      <a:r>
+                        <a:rPr lang="es-CO" sz="900" noProof="0" dirty="0">
+                          <a:latin typeface="Montserrat Medium" panose="020B0604020202020204" charset="0"/>
+                        </a:rPr>
+                        <a:t>-1</a:t>
+                      </a:r>
+                    </a:p>
+                  </a:txBody>
+                  <a:tcPr/>
+                </a:tc>
+                <a:extLst>
+                  <a:ext uri="{0D108BD9-81ED-4DB2-BD59-A6C34878D82A}">
+                    <a16:rowId xmlns:a16="http://schemas.microsoft.com/office/drawing/2014/main" val="3265450092"/>
+                  </a:ext>
+                </a:extLst>
+              </a:tr>
+            </a:tbl>
+          </a:graphicData>
+        </a:graphic>
+      </p:graphicFrame>
+    </p:spTree>
+    <p:extLst>
+      <p:ext uri="{BB962C8B-B14F-4D97-AF65-F5344CB8AC3E}">
+        <p14:creationId xmlns:p14="http://schemas.microsoft.com/office/powerpoint/2010/main" val="3168109325"/>
+      </p:ext>
+    </p:extLst>
+  </p:cSld>
+  <p:clrMapOvr>
+    <a:masterClrMapping/>
+  </p:clrMapOvr>
+</p:sld>
+</file>
+
+<file path=ppt/slides/slide15.xml><?xml version="1.0" encoding="utf-8"?>
+<p:sld xmlns:a="http://schemas.openxmlformats.org/drawingml/2006/main" xmlns:r="http://schemas.openxmlformats.org/officeDocument/2006/relationships" xmlns:p="http://schemas.openxmlformats.org/presentationml/2006/main">
+  <p:cSld>
+    <p:spTree>
+      <p:nvGrpSpPr>
+        <p:cNvPr id="1" name=""/>
+        <p:cNvGrpSpPr/>
+        <p:nvPr/>
+      </p:nvGrpSpPr>
+      <p:grpSpPr>
+        <a:xfrm>
+          <a:off x="0" y="0"/>
+          <a:ext cx="0" cy="0"/>
+          <a:chOff x="0" y="0"/>
+          <a:chExt cx="0" cy="0"/>
+        </a:xfrm>
+      </p:grpSpPr>
+      <p:sp>
+        <p:nvSpPr>
+          <p:cNvPr id="4" name="Marcador de texto 3">
+            <a:extLst>
+              <a:ext uri="{FF2B5EF4-FFF2-40B4-BE49-F238E27FC236}">
+                <a16:creationId xmlns:a16="http://schemas.microsoft.com/office/drawing/2014/main" id="{55E779F4-73C4-435D-8652-207FBED77C1B}"/>
+              </a:ext>
+            </a:extLst>
+          </p:cNvPr>
+          <p:cNvSpPr>
+            <a:spLocks noGrp="1"/>
+          </p:cNvSpPr>
+          <p:nvPr>
+            <p:ph type="body" idx="4294967295"/>
+          </p:nvPr>
+        </p:nvSpPr>
+        <p:spPr>
+          <a:xfrm>
+            <a:off x="138897" y="119606"/>
+            <a:ext cx="8841816" cy="4933241"/>
+          </a:xfrm>
+        </p:spPr>
+        <p:txBody>
+          <a:bodyPr/>
+          <a:lstStyle/>
+          <a:p>
+            <a:pPr marL="114300" indent="0">
+              <a:lnSpc>
+                <a:spcPct val="100000"/>
+              </a:lnSpc>
+              <a:buClr>
+                <a:srgbClr val="677480"/>
+              </a:buClr>
+              <a:buSzPts val="1100"/>
+              <a:buNone/>
+              <a:defRPr/>
+            </a:pPr>
+            <a:r>
+              <a:rPr lang="es-MX" sz="1600" dirty="0">
+                <a:solidFill>
+                  <a:srgbClr val="677480"/>
+                </a:solidFill>
+                <a:latin typeface="Montserrat Medium" panose="020B0604020202020204" charset="0"/>
+                <a:ea typeface="Open Sans" panose="020B0604020202020204" charset="0"/>
+                <a:cs typeface="Open Sans" panose="020B0604020202020204" charset="0"/>
+                <a:sym typeface="Lato"/>
+              </a:rPr>
+              <a:t>3. Procedimiento para cálculo de fractales y señal </a:t>
+            </a:r>
+            <a:r>
+              <a:rPr lang="es-MX" sz="1600" dirty="0" err="1">
+                <a:solidFill>
+                  <a:srgbClr val="677480"/>
+                </a:solidFill>
+                <a:latin typeface="Montserrat Medium" panose="020B0604020202020204" charset="0"/>
+                <a:ea typeface="Open Sans" panose="020B0604020202020204" charset="0"/>
+                <a:cs typeface="Open Sans" panose="020B0604020202020204" charset="0"/>
+                <a:sym typeface="Lato"/>
+              </a:rPr>
+              <a:t>intradiaria</a:t>
+            </a:r>
+            <a:r>
+              <a:rPr lang="es-MX" sz="1600" dirty="0">
+                <a:solidFill>
+                  <a:srgbClr val="677480"/>
+                </a:solidFill>
+                <a:latin typeface="Montserrat Medium" panose="020B0604020202020204" charset="0"/>
+                <a:ea typeface="Open Sans" panose="020B0604020202020204" charset="0"/>
+                <a:cs typeface="Open Sans" panose="020B0604020202020204" charset="0"/>
+                <a:sym typeface="Lato"/>
+              </a:rPr>
+              <a:t> final</a:t>
+            </a:r>
+          </a:p>
+          <a:p>
+            <a:pPr lvl="2">
+              <a:lnSpc>
+                <a:spcPct val="100000"/>
+              </a:lnSpc>
+              <a:spcBef>
+                <a:spcPts val="0"/>
+              </a:spcBef>
+              <a:buClr>
+                <a:srgbClr val="677480"/>
+              </a:buClr>
+              <a:buSzPts val="1100"/>
+              <a:defRPr/>
+            </a:pPr>
+            <a:endParaRPr lang="it-IT" sz="1100" b="1" dirty="0">
+              <a:solidFill>
+                <a:srgbClr val="677480"/>
+              </a:solidFill>
+              <a:latin typeface="Montserrat Medium" panose="020B0604020202020204" charset="0"/>
+              <a:ea typeface="Open Sans" panose="020B0604020202020204" charset="0"/>
+              <a:cs typeface="Open Sans" panose="020B0604020202020204" charset="0"/>
+              <a:sym typeface="Lato"/>
+            </a:endParaRPr>
+          </a:p>
+          <a:p>
+            <a:pPr>
+              <a:lnSpc>
+                <a:spcPct val="100000"/>
+              </a:lnSpc>
+              <a:buClr>
+                <a:srgbClr val="677480"/>
+              </a:buClr>
+              <a:buSzPts val="1100"/>
+              <a:defRPr/>
+            </a:pPr>
+            <a:r>
+              <a:rPr lang="en-US" sz="1500" dirty="0" err="1">
+                <a:solidFill>
+                  <a:srgbClr val="677480"/>
+                </a:solidFill>
+                <a:latin typeface="Montserrat Medium" panose="020B0604020202020204" charset="0"/>
+                <a:ea typeface="Open Sans" panose="020B0604020202020204" charset="0"/>
+                <a:cs typeface="Open Sans" panose="020B0604020202020204" charset="0"/>
+                <a:sym typeface="Lato"/>
+              </a:rPr>
+              <a:t>Senal</a:t>
+            </a:r>
+            <a:r>
+              <a:rPr lang="en-US" sz="1500" dirty="0">
+                <a:solidFill>
+                  <a:srgbClr val="677480"/>
+                </a:solidFill>
+                <a:latin typeface="Montserrat Medium" panose="020B0604020202020204" charset="0"/>
+                <a:ea typeface="Open Sans" panose="020B0604020202020204" charset="0"/>
+                <a:cs typeface="Open Sans" panose="020B0604020202020204" charset="0"/>
+                <a:sym typeface="Lato"/>
+              </a:rPr>
+              <a:t> </a:t>
+            </a:r>
+            <a:r>
+              <a:rPr lang="en-US" sz="1500" dirty="0" err="1">
+                <a:solidFill>
+                  <a:srgbClr val="677480"/>
+                </a:solidFill>
+                <a:latin typeface="Montserrat Medium" panose="020B0604020202020204" charset="0"/>
+                <a:ea typeface="Open Sans" panose="020B0604020202020204" charset="0"/>
+                <a:cs typeface="Open Sans" panose="020B0604020202020204" charset="0"/>
+                <a:sym typeface="Lato"/>
+              </a:rPr>
+              <a:t>intradiaria</a:t>
+            </a:r>
+            <a:r>
+              <a:rPr lang="en-US" sz="1500" dirty="0">
+                <a:solidFill>
+                  <a:srgbClr val="677480"/>
+                </a:solidFill>
+                <a:latin typeface="Montserrat Medium" panose="020B0604020202020204" charset="0"/>
+                <a:ea typeface="Open Sans" panose="020B0604020202020204" charset="0"/>
+                <a:cs typeface="Open Sans" panose="020B0604020202020204" charset="0"/>
+                <a:sym typeface="Lato"/>
+              </a:rPr>
+              <a:t> final (SIF)</a:t>
+            </a:r>
+          </a:p>
+          <a:p>
+            <a:pPr marL="717550" lvl="2" indent="-268288">
+              <a:lnSpc>
+                <a:spcPct val="100000"/>
+              </a:lnSpc>
+              <a:spcBef>
+                <a:spcPts val="0"/>
+              </a:spcBef>
+              <a:buClr>
+                <a:srgbClr val="677480"/>
+              </a:buClr>
+              <a:buSzPts val="1100"/>
+              <a:defRPr/>
+            </a:pPr>
+            <a:r>
+              <a:rPr lang="it-IT" sz="1100" dirty="0">
+                <a:solidFill>
+                  <a:srgbClr val="677480"/>
+                </a:solidFill>
+                <a:latin typeface="Montserrat Medium" panose="020B0604020202020204" charset="0"/>
+                <a:ea typeface="Open Sans" panose="020B0604020202020204" charset="0"/>
+                <a:cs typeface="Open Sans" panose="020B0604020202020204" charset="0"/>
+                <a:sym typeface="Lato"/>
+              </a:rPr>
+              <a:t>Si FIF = FI, entonces</a:t>
+            </a:r>
+          </a:p>
+          <a:p>
+            <a:pPr marL="1174750" lvl="3" indent="-268288">
+              <a:lnSpc>
+                <a:spcPct val="100000"/>
+              </a:lnSpc>
+              <a:spcBef>
+                <a:spcPts val="0"/>
+              </a:spcBef>
+              <a:buClr>
+                <a:srgbClr val="677480"/>
+              </a:buClr>
+              <a:buSzPts val="1100"/>
+              <a:defRPr/>
+            </a:pPr>
+            <a:r>
+              <a:rPr lang="it-IT" sz="1100" dirty="0">
+                <a:solidFill>
+                  <a:srgbClr val="677480"/>
+                </a:solidFill>
+                <a:latin typeface="Montserrat Medium" panose="020B0604020202020204" charset="0"/>
+                <a:ea typeface="Open Sans" panose="020B0604020202020204" charset="0"/>
+                <a:cs typeface="Open Sans" panose="020B0604020202020204" charset="0"/>
+                <a:sym typeface="Lato"/>
+              </a:rPr>
+              <a:t>SIF = FIF</a:t>
+            </a:r>
+          </a:p>
+          <a:p>
+            <a:pPr marL="717550" lvl="2" indent="-268288">
+              <a:lnSpc>
+                <a:spcPct val="100000"/>
+              </a:lnSpc>
+              <a:spcBef>
+                <a:spcPts val="0"/>
+              </a:spcBef>
+              <a:buClr>
+                <a:srgbClr val="677480"/>
+              </a:buClr>
+              <a:buSzPts val="1100"/>
+              <a:defRPr/>
+            </a:pPr>
+            <a:r>
+              <a:rPr lang="it-IT" sz="1100" dirty="0">
+                <a:solidFill>
+                  <a:srgbClr val="677480"/>
+                </a:solidFill>
+                <a:latin typeface="Montserrat Medium" panose="020B0604020202020204" charset="0"/>
+                <a:ea typeface="Open Sans" panose="020B0604020202020204" charset="0"/>
+                <a:cs typeface="Open Sans" panose="020B0604020202020204" charset="0"/>
+                <a:sym typeface="Lato"/>
+              </a:rPr>
+              <a:t>Si FIF ≠ FI, entonces</a:t>
+            </a:r>
+          </a:p>
+          <a:p>
+            <a:pPr marL="1174750" lvl="3" indent="-268288">
+              <a:lnSpc>
+                <a:spcPct val="100000"/>
+              </a:lnSpc>
+              <a:spcBef>
+                <a:spcPts val="0"/>
+              </a:spcBef>
+              <a:buClr>
+                <a:srgbClr val="677480"/>
+              </a:buClr>
+              <a:buSzPts val="1100"/>
+              <a:defRPr/>
+            </a:pPr>
+            <a:r>
+              <a:rPr lang="it-IT" sz="1100" dirty="0">
+                <a:solidFill>
+                  <a:srgbClr val="677480"/>
+                </a:solidFill>
+                <a:latin typeface="Montserrat Medium" panose="020B0604020202020204" charset="0"/>
+                <a:ea typeface="Open Sans" panose="020B0604020202020204" charset="0"/>
+                <a:cs typeface="Open Sans" panose="020B0604020202020204" charset="0"/>
+                <a:sym typeface="Lato"/>
+              </a:rPr>
+              <a:t>SIF = NA</a:t>
+            </a:r>
+          </a:p>
+          <a:p>
+            <a:pPr marL="260350" lvl="1" indent="-268288">
+              <a:lnSpc>
+                <a:spcPct val="100000"/>
+              </a:lnSpc>
+              <a:spcBef>
+                <a:spcPts val="0"/>
+              </a:spcBef>
+              <a:buClr>
+                <a:srgbClr val="677480"/>
+              </a:buClr>
+              <a:buSzPts val="1100"/>
+              <a:defRPr/>
+            </a:pPr>
+            <a:endParaRPr lang="it-IT" sz="1100" dirty="0">
+              <a:solidFill>
+                <a:srgbClr val="677480"/>
+              </a:solidFill>
+              <a:latin typeface="Montserrat Medium" panose="020B0604020202020204" charset="0"/>
+              <a:ea typeface="Open Sans" panose="020B0604020202020204" charset="0"/>
+              <a:cs typeface="Open Sans" panose="020B0604020202020204" charset="0"/>
+              <a:sym typeface="Lato"/>
+            </a:endParaRPr>
+          </a:p>
+          <a:p>
+            <a:pPr>
+              <a:lnSpc>
+                <a:spcPct val="100000"/>
+              </a:lnSpc>
+              <a:buClr>
+                <a:srgbClr val="677480"/>
+              </a:buClr>
+              <a:buSzPts val="1100"/>
+              <a:defRPr/>
+            </a:pPr>
+            <a:r>
+              <a:rPr lang="en-US" sz="1500" dirty="0" err="1">
+                <a:solidFill>
+                  <a:srgbClr val="677480"/>
+                </a:solidFill>
+                <a:latin typeface="Montserrat Medium" panose="020B0604020202020204" charset="0"/>
+                <a:ea typeface="Open Sans" panose="020B0604020202020204" charset="0"/>
+                <a:cs typeface="Open Sans" panose="020B0604020202020204" charset="0"/>
+                <a:sym typeface="Lato"/>
+              </a:rPr>
+              <a:t>Decisión</a:t>
+            </a:r>
+            <a:r>
+              <a:rPr lang="en-US" sz="1500" dirty="0">
+                <a:solidFill>
+                  <a:srgbClr val="677480"/>
+                </a:solidFill>
+                <a:latin typeface="Montserrat Medium" panose="020B0604020202020204" charset="0"/>
+                <a:ea typeface="Open Sans" panose="020B0604020202020204" charset="0"/>
+                <a:cs typeface="Open Sans" panose="020B0604020202020204" charset="0"/>
+                <a:sym typeface="Lato"/>
+              </a:rPr>
+              <a:t> de inversion </a:t>
+            </a:r>
+            <a:r>
+              <a:rPr lang="en-US" sz="1500" dirty="0" err="1">
+                <a:solidFill>
+                  <a:srgbClr val="677480"/>
+                </a:solidFill>
+                <a:latin typeface="Montserrat Medium" panose="020B0604020202020204" charset="0"/>
+                <a:ea typeface="Open Sans" panose="020B0604020202020204" charset="0"/>
+                <a:cs typeface="Open Sans" panose="020B0604020202020204" charset="0"/>
+                <a:sym typeface="Lato"/>
+              </a:rPr>
+              <a:t>en</a:t>
+            </a:r>
+            <a:r>
+              <a:rPr lang="en-US" sz="1500" dirty="0">
+                <a:solidFill>
+                  <a:srgbClr val="677480"/>
+                </a:solidFill>
+                <a:latin typeface="Montserrat Medium" panose="020B0604020202020204" charset="0"/>
+                <a:ea typeface="Open Sans" panose="020B0604020202020204" charset="0"/>
+                <a:cs typeface="Open Sans" panose="020B0604020202020204" charset="0"/>
+                <a:sym typeface="Lato"/>
+              </a:rPr>
+              <a:t> </a:t>
+            </a:r>
+            <a:r>
+              <a:rPr lang="en-US" sz="1500" dirty="0" err="1">
+                <a:solidFill>
+                  <a:srgbClr val="677480"/>
+                </a:solidFill>
+                <a:latin typeface="Montserrat Medium" panose="020B0604020202020204" charset="0"/>
+                <a:ea typeface="Open Sans" panose="020B0604020202020204" charset="0"/>
+                <a:cs typeface="Open Sans" panose="020B0604020202020204" charset="0"/>
+                <a:sym typeface="Lato"/>
+              </a:rPr>
+              <a:t>cada</a:t>
+            </a:r>
+            <a:r>
+              <a:rPr lang="en-US" sz="1500" dirty="0">
+                <a:solidFill>
+                  <a:srgbClr val="677480"/>
+                </a:solidFill>
+                <a:latin typeface="Montserrat Medium" panose="020B0604020202020204" charset="0"/>
+                <a:ea typeface="Open Sans" panose="020B0604020202020204" charset="0"/>
+                <a:cs typeface="Open Sans" panose="020B0604020202020204" charset="0"/>
+                <a:sym typeface="Lato"/>
+              </a:rPr>
+              <a:t> </a:t>
+            </a:r>
+            <a:r>
+              <a:rPr lang="en-US" sz="1500" dirty="0" err="1">
+                <a:solidFill>
+                  <a:srgbClr val="677480"/>
+                </a:solidFill>
+                <a:latin typeface="Montserrat Medium" panose="020B0604020202020204" charset="0"/>
+                <a:ea typeface="Open Sans" panose="020B0604020202020204" charset="0"/>
+                <a:cs typeface="Open Sans" panose="020B0604020202020204" charset="0"/>
+                <a:sym typeface="Lato"/>
+              </a:rPr>
+              <a:t>franja</a:t>
+            </a:r>
+            <a:r>
+              <a:rPr lang="en-US" sz="1500" dirty="0">
+                <a:solidFill>
+                  <a:srgbClr val="677480"/>
+                </a:solidFill>
+                <a:latin typeface="Montserrat Medium" panose="020B0604020202020204" charset="0"/>
+                <a:ea typeface="Open Sans" panose="020B0604020202020204" charset="0"/>
+                <a:cs typeface="Open Sans" panose="020B0604020202020204" charset="0"/>
+                <a:sym typeface="Lato"/>
+              </a:rPr>
+              <a:t> </a:t>
+            </a:r>
+            <a:r>
+              <a:rPr lang="en-US" sz="1500" dirty="0" err="1">
+                <a:solidFill>
+                  <a:srgbClr val="677480"/>
+                </a:solidFill>
+                <a:latin typeface="Montserrat Medium" panose="020B0604020202020204" charset="0"/>
+                <a:ea typeface="Open Sans" panose="020B0604020202020204" charset="0"/>
+                <a:cs typeface="Open Sans" panose="020B0604020202020204" charset="0"/>
+                <a:sym typeface="Lato"/>
+              </a:rPr>
+              <a:t>horaria</a:t>
+            </a:r>
+            <a:r>
+              <a:rPr lang="en-US" sz="1500" dirty="0">
+                <a:solidFill>
+                  <a:srgbClr val="677480"/>
+                </a:solidFill>
+                <a:latin typeface="Montserrat Medium" panose="020B0604020202020204" charset="0"/>
+                <a:ea typeface="Open Sans" panose="020B0604020202020204" charset="0"/>
+                <a:cs typeface="Open Sans" panose="020B0604020202020204" charset="0"/>
+                <a:sym typeface="Lato"/>
+              </a:rPr>
+              <a:t> (FH)</a:t>
+            </a:r>
+          </a:p>
+          <a:p>
+            <a:pPr marL="717550" lvl="2" indent="-268288">
+              <a:lnSpc>
+                <a:spcPct val="100000"/>
+              </a:lnSpc>
+              <a:spcBef>
+                <a:spcPts val="0"/>
+              </a:spcBef>
+              <a:buClr>
+                <a:srgbClr val="677480"/>
+              </a:buClr>
+              <a:buSzPts val="1100"/>
+              <a:defRPr/>
+            </a:pPr>
+            <a:r>
+              <a:rPr lang="it-IT" sz="1100" dirty="0">
+                <a:solidFill>
+                  <a:srgbClr val="677480"/>
+                </a:solidFill>
+                <a:latin typeface="Montserrat Medium" panose="020B0604020202020204" charset="0"/>
+                <a:ea typeface="Open Sans" panose="020B0604020202020204" charset="0"/>
+                <a:cs typeface="Open Sans" panose="020B0604020202020204" charset="0"/>
+                <a:sym typeface="Lato"/>
+              </a:rPr>
+              <a:t>Si SIF es igual a la FH anterior, entonces</a:t>
+            </a:r>
+          </a:p>
+          <a:p>
+            <a:pPr marL="1174750" lvl="3" indent="-268288">
+              <a:lnSpc>
+                <a:spcPct val="100000"/>
+              </a:lnSpc>
+              <a:spcBef>
+                <a:spcPts val="0"/>
+              </a:spcBef>
+              <a:buClr>
+                <a:srgbClr val="677480"/>
+              </a:buClr>
+              <a:buSzPts val="1100"/>
+              <a:defRPr/>
+            </a:pPr>
+            <a:r>
+              <a:rPr lang="it-IT" sz="1100" dirty="0">
+                <a:solidFill>
+                  <a:srgbClr val="677480"/>
+                </a:solidFill>
+                <a:latin typeface="Montserrat Medium" panose="020B0604020202020204" charset="0"/>
+                <a:ea typeface="Open Sans" panose="020B0604020202020204" charset="0"/>
+                <a:cs typeface="Open Sans" panose="020B0604020202020204" charset="0"/>
+                <a:sym typeface="Lato"/>
+              </a:rPr>
+              <a:t>No hacer nada.</a:t>
+            </a:r>
+          </a:p>
+          <a:p>
+            <a:pPr marL="717550" lvl="2" indent="-268288">
+              <a:lnSpc>
+                <a:spcPct val="100000"/>
+              </a:lnSpc>
+              <a:spcBef>
+                <a:spcPts val="0"/>
+              </a:spcBef>
+              <a:buClr>
+                <a:srgbClr val="677480"/>
+              </a:buClr>
+              <a:buSzPts val="1100"/>
+              <a:defRPr/>
+            </a:pPr>
+            <a:r>
+              <a:rPr lang="it-IT" sz="1100" dirty="0">
+                <a:solidFill>
+                  <a:srgbClr val="677480"/>
+                </a:solidFill>
+                <a:latin typeface="Montserrat Medium" panose="020B0604020202020204" charset="0"/>
+                <a:ea typeface="Open Sans" panose="020B0604020202020204" charset="0"/>
+                <a:cs typeface="Open Sans" panose="020B0604020202020204" charset="0"/>
+                <a:sym typeface="Lato"/>
+              </a:rPr>
+              <a:t>Si SIF es diferente a la FH anterior, entonces</a:t>
+            </a:r>
+          </a:p>
+          <a:p>
+            <a:pPr marL="1174750" lvl="3" indent="-268288">
+              <a:lnSpc>
+                <a:spcPct val="100000"/>
+              </a:lnSpc>
+              <a:spcBef>
+                <a:spcPts val="0"/>
+              </a:spcBef>
+              <a:buClr>
+                <a:srgbClr val="677480"/>
+              </a:buClr>
+              <a:buSzPts val="1100"/>
+              <a:defRPr/>
+            </a:pPr>
+            <a:r>
+              <a:rPr lang="it-IT" sz="1100" dirty="0">
+                <a:solidFill>
+                  <a:srgbClr val="677480"/>
+                </a:solidFill>
+                <a:latin typeface="Montserrat Medium" panose="020B0604020202020204" charset="0"/>
+                <a:ea typeface="Open Sans" panose="020B0604020202020204" charset="0"/>
+                <a:cs typeface="Open Sans" panose="020B0604020202020204" charset="0"/>
+                <a:sym typeface="Lato"/>
+              </a:rPr>
+              <a:t>Si hay SIF FH actual </a:t>
+            </a:r>
+            <a:r>
+              <a:rPr lang="it-IT" sz="1100" b="1" u="sng" dirty="0">
+                <a:solidFill>
+                  <a:srgbClr val="677480"/>
+                </a:solidFill>
+                <a:latin typeface="Montserrat Medium" panose="020B0604020202020204" charset="0"/>
+                <a:ea typeface="Open Sans" panose="020B0604020202020204" charset="0"/>
+                <a:cs typeface="Open Sans" panose="020B0604020202020204" charset="0"/>
+                <a:sym typeface="Lato"/>
+              </a:rPr>
+              <a:t>y</a:t>
+            </a:r>
+            <a:r>
+              <a:rPr lang="it-IT" sz="1100" dirty="0">
+                <a:solidFill>
+                  <a:srgbClr val="677480"/>
+                </a:solidFill>
+                <a:latin typeface="Montserrat Medium" panose="020B0604020202020204" charset="0"/>
+                <a:ea typeface="Open Sans" panose="020B0604020202020204" charset="0"/>
+                <a:cs typeface="Open Sans" panose="020B0604020202020204" charset="0"/>
+                <a:sym typeface="Lato"/>
+              </a:rPr>
+              <a:t> la FH anterior (SIF es BUY o SELL), entonces</a:t>
+            </a:r>
+          </a:p>
+          <a:p>
+            <a:pPr marL="1631950" lvl="4" indent="-268288">
+              <a:lnSpc>
+                <a:spcPct val="100000"/>
+              </a:lnSpc>
+              <a:spcBef>
+                <a:spcPts val="0"/>
+              </a:spcBef>
+              <a:buClr>
+                <a:srgbClr val="677480"/>
+              </a:buClr>
+              <a:buSzPts val="1100"/>
+              <a:defRPr/>
+            </a:pPr>
+            <a:r>
+              <a:rPr lang="it-IT" sz="1100" dirty="0">
+                <a:solidFill>
+                  <a:srgbClr val="677480"/>
+                </a:solidFill>
+                <a:latin typeface="Montserrat Medium" panose="020B0604020202020204" charset="0"/>
+                <a:ea typeface="Open Sans" panose="020B0604020202020204" charset="0"/>
+                <a:cs typeface="Open Sans" panose="020B0604020202020204" charset="0"/>
+                <a:sym typeface="Lato"/>
+              </a:rPr>
+              <a:t>Se cierra la posición de la FH anterior y se abre la posición de la FH actual</a:t>
+            </a:r>
+          </a:p>
+          <a:p>
+            <a:pPr marL="1174750" lvl="3" indent="-268288">
+              <a:lnSpc>
+                <a:spcPct val="100000"/>
+              </a:lnSpc>
+              <a:spcBef>
+                <a:spcPts val="0"/>
+              </a:spcBef>
+              <a:buClr>
+                <a:srgbClr val="677480"/>
+              </a:buClr>
+              <a:buSzPts val="1100"/>
+              <a:defRPr/>
+            </a:pPr>
+            <a:r>
+              <a:rPr lang="it-IT" sz="1100" dirty="0">
+                <a:solidFill>
+                  <a:srgbClr val="677480"/>
+                </a:solidFill>
+                <a:latin typeface="Montserrat Medium" panose="020B0604020202020204" charset="0"/>
+                <a:ea typeface="Open Sans" panose="020B0604020202020204" charset="0"/>
+                <a:cs typeface="Open Sans" panose="020B0604020202020204" charset="0"/>
+                <a:sym typeface="Lato"/>
+              </a:rPr>
+              <a:t>Si </a:t>
+            </a:r>
+            <a:r>
+              <a:rPr lang="it-IT" sz="1100" b="1" u="sng" dirty="0">
+                <a:solidFill>
+                  <a:srgbClr val="677480"/>
+                </a:solidFill>
+                <a:latin typeface="Montserrat Medium" panose="020B0604020202020204" charset="0"/>
+                <a:ea typeface="Open Sans" panose="020B0604020202020204" charset="0"/>
+                <a:cs typeface="Open Sans" panose="020B0604020202020204" charset="0"/>
+                <a:sym typeface="Lato"/>
+              </a:rPr>
+              <a:t>NO</a:t>
+            </a:r>
+            <a:r>
+              <a:rPr lang="it-IT" sz="1100" dirty="0">
+                <a:solidFill>
+                  <a:srgbClr val="677480"/>
+                </a:solidFill>
+                <a:latin typeface="Montserrat Medium" panose="020B0604020202020204" charset="0"/>
+                <a:ea typeface="Open Sans" panose="020B0604020202020204" charset="0"/>
+                <a:cs typeface="Open Sans" panose="020B0604020202020204" charset="0"/>
+                <a:sym typeface="Lato"/>
+              </a:rPr>
+              <a:t> hay SIF en la FH actual </a:t>
+            </a:r>
+            <a:r>
+              <a:rPr lang="it-IT" sz="1100" b="1" u="sng" dirty="0">
+                <a:solidFill>
+                  <a:srgbClr val="677480"/>
+                </a:solidFill>
+                <a:latin typeface="Montserrat Medium" panose="020B0604020202020204" charset="0"/>
+                <a:ea typeface="Open Sans" panose="020B0604020202020204" charset="0"/>
+                <a:cs typeface="Open Sans" panose="020B0604020202020204" charset="0"/>
+                <a:sym typeface="Lato"/>
+              </a:rPr>
+              <a:t>o</a:t>
+            </a:r>
+            <a:r>
+              <a:rPr lang="it-IT" sz="1100" dirty="0">
+                <a:solidFill>
+                  <a:srgbClr val="677480"/>
+                </a:solidFill>
+                <a:latin typeface="Montserrat Medium" panose="020B0604020202020204" charset="0"/>
+                <a:ea typeface="Open Sans" panose="020B0604020202020204" charset="0"/>
+                <a:cs typeface="Open Sans" panose="020B0604020202020204" charset="0"/>
+                <a:sym typeface="Lato"/>
+              </a:rPr>
+              <a:t> en la FH anterior (SIF </a:t>
+            </a:r>
+            <a:r>
+              <a:rPr lang="it-IT" sz="1100" b="1" u="sng" dirty="0">
+                <a:solidFill>
+                  <a:srgbClr val="677480"/>
+                </a:solidFill>
+                <a:latin typeface="Montserrat Medium" panose="020B0604020202020204" charset="0"/>
+                <a:ea typeface="Open Sans" panose="020B0604020202020204" charset="0"/>
+                <a:cs typeface="Open Sans" panose="020B0604020202020204" charset="0"/>
+                <a:sym typeface="Lato"/>
+              </a:rPr>
+              <a:t>NO</a:t>
+            </a:r>
+            <a:r>
+              <a:rPr lang="it-IT" sz="1100" dirty="0">
+                <a:solidFill>
+                  <a:srgbClr val="677480"/>
+                </a:solidFill>
+                <a:latin typeface="Montserrat Medium" panose="020B0604020202020204" charset="0"/>
+                <a:ea typeface="Open Sans" panose="020B0604020202020204" charset="0"/>
+                <a:cs typeface="Open Sans" panose="020B0604020202020204" charset="0"/>
+                <a:sym typeface="Lato"/>
+              </a:rPr>
+              <a:t> es BUY o SELL), entonces</a:t>
+            </a:r>
+          </a:p>
+          <a:p>
+            <a:pPr marL="1631950" lvl="4" indent="-268288">
+              <a:lnSpc>
+                <a:spcPct val="100000"/>
+              </a:lnSpc>
+              <a:spcBef>
+                <a:spcPts val="0"/>
+              </a:spcBef>
+              <a:buClr>
+                <a:srgbClr val="677480"/>
+              </a:buClr>
+              <a:buSzPts val="1100"/>
+              <a:defRPr/>
+            </a:pPr>
+            <a:r>
+              <a:rPr lang="it-IT" sz="1100" dirty="0">
+                <a:solidFill>
+                  <a:srgbClr val="677480"/>
+                </a:solidFill>
+                <a:latin typeface="Montserrat Medium" panose="020B0604020202020204" charset="0"/>
+                <a:ea typeface="Open Sans" panose="020B0604020202020204" charset="0"/>
+                <a:cs typeface="Open Sans" panose="020B0604020202020204" charset="0"/>
+                <a:sym typeface="Lato"/>
+              </a:rPr>
+              <a:t>Si hay SIF en la FH actual (SIF es BUY o SELL ) y no hay SIF en la FH anterior (SIF es NA), entonces</a:t>
+            </a:r>
+          </a:p>
+          <a:p>
+            <a:pPr marL="2089150" lvl="5" indent="-268288">
+              <a:lnSpc>
+                <a:spcPct val="100000"/>
+              </a:lnSpc>
+              <a:spcBef>
+                <a:spcPts val="0"/>
+              </a:spcBef>
+              <a:buClr>
+                <a:srgbClr val="677480"/>
+              </a:buClr>
+              <a:buSzPts val="1100"/>
+              <a:buFont typeface="Arial" panose="020B0604020202020204" pitchFamily="34" charset="0"/>
+              <a:buChar char="•"/>
+              <a:defRPr/>
+            </a:pPr>
+            <a:r>
+              <a:rPr lang="it-IT" sz="1100" dirty="0">
+                <a:solidFill>
+                  <a:srgbClr val="677480"/>
+                </a:solidFill>
+                <a:latin typeface="Montserrat Medium" panose="020B0604020202020204" charset="0"/>
+                <a:ea typeface="Open Sans" panose="020B0604020202020204" charset="0"/>
+                <a:cs typeface="Open Sans" panose="020B0604020202020204" charset="0"/>
+                <a:sym typeface="Lato"/>
+              </a:rPr>
+              <a:t>Se abre la posición BUY o SELL en la FH actual.</a:t>
+            </a:r>
+          </a:p>
+          <a:p>
+            <a:pPr marL="1631950" lvl="4" indent="-268288">
+              <a:lnSpc>
+                <a:spcPct val="100000"/>
+              </a:lnSpc>
+              <a:spcBef>
+                <a:spcPts val="0"/>
+              </a:spcBef>
+              <a:buClr>
+                <a:srgbClr val="677480"/>
+              </a:buClr>
+              <a:buSzPts val="1100"/>
+              <a:defRPr/>
+            </a:pPr>
+            <a:r>
+              <a:rPr lang="it-IT" sz="1100" dirty="0">
+                <a:solidFill>
+                  <a:srgbClr val="677480"/>
+                </a:solidFill>
+                <a:latin typeface="Montserrat Medium" panose="020B0604020202020204" charset="0"/>
+                <a:ea typeface="Open Sans" panose="020B0604020202020204" charset="0"/>
+                <a:cs typeface="Open Sans" panose="020B0604020202020204" charset="0"/>
+                <a:sym typeface="Lato"/>
+              </a:rPr>
+              <a:t>Si </a:t>
+            </a:r>
+            <a:r>
+              <a:rPr lang="it-IT" sz="1100" b="1" u="sng" dirty="0">
+                <a:solidFill>
+                  <a:srgbClr val="677480"/>
+                </a:solidFill>
+                <a:latin typeface="Montserrat Medium" panose="020B0604020202020204" charset="0"/>
+                <a:ea typeface="Open Sans" panose="020B0604020202020204" charset="0"/>
+                <a:cs typeface="Open Sans" panose="020B0604020202020204" charset="0"/>
+                <a:sym typeface="Lato"/>
+              </a:rPr>
+              <a:t>NO</a:t>
+            </a:r>
+            <a:r>
+              <a:rPr lang="it-IT" sz="1100" dirty="0">
+                <a:solidFill>
+                  <a:srgbClr val="677480"/>
+                </a:solidFill>
+                <a:latin typeface="Montserrat Medium" panose="020B0604020202020204" charset="0"/>
+                <a:ea typeface="Open Sans" panose="020B0604020202020204" charset="0"/>
+                <a:cs typeface="Open Sans" panose="020B0604020202020204" charset="0"/>
+                <a:sym typeface="Lato"/>
+              </a:rPr>
+              <a:t> hay SIF en la FH actual (SIF es NA) y hay SIF en la FH anterior (SIF es BUY o SELL ), entonces</a:t>
+            </a:r>
+          </a:p>
+          <a:p>
+            <a:pPr marL="2089150" lvl="5" indent="-268288">
+              <a:lnSpc>
+                <a:spcPct val="100000"/>
+              </a:lnSpc>
+              <a:spcBef>
+                <a:spcPts val="0"/>
+              </a:spcBef>
+              <a:buClr>
+                <a:srgbClr val="677480"/>
+              </a:buClr>
+              <a:buSzPts val="1100"/>
+              <a:buFont typeface="Arial" panose="020B0604020202020204" pitchFamily="34" charset="0"/>
+              <a:buChar char="•"/>
+              <a:defRPr/>
+            </a:pPr>
+            <a:r>
+              <a:rPr lang="it-IT" sz="1100" dirty="0">
+                <a:solidFill>
+                  <a:srgbClr val="677480"/>
+                </a:solidFill>
+                <a:latin typeface="Montserrat Medium" panose="020B0604020202020204" charset="0"/>
+                <a:ea typeface="Open Sans" panose="020B0604020202020204" charset="0"/>
+                <a:cs typeface="Open Sans" panose="020B0604020202020204" charset="0"/>
+                <a:sym typeface="Lato"/>
+              </a:rPr>
+              <a:t>Se cierra la posición BUY o SELL de la FH anterior.</a:t>
+            </a:r>
+          </a:p>
+        </p:txBody>
+      </p:sp>
+    </p:spTree>
+    <p:extLst>
+      <p:ext uri="{BB962C8B-B14F-4D97-AF65-F5344CB8AC3E}">
+        <p14:creationId xmlns:p14="http://schemas.microsoft.com/office/powerpoint/2010/main" val="3139815860"/>
+      </p:ext>
+    </p:extLst>
+  </p:cSld>
+  <p:clrMapOvr>
+    <a:masterClrMapping/>
+  </p:clrMapOvr>
+</p:sld>
+</file>
+
+<file path=ppt/slides/slide16.xml><?xml version="1.0" encoding="utf-8"?>
+<p:sld xmlns:a="http://schemas.openxmlformats.org/drawingml/2006/main" xmlns:r="http://schemas.openxmlformats.org/officeDocument/2006/relationships" xmlns:p="http://schemas.openxmlformats.org/presentationml/2006/main">
+  <p:cSld>
+    <p:spTree>
+      <p:nvGrpSpPr>
+        <p:cNvPr id="1" name=""/>
+        <p:cNvGrpSpPr/>
+        <p:nvPr/>
+      </p:nvGrpSpPr>
+      <p:grpSpPr>
+        <a:xfrm>
+          <a:off x="0" y="0"/>
+          <a:ext cx="0" cy="0"/>
+          <a:chOff x="0" y="0"/>
+          <a:chExt cx="0" cy="0"/>
+        </a:xfrm>
+      </p:grpSpPr>
+      <p:sp>
+        <p:nvSpPr>
+          <p:cNvPr id="4" name="Marcador de texto 3">
+            <a:extLst>
+              <a:ext uri="{FF2B5EF4-FFF2-40B4-BE49-F238E27FC236}">
+                <a16:creationId xmlns:a16="http://schemas.microsoft.com/office/drawing/2014/main" id="{55E779F4-73C4-435D-8652-207FBED77C1B}"/>
+              </a:ext>
+            </a:extLst>
+          </p:cNvPr>
+          <p:cNvSpPr>
+            <a:spLocks noGrp="1"/>
+          </p:cNvSpPr>
+          <p:nvPr>
+            <p:ph type="body" idx="4294967295"/>
+          </p:nvPr>
+        </p:nvSpPr>
+        <p:spPr>
+          <a:xfrm>
+            <a:off x="138897" y="119606"/>
+            <a:ext cx="8841816" cy="4933241"/>
+          </a:xfrm>
+        </p:spPr>
+        <p:txBody>
+          <a:bodyPr/>
+          <a:lstStyle/>
+          <a:p>
+            <a:pPr marL="114300" indent="0">
+              <a:lnSpc>
+                <a:spcPct val="100000"/>
+              </a:lnSpc>
+              <a:buClr>
+                <a:srgbClr val="677480"/>
+              </a:buClr>
+              <a:buSzPts val="1100"/>
+              <a:buNone/>
+              <a:defRPr/>
+            </a:pPr>
+            <a:r>
+              <a:rPr lang="es-MX" sz="1600" dirty="0">
+                <a:solidFill>
+                  <a:srgbClr val="677480"/>
+                </a:solidFill>
+                <a:latin typeface="Montserrat Medium" panose="020B0604020202020204" charset="0"/>
+                <a:ea typeface="Open Sans" panose="020B0604020202020204" charset="0"/>
+                <a:cs typeface="Open Sans" panose="020B0604020202020204" charset="0"/>
+                <a:sym typeface="Lato"/>
+              </a:rPr>
+              <a:t>3. Procedimiento para cálculo de fractales y señal </a:t>
+            </a:r>
+            <a:r>
+              <a:rPr lang="es-MX" sz="1600" dirty="0" err="1">
+                <a:solidFill>
+                  <a:srgbClr val="677480"/>
+                </a:solidFill>
+                <a:latin typeface="Montserrat Medium" panose="020B0604020202020204" charset="0"/>
+                <a:ea typeface="Open Sans" panose="020B0604020202020204" charset="0"/>
+                <a:cs typeface="Open Sans" panose="020B0604020202020204" charset="0"/>
+                <a:sym typeface="Lato"/>
+              </a:rPr>
+              <a:t>intradiaria</a:t>
+            </a:r>
+            <a:r>
+              <a:rPr lang="es-MX" sz="1600" dirty="0">
+                <a:solidFill>
+                  <a:srgbClr val="677480"/>
+                </a:solidFill>
+                <a:latin typeface="Montserrat Medium" panose="020B0604020202020204" charset="0"/>
+                <a:ea typeface="Open Sans" panose="020B0604020202020204" charset="0"/>
+                <a:cs typeface="Open Sans" panose="020B0604020202020204" charset="0"/>
+                <a:sym typeface="Lato"/>
+              </a:rPr>
+              <a:t> final</a:t>
+            </a:r>
+          </a:p>
+          <a:p>
+            <a:pPr lvl="2">
+              <a:lnSpc>
+                <a:spcPct val="100000"/>
+              </a:lnSpc>
+              <a:spcBef>
+                <a:spcPts val="0"/>
+              </a:spcBef>
+              <a:buClr>
+                <a:srgbClr val="677480"/>
+              </a:buClr>
+              <a:buSzPts val="1100"/>
+              <a:defRPr/>
+            </a:pPr>
+            <a:endParaRPr lang="it-IT" sz="1100" b="1" dirty="0">
+              <a:solidFill>
+                <a:srgbClr val="677480"/>
+              </a:solidFill>
+              <a:latin typeface="Montserrat Medium" panose="020B0604020202020204" charset="0"/>
+              <a:ea typeface="Open Sans" panose="020B0604020202020204" charset="0"/>
+              <a:cs typeface="Open Sans" panose="020B0604020202020204" charset="0"/>
+              <a:sym typeface="Lato"/>
+            </a:endParaRPr>
+          </a:p>
+          <a:p>
+            <a:pPr>
+              <a:lnSpc>
+                <a:spcPct val="100000"/>
+              </a:lnSpc>
+              <a:buClr>
+                <a:srgbClr val="677480"/>
+              </a:buClr>
+              <a:buSzPts val="1100"/>
+              <a:defRPr/>
+            </a:pPr>
+            <a:r>
+              <a:rPr lang="en-US" sz="1500" dirty="0" err="1">
+                <a:solidFill>
+                  <a:srgbClr val="677480"/>
+                </a:solidFill>
+                <a:latin typeface="Montserrat Medium" panose="020B0604020202020204" charset="0"/>
+                <a:ea typeface="Open Sans" panose="020B0604020202020204" charset="0"/>
+                <a:cs typeface="Open Sans" panose="020B0604020202020204" charset="0"/>
+                <a:sym typeface="Lato"/>
+              </a:rPr>
+              <a:t>Comentarios</a:t>
+            </a:r>
+            <a:r>
+              <a:rPr lang="en-US" sz="1500" dirty="0">
+                <a:solidFill>
+                  <a:srgbClr val="677480"/>
+                </a:solidFill>
+                <a:latin typeface="Montserrat Medium" panose="020B0604020202020204" charset="0"/>
+                <a:ea typeface="Open Sans" panose="020B0604020202020204" charset="0"/>
+                <a:cs typeface="Open Sans" panose="020B0604020202020204" charset="0"/>
+                <a:sym typeface="Lato"/>
+              </a:rPr>
+              <a:t> </a:t>
+            </a:r>
+            <a:r>
+              <a:rPr lang="en-US" sz="1500" dirty="0" err="1">
+                <a:solidFill>
+                  <a:srgbClr val="677480"/>
+                </a:solidFill>
+                <a:latin typeface="Montserrat Medium" panose="020B0604020202020204" charset="0"/>
+                <a:ea typeface="Open Sans" panose="020B0604020202020204" charset="0"/>
+                <a:cs typeface="Open Sans" panose="020B0604020202020204" charset="0"/>
+                <a:sym typeface="Lato"/>
+              </a:rPr>
+              <a:t>sobre</a:t>
+            </a:r>
+            <a:r>
+              <a:rPr lang="en-US" sz="1500" dirty="0">
+                <a:solidFill>
+                  <a:srgbClr val="677480"/>
+                </a:solidFill>
+                <a:latin typeface="Montserrat Medium" panose="020B0604020202020204" charset="0"/>
+                <a:ea typeface="Open Sans" panose="020B0604020202020204" charset="0"/>
+                <a:cs typeface="Open Sans" panose="020B0604020202020204" charset="0"/>
+                <a:sym typeface="Lato"/>
+              </a:rPr>
+              <a:t> </a:t>
+            </a:r>
+            <a:r>
+              <a:rPr lang="en-US" sz="1500" dirty="0" err="1">
+                <a:solidFill>
+                  <a:srgbClr val="677480"/>
+                </a:solidFill>
+                <a:latin typeface="Montserrat Medium" panose="020B0604020202020204" charset="0"/>
+                <a:ea typeface="Open Sans" panose="020B0604020202020204" charset="0"/>
+                <a:cs typeface="Open Sans" panose="020B0604020202020204" charset="0"/>
+                <a:sym typeface="Lato"/>
+              </a:rPr>
+              <a:t>fractales</a:t>
+            </a:r>
+            <a:r>
+              <a:rPr lang="en-US" sz="1500" dirty="0">
+                <a:solidFill>
+                  <a:srgbClr val="677480"/>
+                </a:solidFill>
+                <a:latin typeface="Montserrat Medium" panose="020B0604020202020204" charset="0"/>
+                <a:ea typeface="Open Sans" panose="020B0604020202020204" charset="0"/>
+                <a:cs typeface="Open Sans" panose="020B0604020202020204" charset="0"/>
+                <a:sym typeface="Lato"/>
+              </a:rPr>
+              <a:t> con los </a:t>
+            </a:r>
+            <a:r>
+              <a:rPr lang="en-US" sz="1500" dirty="0" err="1">
+                <a:solidFill>
+                  <a:srgbClr val="677480"/>
+                </a:solidFill>
+                <a:latin typeface="Montserrat Medium" panose="020B0604020202020204" charset="0"/>
+                <a:ea typeface="Open Sans" panose="020B0604020202020204" charset="0"/>
+                <a:cs typeface="Open Sans" panose="020B0604020202020204" charset="0"/>
+                <a:sym typeface="Lato"/>
+              </a:rPr>
+              <a:t>criterios</a:t>
+            </a:r>
+            <a:r>
+              <a:rPr lang="en-US" sz="1500" dirty="0">
+                <a:solidFill>
+                  <a:srgbClr val="677480"/>
+                </a:solidFill>
+                <a:latin typeface="Montserrat Medium" panose="020B0604020202020204" charset="0"/>
+                <a:ea typeface="Open Sans" panose="020B0604020202020204" charset="0"/>
+                <a:cs typeface="Open Sans" panose="020B0604020202020204" charset="0"/>
+                <a:sym typeface="Lato"/>
+              </a:rPr>
+              <a:t> </a:t>
+            </a:r>
+            <a:r>
+              <a:rPr lang="en-US" sz="1500" dirty="0" err="1">
+                <a:solidFill>
+                  <a:srgbClr val="677480"/>
+                </a:solidFill>
+                <a:latin typeface="Montserrat Medium" panose="020B0604020202020204" charset="0"/>
+                <a:ea typeface="Open Sans" panose="020B0604020202020204" charset="0"/>
+                <a:cs typeface="Open Sans" panose="020B0604020202020204" charset="0"/>
+                <a:sym typeface="Lato"/>
+              </a:rPr>
+              <a:t>actuales</a:t>
+            </a:r>
+            <a:endParaRPr lang="en-US" sz="1500" dirty="0">
+              <a:solidFill>
+                <a:srgbClr val="677480"/>
+              </a:solidFill>
+              <a:latin typeface="Montserrat Medium" panose="020B0604020202020204" charset="0"/>
+              <a:ea typeface="Open Sans" panose="020B0604020202020204" charset="0"/>
+              <a:cs typeface="Open Sans" panose="020B0604020202020204" charset="0"/>
+              <a:sym typeface="Lato"/>
+            </a:endParaRPr>
+          </a:p>
+          <a:p>
+            <a:pPr marL="717550" lvl="2" indent="-268288">
+              <a:lnSpc>
+                <a:spcPct val="100000"/>
+              </a:lnSpc>
+              <a:spcBef>
+                <a:spcPts val="0"/>
+              </a:spcBef>
+              <a:buClr>
+                <a:srgbClr val="677480"/>
+              </a:buClr>
+              <a:buSzPts val="1100"/>
+              <a:defRPr/>
+            </a:pPr>
+            <a:r>
+              <a:rPr lang="it-IT" sz="1100" dirty="0">
+                <a:solidFill>
+                  <a:srgbClr val="677480"/>
+                </a:solidFill>
+                <a:latin typeface="Montserrat Medium" panose="020B0604020202020204" charset="0"/>
+                <a:ea typeface="Open Sans" panose="020B0604020202020204" charset="0"/>
+                <a:cs typeface="Open Sans" panose="020B0604020202020204" charset="0"/>
+                <a:sym typeface="Lato"/>
+              </a:rPr>
+              <a:t>F1 y F2: en algunos casos puede entrar despues de que la tendencia se haya confirmado.</a:t>
+            </a:r>
+          </a:p>
+          <a:p>
+            <a:pPr marL="717550" lvl="2" indent="-268288">
+              <a:lnSpc>
+                <a:spcPct val="100000"/>
+              </a:lnSpc>
+              <a:spcBef>
+                <a:spcPts val="0"/>
+              </a:spcBef>
+              <a:buClr>
+                <a:srgbClr val="677480"/>
+              </a:buClr>
+              <a:buSzPts val="1100"/>
+              <a:defRPr/>
+            </a:pPr>
+            <a:r>
+              <a:rPr lang="it-IT" sz="1100" dirty="0">
+                <a:solidFill>
+                  <a:srgbClr val="677480"/>
+                </a:solidFill>
+                <a:latin typeface="Montserrat Medium" panose="020B0604020202020204" charset="0"/>
+                <a:ea typeface="Open Sans" panose="020B0604020202020204" charset="0"/>
+                <a:cs typeface="Open Sans" panose="020B0604020202020204" charset="0"/>
+                <a:sym typeface="Lato"/>
+              </a:rPr>
+              <a:t>F3 a F7: el aporte de la señal a las deciones de compra/venta no es intuitivo.</a:t>
+            </a:r>
+          </a:p>
+          <a:p>
+            <a:pPr marL="717550" lvl="2" indent="-268288">
+              <a:lnSpc>
+                <a:spcPct val="100000"/>
+              </a:lnSpc>
+              <a:spcBef>
+                <a:spcPts val="0"/>
+              </a:spcBef>
+              <a:buClr>
+                <a:srgbClr val="677480"/>
+              </a:buClr>
+              <a:buSzPts val="1100"/>
+              <a:defRPr/>
+            </a:pPr>
+            <a:r>
+              <a:rPr lang="it-IT" sz="1100" dirty="0">
+                <a:solidFill>
+                  <a:srgbClr val="677480"/>
+                </a:solidFill>
+                <a:latin typeface="Montserrat Medium" panose="020B0604020202020204" charset="0"/>
+                <a:ea typeface="Open Sans" panose="020B0604020202020204" charset="0"/>
+                <a:cs typeface="Open Sans" panose="020B0604020202020204" charset="0"/>
+                <a:sym typeface="Lato"/>
+              </a:rPr>
+              <a:t>F8: es similar F1 pero con OPEN como referencia para compra en vez de HIGH. Intuitivamente parece que puede tener menor fortaleza que F1.</a:t>
+            </a:r>
+          </a:p>
+          <a:p>
+            <a:pPr marL="717550" lvl="2" indent="-268288">
+              <a:lnSpc>
+                <a:spcPct val="100000"/>
+              </a:lnSpc>
+              <a:spcBef>
+                <a:spcPts val="0"/>
+              </a:spcBef>
+              <a:buClr>
+                <a:srgbClr val="677480"/>
+              </a:buClr>
+              <a:buSzPts val="1100"/>
+              <a:defRPr/>
+            </a:pPr>
+            <a:r>
+              <a:rPr lang="it-IT" sz="1100" dirty="0">
+                <a:solidFill>
+                  <a:srgbClr val="677480"/>
+                </a:solidFill>
+                <a:latin typeface="Montserrat Medium" panose="020B0604020202020204" charset="0"/>
+                <a:ea typeface="Open Sans" panose="020B0604020202020204" charset="0"/>
+                <a:cs typeface="Open Sans" panose="020B0604020202020204" charset="0"/>
+                <a:sym typeface="Lato"/>
+              </a:rPr>
+              <a:t>F9: es similar F8 pero con HIGH como referencia para venta en vez de LOW. Intuitivamente parece que puede tener menor fortaleza que F8.</a:t>
+            </a:r>
+          </a:p>
+          <a:p>
+            <a:pPr marL="717550" lvl="2" indent="-268288">
+              <a:lnSpc>
+                <a:spcPct val="100000"/>
+              </a:lnSpc>
+              <a:spcBef>
+                <a:spcPts val="0"/>
+              </a:spcBef>
+              <a:buClr>
+                <a:srgbClr val="677480"/>
+              </a:buClr>
+              <a:buSzPts val="1100"/>
+              <a:defRPr/>
+            </a:pPr>
+            <a:r>
+              <a:rPr lang="it-IT" sz="1100" dirty="0">
+                <a:solidFill>
+                  <a:srgbClr val="677480"/>
+                </a:solidFill>
+                <a:latin typeface="Montserrat Medium" panose="020B0604020202020204" charset="0"/>
+                <a:ea typeface="Open Sans" panose="020B0604020202020204" charset="0"/>
+                <a:cs typeface="Open Sans" panose="020B0604020202020204" charset="0"/>
+                <a:sym typeface="Lato"/>
+              </a:rPr>
+              <a:t>Valdria la pena validar criterios mas intuitivos para fractales y los diferentes periodos para cada uno (entre 3 y 6?).</a:t>
+            </a:r>
+          </a:p>
+        </p:txBody>
+      </p:sp>
+    </p:spTree>
+    <p:extLst>
+      <p:ext uri="{BB962C8B-B14F-4D97-AF65-F5344CB8AC3E}">
+        <p14:creationId xmlns:p14="http://schemas.microsoft.com/office/powerpoint/2010/main" val="188877977"/>
+      </p:ext>
+    </p:extLst>
+  </p:cSld>
+  <p:clrMapOvr>
+    <a:masterClrMapping/>
+  </p:clrMapOvr>
+</p:sld>
+</file>
+
+<file path=ppt/slides/slide17.xml><?xml version="1.0" encoding="utf-8"?>
+<p:sld xmlns:a="http://schemas.openxmlformats.org/drawingml/2006/main" xmlns:r="http://schemas.openxmlformats.org/officeDocument/2006/relationships" xmlns:p="http://schemas.openxmlformats.org/presentationml/2006/main">
+  <p:cSld>
+    <p:spTree>
+      <p:nvGrpSpPr>
+        <p:cNvPr id="1" name=""/>
+        <p:cNvGrpSpPr/>
+        <p:nvPr/>
+      </p:nvGrpSpPr>
+      <p:grpSpPr>
+        <a:xfrm>
+          <a:off x="0" y="0"/>
+          <a:ext cx="0" cy="0"/>
+          <a:chOff x="0" y="0"/>
+          <a:chExt cx="0" cy="0"/>
+        </a:xfrm>
+      </p:grpSpPr>
+      <p:sp>
+        <p:nvSpPr>
+          <p:cNvPr id="4" name="Marcador de texto 3">
+            <a:extLst>
+              <a:ext uri="{FF2B5EF4-FFF2-40B4-BE49-F238E27FC236}">
+                <a16:creationId xmlns:a16="http://schemas.microsoft.com/office/drawing/2014/main" id="{55E779F4-73C4-435D-8652-207FBED77C1B}"/>
+              </a:ext>
+            </a:extLst>
+          </p:cNvPr>
+          <p:cNvSpPr>
+            <a:spLocks noGrp="1"/>
+          </p:cNvSpPr>
+          <p:nvPr>
+            <p:ph type="body" idx="4294967295"/>
+          </p:nvPr>
+        </p:nvSpPr>
+        <p:spPr>
+          <a:xfrm>
+            <a:off x="138897" y="119606"/>
             <a:ext cx="8841816" cy="5170024"/>
           </a:xfrm>
         </p:spPr>
@@ -10563,7 +15756,7 @@
 </p:sld>
 </file>
 
-<file path=ppt/slides/slide15.xml><?xml version="1.0" encoding="utf-8"?>
+<file path=ppt/slides/slide18.xml><?xml version="1.0" encoding="utf-8"?>
 <p:sld xmlns:a="http://schemas.openxmlformats.org/drawingml/2006/main" xmlns:r="http://schemas.openxmlformats.org/officeDocument/2006/relationships" xmlns:p="http://schemas.openxmlformats.org/presentationml/2006/main">
   <p:cSld>
     <p:spTree>
@@ -11980,7 +17173,7 @@
 </p:sld>
 </file>
 
-<file path=ppt/slides/slide16.xml><?xml version="1.0" encoding="utf-8"?>
+<file path=ppt/slides/slide19.xml><?xml version="1.0" encoding="utf-8"?>
 <p:sld xmlns:a="http://schemas.openxmlformats.org/drawingml/2006/main" xmlns:r="http://schemas.openxmlformats.org/officeDocument/2006/relationships" xmlns:p="http://schemas.openxmlformats.org/presentationml/2006/main">
   <p:cSld>
     <p:spTree>
@@ -13522,7 +18715,340 @@
 </p:sld>
 </file>
 
-<file path=ppt/slides/slide17.xml><?xml version="1.0" encoding="utf-8"?>
+<file path=ppt/slides/slide2.xml><?xml version="1.0" encoding="utf-8"?>
+<p:sld xmlns:a="http://schemas.openxmlformats.org/drawingml/2006/main" xmlns:r="http://schemas.openxmlformats.org/officeDocument/2006/relationships" xmlns:p="http://schemas.openxmlformats.org/presentationml/2006/main">
+  <p:cSld>
+    <p:spTree>
+      <p:nvGrpSpPr>
+        <p:cNvPr id="1" name="Shape 171"/>
+        <p:cNvGrpSpPr/>
+        <p:nvPr/>
+      </p:nvGrpSpPr>
+      <p:grpSpPr>
+        <a:xfrm>
+          <a:off x="0" y="0"/>
+          <a:ext cx="0" cy="0"/>
+          <a:chOff x="0" y="0"/>
+          <a:chExt cx="0" cy="0"/>
+        </a:xfrm>
+      </p:grpSpPr>
+      <p:sp>
+        <p:nvSpPr>
+          <p:cNvPr id="172" name="Google Shape;172;p33"/>
+          <p:cNvSpPr/>
+          <p:nvPr/>
+        </p:nvSpPr>
+        <p:spPr>
+          <a:xfrm>
+            <a:off x="466550" y="-22578"/>
+            <a:ext cx="1984200" cy="4608600"/>
+          </a:xfrm>
+          <a:prstGeom prst="rect">
+            <a:avLst/>
+          </a:prstGeom>
+          <a:solidFill>
+            <a:srgbClr val="4EB8E1"/>
+          </a:solidFill>
+          <a:ln>
+            <a:noFill/>
+          </a:ln>
+        </p:spPr>
+        <p:txBody>
+          <a:bodyPr spcFirstLastPara="1" wrap="square" lIns="91425" tIns="91425" rIns="91425" bIns="91425" anchor="ctr" anchorCtr="0">
+            <a:noAutofit/>
+          </a:bodyPr>
+          <a:lstStyle/>
+          <a:p>
+            <a:pPr marL="0" lvl="0" indent="0" algn="l" rtl="0">
+              <a:spcBef>
+                <a:spcPts val="0"/>
+              </a:spcBef>
+              <a:spcAft>
+                <a:spcPts val="0"/>
+              </a:spcAft>
+              <a:buNone/>
+            </a:pPr>
+            <a:endParaRPr/>
+          </a:p>
+        </p:txBody>
+      </p:sp>
+      <p:sp>
+        <p:nvSpPr>
+          <p:cNvPr id="173" name="Google Shape;173;p33"/>
+          <p:cNvSpPr txBox="1">
+            <a:spLocks noGrp="1"/>
+          </p:cNvSpPr>
+          <p:nvPr>
+            <p:ph type="title"/>
+          </p:nvPr>
+        </p:nvSpPr>
+        <p:spPr>
+          <a:xfrm>
+            <a:off x="713225" y="539500"/>
+            <a:ext cx="8119200" cy="723600"/>
+          </a:xfrm>
+          <a:prstGeom prst="rect">
+            <a:avLst/>
+          </a:prstGeom>
+        </p:spPr>
+        <p:txBody>
+          <a:bodyPr spcFirstLastPara="1" wrap="square" lIns="91425" tIns="91425" rIns="91425" bIns="91425" anchor="t" anchorCtr="0">
+            <a:noAutofit/>
+          </a:bodyPr>
+          <a:lstStyle/>
+          <a:p>
+            <a:pPr marL="0" lvl="0" indent="0" algn="l" rtl="0">
+              <a:spcBef>
+                <a:spcPts val="0"/>
+              </a:spcBef>
+              <a:spcAft>
+                <a:spcPts val="0"/>
+              </a:spcAft>
+              <a:buNone/>
+            </a:pPr>
+            <a:r>
+              <a:rPr lang="en" dirty="0"/>
+              <a:t>Agenda</a:t>
+            </a:r>
+            <a:endParaRPr dirty="0"/>
+          </a:p>
+        </p:txBody>
+      </p:sp>
+      <p:sp>
+        <p:nvSpPr>
+          <p:cNvPr id="174" name="Google Shape;174;p33"/>
+          <p:cNvSpPr txBox="1">
+            <a:spLocks noGrp="1"/>
+          </p:cNvSpPr>
+          <p:nvPr>
+            <p:ph type="subTitle" idx="1"/>
+          </p:nvPr>
+        </p:nvSpPr>
+        <p:spPr>
+          <a:xfrm>
+            <a:off x="3121475" y="1036899"/>
+            <a:ext cx="2498100" cy="474000"/>
+          </a:xfrm>
+          <a:prstGeom prst="rect">
+            <a:avLst/>
+          </a:prstGeom>
+        </p:spPr>
+        <p:txBody>
+          <a:bodyPr spcFirstLastPara="1" wrap="square" lIns="91425" tIns="91425" rIns="91425" bIns="91425" anchor="ctr" anchorCtr="0">
+            <a:noAutofit/>
+          </a:bodyPr>
+          <a:lstStyle/>
+          <a:p>
+            <a:pPr marL="0" lvl="0" indent="0" algn="l" rtl="0">
+              <a:spcBef>
+                <a:spcPts val="0"/>
+              </a:spcBef>
+              <a:spcAft>
+                <a:spcPts val="1600"/>
+              </a:spcAft>
+              <a:buNone/>
+            </a:pPr>
+            <a:r>
+              <a:rPr lang="es-CO" dirty="0"/>
+              <a:t>Documento</a:t>
+            </a:r>
+          </a:p>
+        </p:txBody>
+      </p:sp>
+      <p:sp>
+        <p:nvSpPr>
+          <p:cNvPr id="175" name="Google Shape;175;p33"/>
+          <p:cNvSpPr txBox="1">
+            <a:spLocks noGrp="1"/>
+          </p:cNvSpPr>
+          <p:nvPr>
+            <p:ph type="subTitle" idx="2"/>
+          </p:nvPr>
+        </p:nvSpPr>
+        <p:spPr>
+          <a:xfrm>
+            <a:off x="3121474" y="1282162"/>
+            <a:ext cx="3487669" cy="474000"/>
+          </a:xfrm>
+          <a:prstGeom prst="rect">
+            <a:avLst/>
+          </a:prstGeom>
+        </p:spPr>
+        <p:txBody>
+          <a:bodyPr spcFirstLastPara="1" wrap="square" lIns="91425" tIns="91425" rIns="91425" bIns="91425" anchor="t" anchorCtr="0">
+            <a:noAutofit/>
+          </a:bodyPr>
+          <a:lstStyle/>
+          <a:p>
+            <a:pPr marL="0" lvl="0" indent="0"/>
+            <a:endParaRPr lang="es-CO" dirty="0"/>
+          </a:p>
+        </p:txBody>
+      </p:sp>
+      <p:sp>
+        <p:nvSpPr>
+          <p:cNvPr id="178" name="Google Shape;178;p33"/>
+          <p:cNvSpPr txBox="1">
+            <a:spLocks noGrp="1"/>
+          </p:cNvSpPr>
+          <p:nvPr>
+            <p:ph type="subTitle" idx="5"/>
+          </p:nvPr>
+        </p:nvSpPr>
+        <p:spPr>
+          <a:xfrm>
+            <a:off x="3121475" y="3313520"/>
+            <a:ext cx="2498100" cy="474000"/>
+          </a:xfrm>
+          <a:prstGeom prst="rect">
+            <a:avLst/>
+          </a:prstGeom>
+        </p:spPr>
+        <p:txBody>
+          <a:bodyPr spcFirstLastPara="1" wrap="square" lIns="91425" tIns="91425" rIns="91425" bIns="91425" anchor="ctr" anchorCtr="0">
+            <a:noAutofit/>
+          </a:bodyPr>
+          <a:lstStyle/>
+          <a:p>
+            <a:pPr marL="0" lvl="0" indent="0" algn="l" rtl="0">
+              <a:spcBef>
+                <a:spcPts val="0"/>
+              </a:spcBef>
+              <a:spcAft>
+                <a:spcPts val="1600"/>
+              </a:spcAft>
+              <a:buNone/>
+            </a:pPr>
+            <a:r>
+              <a:rPr lang="es-CO" dirty="0"/>
+              <a:t>Análisis de archivo “ETF ECH SWELL”</a:t>
+            </a:r>
+          </a:p>
+        </p:txBody>
+      </p:sp>
+      <p:sp>
+        <p:nvSpPr>
+          <p:cNvPr id="179" name="Google Shape;179;p33"/>
+          <p:cNvSpPr txBox="1">
+            <a:spLocks noGrp="1"/>
+          </p:cNvSpPr>
+          <p:nvPr>
+            <p:ph type="subTitle" idx="6"/>
+          </p:nvPr>
+        </p:nvSpPr>
+        <p:spPr>
+          <a:xfrm>
+            <a:off x="3121474" y="3632601"/>
+            <a:ext cx="2511600" cy="474000"/>
+          </a:xfrm>
+          <a:prstGeom prst="rect">
+            <a:avLst/>
+          </a:prstGeom>
+        </p:spPr>
+        <p:txBody>
+          <a:bodyPr spcFirstLastPara="1" wrap="square" lIns="91425" tIns="91425" rIns="91425" bIns="91425" anchor="t" anchorCtr="0">
+            <a:noAutofit/>
+          </a:bodyPr>
+          <a:lstStyle/>
+          <a:p>
+            <a:pPr marL="0" lvl="0" indent="0"/>
+            <a:endParaRPr lang="es-CO" dirty="0"/>
+          </a:p>
+        </p:txBody>
+      </p:sp>
+      <p:sp>
+        <p:nvSpPr>
+          <p:cNvPr id="182" name="Google Shape;182;p33"/>
+          <p:cNvSpPr txBox="1">
+            <a:spLocks noGrp="1"/>
+          </p:cNvSpPr>
+          <p:nvPr>
+            <p:ph type="title" idx="9"/>
+          </p:nvPr>
+        </p:nvSpPr>
+        <p:spPr>
+          <a:xfrm>
+            <a:off x="3121475" y="133737"/>
+            <a:ext cx="1300800" cy="1148400"/>
+          </a:xfrm>
+          <a:prstGeom prst="rect">
+            <a:avLst/>
+          </a:prstGeom>
+        </p:spPr>
+        <p:txBody>
+          <a:bodyPr spcFirstLastPara="1" wrap="square" lIns="91425" tIns="91425" rIns="91425" bIns="91425" anchor="ctr" anchorCtr="0">
+            <a:noAutofit/>
+          </a:bodyPr>
+          <a:lstStyle/>
+          <a:p>
+            <a:pPr marL="0" lvl="0" indent="0" algn="l" rtl="0">
+              <a:spcBef>
+                <a:spcPts val="0"/>
+              </a:spcBef>
+              <a:spcAft>
+                <a:spcPts val="0"/>
+              </a:spcAft>
+              <a:buNone/>
+            </a:pPr>
+            <a:r>
+              <a:rPr lang="en" dirty="0"/>
+              <a:t>01</a:t>
+            </a:r>
+            <a:endParaRPr dirty="0"/>
+          </a:p>
+        </p:txBody>
+      </p:sp>
+      <p:sp>
+        <p:nvSpPr>
+          <p:cNvPr id="183" name="Google Shape;183;p33"/>
+          <p:cNvSpPr txBox="1">
+            <a:spLocks noGrp="1"/>
+          </p:cNvSpPr>
+          <p:nvPr>
+            <p:ph type="title" idx="13"/>
+          </p:nvPr>
+        </p:nvSpPr>
+        <p:spPr>
+          <a:xfrm>
+            <a:off x="3121475" y="2320038"/>
+            <a:ext cx="1300800" cy="1148400"/>
+          </a:xfrm>
+          <a:prstGeom prst="rect">
+            <a:avLst/>
+          </a:prstGeom>
+        </p:spPr>
+        <p:txBody>
+          <a:bodyPr spcFirstLastPara="1" wrap="square" lIns="91425" tIns="91425" rIns="91425" bIns="91425" anchor="ctr" anchorCtr="0">
+            <a:noAutofit/>
+          </a:bodyPr>
+          <a:lstStyle/>
+          <a:p>
+            <a:pPr marL="0" lvl="0" indent="0" algn="l" rtl="0">
+              <a:spcBef>
+                <a:spcPts val="0"/>
+              </a:spcBef>
+              <a:spcAft>
+                <a:spcPts val="0"/>
+              </a:spcAft>
+              <a:buNone/>
+            </a:pPr>
+            <a:r>
+              <a:rPr lang="en" dirty="0"/>
+              <a:t>02</a:t>
+            </a:r>
+            <a:endParaRPr dirty="0"/>
+          </a:p>
+        </p:txBody>
+      </p:sp>
+    </p:spTree>
+  </p:cSld>
+  <p:clrMapOvr>
+    <a:masterClrMapping/>
+  </p:clrMapOvr>
+</p:sld>
+</file>
+
+<file path=ppt/slides/slide20.xml><?xml version="1.0" encoding="utf-8"?>
 <p:sld xmlns:a="http://schemas.openxmlformats.org/drawingml/2006/main" xmlns:r="http://schemas.openxmlformats.org/officeDocument/2006/relationships" xmlns:p="http://schemas.openxmlformats.org/presentationml/2006/main">
   <p:cSld>
     <p:spTree>
@@ -13924,7 +19450,7 @@
 </p:sld>
 </file>
 
-<file path=ppt/slides/slide18.xml><?xml version="1.0" encoding="utf-8"?>
+<file path=ppt/slides/slide21.xml><?xml version="1.0" encoding="utf-8"?>
 <p:sld xmlns:a="http://schemas.openxmlformats.org/drawingml/2006/main" xmlns:r="http://schemas.openxmlformats.org/officeDocument/2006/relationships" xmlns:p="http://schemas.openxmlformats.org/presentationml/2006/main">
   <p:cSld>
     <p:spTree>
@@ -14784,7 +20310,7 @@
 </p:sld>
 </file>
 
-<file path=ppt/slides/slide19.xml><?xml version="1.0" encoding="utf-8"?>
+<file path=ppt/slides/slide22.xml><?xml version="1.0" encoding="utf-8"?>
 <p:sld xmlns:a="http://schemas.openxmlformats.org/drawingml/2006/main" xmlns:r="http://schemas.openxmlformats.org/officeDocument/2006/relationships" xmlns:p="http://schemas.openxmlformats.org/presentationml/2006/main" show="0">
   <p:cSld>
     <p:spTree>
@@ -15418,340 +20944,7 @@
 </p:sld>
 </file>
 
-<file path=ppt/slides/slide2.xml><?xml version="1.0" encoding="utf-8"?>
-<p:sld xmlns:a="http://schemas.openxmlformats.org/drawingml/2006/main" xmlns:r="http://schemas.openxmlformats.org/officeDocument/2006/relationships" xmlns:p="http://schemas.openxmlformats.org/presentationml/2006/main">
-  <p:cSld>
-    <p:spTree>
-      <p:nvGrpSpPr>
-        <p:cNvPr id="1" name="Shape 171"/>
-        <p:cNvGrpSpPr/>
-        <p:nvPr/>
-      </p:nvGrpSpPr>
-      <p:grpSpPr>
-        <a:xfrm>
-          <a:off x="0" y="0"/>
-          <a:ext cx="0" cy="0"/>
-          <a:chOff x="0" y="0"/>
-          <a:chExt cx="0" cy="0"/>
-        </a:xfrm>
-      </p:grpSpPr>
-      <p:sp>
-        <p:nvSpPr>
-          <p:cNvPr id="172" name="Google Shape;172;p33"/>
-          <p:cNvSpPr/>
-          <p:nvPr/>
-        </p:nvSpPr>
-        <p:spPr>
-          <a:xfrm>
-            <a:off x="466550" y="-22578"/>
-            <a:ext cx="1984200" cy="4608600"/>
-          </a:xfrm>
-          <a:prstGeom prst="rect">
-            <a:avLst/>
-          </a:prstGeom>
-          <a:solidFill>
-            <a:srgbClr val="4EB8E1"/>
-          </a:solidFill>
-          <a:ln>
-            <a:noFill/>
-          </a:ln>
-        </p:spPr>
-        <p:txBody>
-          <a:bodyPr spcFirstLastPara="1" wrap="square" lIns="91425" tIns="91425" rIns="91425" bIns="91425" anchor="ctr" anchorCtr="0">
-            <a:noAutofit/>
-          </a:bodyPr>
-          <a:lstStyle/>
-          <a:p>
-            <a:pPr marL="0" lvl="0" indent="0" algn="l" rtl="0">
-              <a:spcBef>
-                <a:spcPts val="0"/>
-              </a:spcBef>
-              <a:spcAft>
-                <a:spcPts val="0"/>
-              </a:spcAft>
-              <a:buNone/>
-            </a:pPr>
-            <a:endParaRPr/>
-          </a:p>
-        </p:txBody>
-      </p:sp>
-      <p:sp>
-        <p:nvSpPr>
-          <p:cNvPr id="173" name="Google Shape;173;p33"/>
-          <p:cNvSpPr txBox="1">
-            <a:spLocks noGrp="1"/>
-          </p:cNvSpPr>
-          <p:nvPr>
-            <p:ph type="title"/>
-          </p:nvPr>
-        </p:nvSpPr>
-        <p:spPr>
-          <a:xfrm>
-            <a:off x="713225" y="539500"/>
-            <a:ext cx="8119200" cy="723600"/>
-          </a:xfrm>
-          <a:prstGeom prst="rect">
-            <a:avLst/>
-          </a:prstGeom>
-        </p:spPr>
-        <p:txBody>
-          <a:bodyPr spcFirstLastPara="1" wrap="square" lIns="91425" tIns="91425" rIns="91425" bIns="91425" anchor="t" anchorCtr="0">
-            <a:noAutofit/>
-          </a:bodyPr>
-          <a:lstStyle/>
-          <a:p>
-            <a:pPr marL="0" lvl="0" indent="0" algn="l" rtl="0">
-              <a:spcBef>
-                <a:spcPts val="0"/>
-              </a:spcBef>
-              <a:spcAft>
-                <a:spcPts val="0"/>
-              </a:spcAft>
-              <a:buNone/>
-            </a:pPr>
-            <a:r>
-              <a:rPr lang="en" dirty="0"/>
-              <a:t>Agenda</a:t>
-            </a:r>
-            <a:endParaRPr dirty="0"/>
-          </a:p>
-        </p:txBody>
-      </p:sp>
-      <p:sp>
-        <p:nvSpPr>
-          <p:cNvPr id="174" name="Google Shape;174;p33"/>
-          <p:cNvSpPr txBox="1">
-            <a:spLocks noGrp="1"/>
-          </p:cNvSpPr>
-          <p:nvPr>
-            <p:ph type="subTitle" idx="1"/>
-          </p:nvPr>
-        </p:nvSpPr>
-        <p:spPr>
-          <a:xfrm>
-            <a:off x="3121475" y="1036899"/>
-            <a:ext cx="2498100" cy="474000"/>
-          </a:xfrm>
-          <a:prstGeom prst="rect">
-            <a:avLst/>
-          </a:prstGeom>
-        </p:spPr>
-        <p:txBody>
-          <a:bodyPr spcFirstLastPara="1" wrap="square" lIns="91425" tIns="91425" rIns="91425" bIns="91425" anchor="ctr" anchorCtr="0">
-            <a:noAutofit/>
-          </a:bodyPr>
-          <a:lstStyle/>
-          <a:p>
-            <a:pPr marL="0" lvl="0" indent="0" algn="l" rtl="0">
-              <a:spcBef>
-                <a:spcPts val="0"/>
-              </a:spcBef>
-              <a:spcAft>
-                <a:spcPts val="1600"/>
-              </a:spcAft>
-              <a:buNone/>
-            </a:pPr>
-            <a:r>
-              <a:rPr lang="es-CO" dirty="0"/>
-              <a:t>Documento</a:t>
-            </a:r>
-          </a:p>
-        </p:txBody>
-      </p:sp>
-      <p:sp>
-        <p:nvSpPr>
-          <p:cNvPr id="175" name="Google Shape;175;p33"/>
-          <p:cNvSpPr txBox="1">
-            <a:spLocks noGrp="1"/>
-          </p:cNvSpPr>
-          <p:nvPr>
-            <p:ph type="subTitle" idx="2"/>
-          </p:nvPr>
-        </p:nvSpPr>
-        <p:spPr>
-          <a:xfrm>
-            <a:off x="3121474" y="1282162"/>
-            <a:ext cx="3487669" cy="474000"/>
-          </a:xfrm>
-          <a:prstGeom prst="rect">
-            <a:avLst/>
-          </a:prstGeom>
-        </p:spPr>
-        <p:txBody>
-          <a:bodyPr spcFirstLastPara="1" wrap="square" lIns="91425" tIns="91425" rIns="91425" bIns="91425" anchor="t" anchorCtr="0">
-            <a:noAutofit/>
-          </a:bodyPr>
-          <a:lstStyle/>
-          <a:p>
-            <a:pPr marL="0" lvl="0" indent="0"/>
-            <a:endParaRPr lang="es-CO" dirty="0"/>
-          </a:p>
-        </p:txBody>
-      </p:sp>
-      <p:sp>
-        <p:nvSpPr>
-          <p:cNvPr id="178" name="Google Shape;178;p33"/>
-          <p:cNvSpPr txBox="1">
-            <a:spLocks noGrp="1"/>
-          </p:cNvSpPr>
-          <p:nvPr>
-            <p:ph type="subTitle" idx="5"/>
-          </p:nvPr>
-        </p:nvSpPr>
-        <p:spPr>
-          <a:xfrm>
-            <a:off x="3121475" y="3313520"/>
-            <a:ext cx="2498100" cy="474000"/>
-          </a:xfrm>
-          <a:prstGeom prst="rect">
-            <a:avLst/>
-          </a:prstGeom>
-        </p:spPr>
-        <p:txBody>
-          <a:bodyPr spcFirstLastPara="1" wrap="square" lIns="91425" tIns="91425" rIns="91425" bIns="91425" anchor="ctr" anchorCtr="0">
-            <a:noAutofit/>
-          </a:bodyPr>
-          <a:lstStyle/>
-          <a:p>
-            <a:pPr marL="0" lvl="0" indent="0" algn="l" rtl="0">
-              <a:spcBef>
-                <a:spcPts val="0"/>
-              </a:spcBef>
-              <a:spcAft>
-                <a:spcPts val="1600"/>
-              </a:spcAft>
-              <a:buNone/>
-            </a:pPr>
-            <a:r>
-              <a:rPr lang="es-CO" dirty="0"/>
-              <a:t>Análisis de archivo “ETF ECH SWELL”</a:t>
-            </a:r>
-          </a:p>
-        </p:txBody>
-      </p:sp>
-      <p:sp>
-        <p:nvSpPr>
-          <p:cNvPr id="179" name="Google Shape;179;p33"/>
-          <p:cNvSpPr txBox="1">
-            <a:spLocks noGrp="1"/>
-          </p:cNvSpPr>
-          <p:nvPr>
-            <p:ph type="subTitle" idx="6"/>
-          </p:nvPr>
-        </p:nvSpPr>
-        <p:spPr>
-          <a:xfrm>
-            <a:off x="3121474" y="3632601"/>
-            <a:ext cx="2511600" cy="474000"/>
-          </a:xfrm>
-          <a:prstGeom prst="rect">
-            <a:avLst/>
-          </a:prstGeom>
-        </p:spPr>
-        <p:txBody>
-          <a:bodyPr spcFirstLastPara="1" wrap="square" lIns="91425" tIns="91425" rIns="91425" bIns="91425" anchor="t" anchorCtr="0">
-            <a:noAutofit/>
-          </a:bodyPr>
-          <a:lstStyle/>
-          <a:p>
-            <a:pPr marL="0" lvl="0" indent="0"/>
-            <a:endParaRPr lang="es-CO" dirty="0"/>
-          </a:p>
-        </p:txBody>
-      </p:sp>
-      <p:sp>
-        <p:nvSpPr>
-          <p:cNvPr id="182" name="Google Shape;182;p33"/>
-          <p:cNvSpPr txBox="1">
-            <a:spLocks noGrp="1"/>
-          </p:cNvSpPr>
-          <p:nvPr>
-            <p:ph type="title" idx="9"/>
-          </p:nvPr>
-        </p:nvSpPr>
-        <p:spPr>
-          <a:xfrm>
-            <a:off x="3121475" y="133737"/>
-            <a:ext cx="1300800" cy="1148400"/>
-          </a:xfrm>
-          <a:prstGeom prst="rect">
-            <a:avLst/>
-          </a:prstGeom>
-        </p:spPr>
-        <p:txBody>
-          <a:bodyPr spcFirstLastPara="1" wrap="square" lIns="91425" tIns="91425" rIns="91425" bIns="91425" anchor="ctr" anchorCtr="0">
-            <a:noAutofit/>
-          </a:bodyPr>
-          <a:lstStyle/>
-          <a:p>
-            <a:pPr marL="0" lvl="0" indent="0" algn="l" rtl="0">
-              <a:spcBef>
-                <a:spcPts val="0"/>
-              </a:spcBef>
-              <a:spcAft>
-                <a:spcPts val="0"/>
-              </a:spcAft>
-              <a:buNone/>
-            </a:pPr>
-            <a:r>
-              <a:rPr lang="en" dirty="0"/>
-              <a:t>01</a:t>
-            </a:r>
-            <a:endParaRPr dirty="0"/>
-          </a:p>
-        </p:txBody>
-      </p:sp>
-      <p:sp>
-        <p:nvSpPr>
-          <p:cNvPr id="183" name="Google Shape;183;p33"/>
-          <p:cNvSpPr txBox="1">
-            <a:spLocks noGrp="1"/>
-          </p:cNvSpPr>
-          <p:nvPr>
-            <p:ph type="title" idx="13"/>
-          </p:nvPr>
-        </p:nvSpPr>
-        <p:spPr>
-          <a:xfrm>
-            <a:off x="3121475" y="2320038"/>
-            <a:ext cx="1300800" cy="1148400"/>
-          </a:xfrm>
-          <a:prstGeom prst="rect">
-            <a:avLst/>
-          </a:prstGeom>
-        </p:spPr>
-        <p:txBody>
-          <a:bodyPr spcFirstLastPara="1" wrap="square" lIns="91425" tIns="91425" rIns="91425" bIns="91425" anchor="ctr" anchorCtr="0">
-            <a:noAutofit/>
-          </a:bodyPr>
-          <a:lstStyle/>
-          <a:p>
-            <a:pPr marL="0" lvl="0" indent="0" algn="l" rtl="0">
-              <a:spcBef>
-                <a:spcPts val="0"/>
-              </a:spcBef>
-              <a:spcAft>
-                <a:spcPts val="0"/>
-              </a:spcAft>
-              <a:buNone/>
-            </a:pPr>
-            <a:r>
-              <a:rPr lang="en" dirty="0"/>
-              <a:t>02</a:t>
-            </a:r>
-            <a:endParaRPr dirty="0"/>
-          </a:p>
-        </p:txBody>
-      </p:sp>
-    </p:spTree>
-  </p:cSld>
-  <p:clrMapOvr>
-    <a:masterClrMapping/>
-  </p:clrMapOvr>
-</p:sld>
-</file>
-
-<file path=ppt/slides/slide20.xml><?xml version="1.0" encoding="utf-8"?>
+<file path=ppt/slides/slide23.xml><?xml version="1.0" encoding="utf-8"?>
 <p:sld xmlns:a="http://schemas.openxmlformats.org/drawingml/2006/main" xmlns:r="http://schemas.openxmlformats.org/officeDocument/2006/relationships" xmlns:p="http://schemas.openxmlformats.org/presentationml/2006/main" show="0">
   <p:cSld>
     <p:spTree>
@@ -16159,7 +21352,7 @@
 </p:sld>
 </file>
 
-<file path=ppt/slides/slide21.xml><?xml version="1.0" encoding="utf-8"?>
+<file path=ppt/slides/slide24.xml><?xml version="1.0" encoding="utf-8"?>
 <p:sld xmlns:a="http://schemas.openxmlformats.org/drawingml/2006/main" xmlns:r="http://schemas.openxmlformats.org/officeDocument/2006/relationships" xmlns:p="http://schemas.openxmlformats.org/presentationml/2006/main" show="0">
   <p:cSld>
     <p:spTree>
@@ -17044,7 +22237,7 @@
 </p:sld>
 </file>
 
-<file path=ppt/slides/slide22.xml><?xml version="1.0" encoding="utf-8"?>
+<file path=ppt/slides/slide25.xml><?xml version="1.0" encoding="utf-8"?>
 <p:sld xmlns:a="http://schemas.openxmlformats.org/drawingml/2006/main" xmlns:r="http://schemas.openxmlformats.org/officeDocument/2006/relationships" xmlns:p="http://schemas.openxmlformats.org/presentationml/2006/main" show="0">
   <p:cSld>
     <p:spTree>
@@ -17273,7 +22466,7 @@
 </p:sld>
 </file>
 
-<file path=ppt/slides/slide23.xml><?xml version="1.0" encoding="utf-8"?>
+<file path=ppt/slides/slide26.xml><?xml version="1.0" encoding="utf-8"?>
 <p:sld xmlns:a="http://schemas.openxmlformats.org/drawingml/2006/main" xmlns:r="http://schemas.openxmlformats.org/officeDocument/2006/relationships" xmlns:p="http://schemas.openxmlformats.org/presentationml/2006/main" show="0">
   <p:cSld>
     <p:spTree>

--- a/Presentaciones/Swell - Optimización de estrategias - R2 (19-02-2021).pptx
+++ b/Presentaciones/Swell - Optimización de estrategias - R2 (19-02-2021).pptx
@@ -434,7 +434,7 @@
           <a:p>
             <a:fld id="{58996DD2-7C55-401B-B490-511405823B84}" type="datetimeFigureOut">
               <a:rPr lang="en-US" smtClean="0"/>
-              <a:t>02/28/2021</a:t>
+              <a:t>03/04/2021</a:t>
             </a:fld>
             <a:endParaRPr lang="en-US"/>
           </a:p>
@@ -10204,20 +10204,149 @@
             </a:r>
           </a:p>
           <a:p>
-            <a:pPr lvl="2">
-              <a:lnSpc>
-                <a:spcPct val="100000"/>
-              </a:lnSpc>
-              <a:spcBef>
-                <a:spcPts val="0"/>
-              </a:spcBef>
-              <a:buClr>
-                <a:srgbClr val="677480"/>
-              </a:buClr>
-              <a:buSzPts val="1100"/>
-              <a:defRPr/>
-            </a:pPr>
-            <a:endParaRPr lang="it-IT" sz="1100" b="1" dirty="0">
+            <a:pPr>
+              <a:lnSpc>
+                <a:spcPct val="150000"/>
+              </a:lnSpc>
+              <a:buClr>
+                <a:srgbClr val="677480"/>
+              </a:buClr>
+              <a:buSzPts val="1100"/>
+              <a:defRPr/>
+            </a:pPr>
+            <a:r>
+              <a:rPr lang="en-US" sz="1500" dirty="0" err="1">
+                <a:solidFill>
+                  <a:srgbClr val="677480"/>
+                </a:solidFill>
+                <a:latin typeface="Montserrat Medium" panose="020B0604020202020204" charset="0"/>
+                <a:ea typeface="Open Sans" panose="020B0604020202020204" charset="0"/>
+                <a:cs typeface="Open Sans" panose="020B0604020202020204" charset="0"/>
+                <a:sym typeface="Lato"/>
+              </a:rPr>
+              <a:t>Resumen</a:t>
+            </a:r>
+            <a:r>
+              <a:rPr lang="en-US" sz="1500" dirty="0">
+                <a:solidFill>
+                  <a:srgbClr val="677480"/>
+                </a:solidFill>
+                <a:latin typeface="Montserrat Medium" panose="020B0604020202020204" charset="0"/>
+                <a:ea typeface="Open Sans" panose="020B0604020202020204" charset="0"/>
+                <a:cs typeface="Open Sans" panose="020B0604020202020204" charset="0"/>
+                <a:sym typeface="Lato"/>
+              </a:rPr>
+              <a:t> de fractal </a:t>
+            </a:r>
+            <a:r>
+              <a:rPr lang="en-US" sz="1500" dirty="0" err="1">
+                <a:solidFill>
+                  <a:srgbClr val="677480"/>
+                </a:solidFill>
+                <a:latin typeface="Montserrat Medium" panose="020B0604020202020204" charset="0"/>
+                <a:ea typeface="Open Sans" panose="020B0604020202020204" charset="0"/>
+                <a:cs typeface="Open Sans" panose="020B0604020202020204" charset="0"/>
+                <a:sym typeface="Lato"/>
+              </a:rPr>
+              <a:t>intradiario</a:t>
+            </a:r>
+            <a:r>
+              <a:rPr lang="en-US" sz="1500" dirty="0">
+                <a:solidFill>
+                  <a:srgbClr val="677480"/>
+                </a:solidFill>
+                <a:latin typeface="Montserrat Medium" panose="020B0604020202020204" charset="0"/>
+                <a:ea typeface="Open Sans" panose="020B0604020202020204" charset="0"/>
+                <a:cs typeface="Open Sans" panose="020B0604020202020204" charset="0"/>
+                <a:sym typeface="Lato"/>
+              </a:rPr>
+              <a:t> (FI), </a:t>
+            </a:r>
+            <a:r>
+              <a:rPr lang="en-US" sz="1500" dirty="0" err="1">
+                <a:solidFill>
+                  <a:srgbClr val="677480"/>
+                </a:solidFill>
+                <a:latin typeface="Montserrat Medium" panose="020B0604020202020204" charset="0"/>
+                <a:ea typeface="Open Sans" panose="020B0604020202020204" charset="0"/>
+                <a:cs typeface="Open Sans" panose="020B0604020202020204" charset="0"/>
+                <a:sym typeface="Lato"/>
+              </a:rPr>
+              <a:t>diario</a:t>
+            </a:r>
+            <a:r>
+              <a:rPr lang="en-US" sz="1500" dirty="0">
+                <a:solidFill>
+                  <a:srgbClr val="677480"/>
+                </a:solidFill>
+                <a:latin typeface="Montserrat Medium" panose="020B0604020202020204" charset="0"/>
+                <a:ea typeface="Open Sans" panose="020B0604020202020204" charset="0"/>
+                <a:cs typeface="Open Sans" panose="020B0604020202020204" charset="0"/>
+                <a:sym typeface="Lato"/>
+              </a:rPr>
+              <a:t> (FD) e </a:t>
+            </a:r>
+            <a:r>
+              <a:rPr lang="en-US" sz="1500" dirty="0" err="1">
+                <a:solidFill>
+                  <a:srgbClr val="677480"/>
+                </a:solidFill>
+                <a:latin typeface="Montserrat Medium" panose="020B0604020202020204" charset="0"/>
+                <a:ea typeface="Open Sans" panose="020B0604020202020204" charset="0"/>
+                <a:cs typeface="Open Sans" panose="020B0604020202020204" charset="0"/>
+                <a:sym typeface="Lato"/>
+              </a:rPr>
+              <a:t>intradiario</a:t>
+            </a:r>
+            <a:r>
+              <a:rPr lang="en-US" sz="1500" dirty="0">
+                <a:solidFill>
+                  <a:srgbClr val="677480"/>
+                </a:solidFill>
+                <a:latin typeface="Montserrat Medium" panose="020B0604020202020204" charset="0"/>
+                <a:ea typeface="Open Sans" panose="020B0604020202020204" charset="0"/>
+                <a:cs typeface="Open Sans" panose="020B0604020202020204" charset="0"/>
+                <a:sym typeface="Lato"/>
+              </a:rPr>
+              <a:t> de </a:t>
+            </a:r>
+            <a:r>
+              <a:rPr lang="en-US" sz="1500" dirty="0" err="1">
+                <a:solidFill>
+                  <a:srgbClr val="677480"/>
+                </a:solidFill>
+                <a:latin typeface="Montserrat Medium" panose="020B0604020202020204" charset="0"/>
+                <a:ea typeface="Open Sans" panose="020B0604020202020204" charset="0"/>
+                <a:cs typeface="Open Sans" panose="020B0604020202020204" charset="0"/>
+                <a:sym typeface="Lato"/>
+              </a:rPr>
+              <a:t>referencia</a:t>
+            </a:r>
+            <a:r>
+              <a:rPr lang="en-US" sz="1500" dirty="0">
+                <a:solidFill>
+                  <a:srgbClr val="677480"/>
+                </a:solidFill>
+                <a:latin typeface="Montserrat Medium" panose="020B0604020202020204" charset="0"/>
+                <a:ea typeface="Open Sans" panose="020B0604020202020204" charset="0"/>
+                <a:cs typeface="Open Sans" panose="020B0604020202020204" charset="0"/>
+                <a:sym typeface="Lato"/>
+              </a:rPr>
+              <a:t> (FIR)</a:t>
+            </a:r>
+          </a:p>
+          <a:p>
+            <a:pPr>
+              <a:lnSpc>
+                <a:spcPct val="100000"/>
+              </a:lnSpc>
+              <a:buClr>
+                <a:srgbClr val="677480"/>
+              </a:buClr>
+              <a:buSzPts val="1100"/>
+              <a:defRPr/>
+            </a:pPr>
+            <a:endParaRPr lang="en-US" sz="1500" dirty="0">
               <a:solidFill>
                 <a:srgbClr val="677480"/>
               </a:solidFill>
@@ -10238,138 +10367,6 @@
               <a:buSzPts val="1100"/>
               <a:defRPr/>
             </a:pPr>
-            <a:r>
-              <a:rPr lang="en-US" sz="1500" dirty="0" err="1">
-                <a:solidFill>
-                  <a:srgbClr val="677480"/>
-                </a:solidFill>
-                <a:latin typeface="Montserrat Medium" panose="020B0604020202020204" charset="0"/>
-                <a:ea typeface="Open Sans" panose="020B0604020202020204" charset="0"/>
-                <a:cs typeface="Open Sans" panose="020B0604020202020204" charset="0"/>
-                <a:sym typeface="Lato"/>
-              </a:rPr>
-              <a:t>Resumen</a:t>
-            </a:r>
-            <a:r>
-              <a:rPr lang="en-US" sz="1500" dirty="0">
-                <a:solidFill>
-                  <a:srgbClr val="677480"/>
-                </a:solidFill>
-                <a:latin typeface="Montserrat Medium" panose="020B0604020202020204" charset="0"/>
-                <a:ea typeface="Open Sans" panose="020B0604020202020204" charset="0"/>
-                <a:cs typeface="Open Sans" panose="020B0604020202020204" charset="0"/>
-                <a:sym typeface="Lato"/>
-              </a:rPr>
-              <a:t> de fractal </a:t>
-            </a:r>
-            <a:r>
-              <a:rPr lang="en-US" sz="1500" dirty="0" err="1">
-                <a:solidFill>
-                  <a:srgbClr val="677480"/>
-                </a:solidFill>
-                <a:latin typeface="Montserrat Medium" panose="020B0604020202020204" charset="0"/>
-                <a:ea typeface="Open Sans" panose="020B0604020202020204" charset="0"/>
-                <a:cs typeface="Open Sans" panose="020B0604020202020204" charset="0"/>
-                <a:sym typeface="Lato"/>
-              </a:rPr>
-              <a:t>intradiario</a:t>
-            </a:r>
-            <a:r>
-              <a:rPr lang="en-US" sz="1500" dirty="0">
-                <a:solidFill>
-                  <a:srgbClr val="677480"/>
-                </a:solidFill>
-                <a:latin typeface="Montserrat Medium" panose="020B0604020202020204" charset="0"/>
-                <a:ea typeface="Open Sans" panose="020B0604020202020204" charset="0"/>
-                <a:cs typeface="Open Sans" panose="020B0604020202020204" charset="0"/>
-                <a:sym typeface="Lato"/>
-              </a:rPr>
-              <a:t> (FI), </a:t>
-            </a:r>
-            <a:r>
-              <a:rPr lang="en-US" sz="1500" dirty="0" err="1">
-                <a:solidFill>
-                  <a:srgbClr val="677480"/>
-                </a:solidFill>
-                <a:latin typeface="Montserrat Medium" panose="020B0604020202020204" charset="0"/>
-                <a:ea typeface="Open Sans" panose="020B0604020202020204" charset="0"/>
-                <a:cs typeface="Open Sans" panose="020B0604020202020204" charset="0"/>
-                <a:sym typeface="Lato"/>
-              </a:rPr>
-              <a:t>diario</a:t>
-            </a:r>
-            <a:r>
-              <a:rPr lang="en-US" sz="1500" dirty="0">
-                <a:solidFill>
-                  <a:srgbClr val="677480"/>
-                </a:solidFill>
-                <a:latin typeface="Montserrat Medium" panose="020B0604020202020204" charset="0"/>
-                <a:ea typeface="Open Sans" panose="020B0604020202020204" charset="0"/>
-                <a:cs typeface="Open Sans" panose="020B0604020202020204" charset="0"/>
-                <a:sym typeface="Lato"/>
-              </a:rPr>
-              <a:t> (FD) e </a:t>
-            </a:r>
-            <a:r>
-              <a:rPr lang="en-US" sz="1500" dirty="0" err="1">
-                <a:solidFill>
-                  <a:srgbClr val="677480"/>
-                </a:solidFill>
-                <a:latin typeface="Montserrat Medium" panose="020B0604020202020204" charset="0"/>
-                <a:ea typeface="Open Sans" panose="020B0604020202020204" charset="0"/>
-                <a:cs typeface="Open Sans" panose="020B0604020202020204" charset="0"/>
-                <a:sym typeface="Lato"/>
-              </a:rPr>
-              <a:t>intradiario</a:t>
-            </a:r>
-            <a:r>
-              <a:rPr lang="en-US" sz="1500" dirty="0">
-                <a:solidFill>
-                  <a:srgbClr val="677480"/>
-                </a:solidFill>
-                <a:latin typeface="Montserrat Medium" panose="020B0604020202020204" charset="0"/>
-                <a:ea typeface="Open Sans" panose="020B0604020202020204" charset="0"/>
-                <a:cs typeface="Open Sans" panose="020B0604020202020204" charset="0"/>
-                <a:sym typeface="Lato"/>
-              </a:rPr>
-              <a:t> de </a:t>
-            </a:r>
-            <a:r>
-              <a:rPr lang="en-US" sz="1500" dirty="0" err="1">
-                <a:solidFill>
-                  <a:srgbClr val="677480"/>
-                </a:solidFill>
-                <a:latin typeface="Montserrat Medium" panose="020B0604020202020204" charset="0"/>
-                <a:ea typeface="Open Sans" panose="020B0604020202020204" charset="0"/>
-                <a:cs typeface="Open Sans" panose="020B0604020202020204" charset="0"/>
-                <a:sym typeface="Lato"/>
-              </a:rPr>
-              <a:t>referencia</a:t>
-            </a:r>
-            <a:r>
-              <a:rPr lang="en-US" sz="1500" dirty="0">
-                <a:solidFill>
-                  <a:srgbClr val="677480"/>
-                </a:solidFill>
-                <a:latin typeface="Montserrat Medium" panose="020B0604020202020204" charset="0"/>
-                <a:ea typeface="Open Sans" panose="020B0604020202020204" charset="0"/>
-                <a:cs typeface="Open Sans" panose="020B0604020202020204" charset="0"/>
-                <a:sym typeface="Lato"/>
-              </a:rPr>
-              <a:t> (FIR)</a:t>
-            </a:r>
-          </a:p>
-          <a:p>
-            <a:pPr>
-              <a:lnSpc>
-                <a:spcPct val="100000"/>
-              </a:lnSpc>
-              <a:buClr>
-                <a:srgbClr val="677480"/>
-              </a:buClr>
-              <a:buSzPts val="1100"/>
-              <a:defRPr/>
-            </a:pPr>
             <a:endParaRPr lang="en-US" sz="1500" dirty="0">
               <a:solidFill>
                 <a:srgbClr val="677480"/>
@@ -10591,58 +10588,15 @@
             </a:endParaRPr>
           </a:p>
           <a:p>
-            <a:pPr>
-              <a:lnSpc>
-                <a:spcPct val="100000"/>
-              </a:lnSpc>
-              <a:buClr>
-                <a:srgbClr val="677480"/>
-              </a:buClr>
-              <a:buSzPts val="1100"/>
-              <a:defRPr/>
-            </a:pPr>
-            <a:endParaRPr lang="en-US" sz="1500" dirty="0">
-              <a:solidFill>
-                <a:srgbClr val="677480"/>
-              </a:solidFill>
-              <a:latin typeface="Montserrat Medium" panose="020B0604020202020204" charset="0"/>
-              <a:ea typeface="Open Sans" panose="020B0604020202020204" charset="0"/>
-              <a:cs typeface="Open Sans" panose="020B0604020202020204" charset="0"/>
-              <a:sym typeface="Lato"/>
-            </a:endParaRPr>
-          </a:p>
-          <a:p>
-            <a:pPr>
-              <a:lnSpc>
-                <a:spcPct val="100000"/>
-              </a:lnSpc>
-              <a:buClr>
-                <a:srgbClr val="677480"/>
-              </a:buClr>
-              <a:buSzPts val="1100"/>
-              <a:defRPr/>
-            </a:pPr>
-            <a:endParaRPr lang="en-US" sz="1500" dirty="0">
-              <a:solidFill>
-                <a:srgbClr val="677480"/>
-              </a:solidFill>
-              <a:latin typeface="Montserrat Medium" panose="020B0604020202020204" charset="0"/>
-              <a:ea typeface="Open Sans" panose="020B0604020202020204" charset="0"/>
-              <a:cs typeface="Open Sans" panose="020B0604020202020204" charset="0"/>
-              <a:sym typeface="Lato"/>
-            </a:endParaRPr>
-          </a:p>
-          <a:p>
-            <a:pPr marL="171450" indent="-171450">
-              <a:lnSpc>
-                <a:spcPct val="100000"/>
-              </a:lnSpc>
-              <a:buClr>
-                <a:srgbClr val="677480"/>
-              </a:buClr>
-              <a:buSzPts val="1100"/>
-              <a:buFont typeface="Arial" panose="020B0604020202020204" pitchFamily="34" charset="0"/>
-              <a:buChar char="•"/>
+            <a:pPr marL="0" indent="0">
+              <a:lnSpc>
+                <a:spcPct val="100000"/>
+              </a:lnSpc>
+              <a:buClr>
+                <a:srgbClr val="677480"/>
+              </a:buClr>
+              <a:buSzPts val="1100"/>
+              <a:buNone/>
               <a:defRPr/>
             </a:pPr>
             <a:r>
@@ -10655,7 +10609,7 @@
                 <a:cs typeface="Open Sans" panose="020B0604020202020204" charset="0"/>
                 <a:sym typeface="Lato"/>
               </a:rPr>
-              <a:t>Si no hay FI o FD (FI o FD no es </a:t>
+              <a:t>* Si no hay FI o FD (FI o FD no es </a:t>
             </a:r>
             <a:r>
               <a:rPr lang="en-US" sz="1100" dirty="0" err="1">
@@ -10755,32 +10709,419 @@
             </a:r>
           </a:p>
           <a:p>
-            <a:pPr marL="171450" indent="-171450">
-              <a:lnSpc>
-                <a:spcPct val="100000"/>
-              </a:lnSpc>
-              <a:buClr>
-                <a:srgbClr val="677480"/>
-              </a:buClr>
-              <a:buSzPts val="1100"/>
-              <a:buFont typeface="Arial" panose="020B0604020202020204" pitchFamily="34" charset="0"/>
-              <a:buChar char="•"/>
-              <a:defRPr/>
-            </a:pPr>
-            <a:endParaRPr lang="en-US" sz="1100" dirty="0">
-              <a:solidFill>
-                <a:srgbClr val="677480"/>
-              </a:solidFill>
-              <a:latin typeface="Montserrat Medium" panose="020B0604020202020204" charset="0"/>
-              <a:ea typeface="Open Sans" panose="020B0604020202020204" charset="0"/>
-              <a:cs typeface="Open Sans" panose="020B0604020202020204" charset="0"/>
-              <a:sym typeface="Lato"/>
-            </a:endParaRPr>
+            <a:pPr marL="0" indent="0">
+              <a:lnSpc>
+                <a:spcPct val="100000"/>
+              </a:lnSpc>
+              <a:buClr>
+                <a:srgbClr val="677480"/>
+              </a:buClr>
+              <a:buSzPts val="1100"/>
+              <a:buNone/>
+              <a:defRPr/>
+            </a:pPr>
+            <a:r>
+              <a:rPr lang="en-US" sz="1100" dirty="0">
+                <a:solidFill>
+                  <a:srgbClr val="677480"/>
+                </a:solidFill>
+                <a:latin typeface="Montserrat Medium" panose="020B0604020202020204" charset="0"/>
+                <a:ea typeface="Open Sans" panose="020B0604020202020204" charset="0"/>
+                <a:cs typeface="Open Sans" panose="020B0604020202020204" charset="0"/>
+                <a:sym typeface="Lato"/>
+              </a:rPr>
+              <a:t>* FIRX </a:t>
+            </a:r>
+            <a:r>
+              <a:rPr lang="en-US" sz="1100" dirty="0" err="1">
+                <a:solidFill>
+                  <a:srgbClr val="677480"/>
+                </a:solidFill>
+                <a:latin typeface="Montserrat Medium" panose="020B0604020202020204" charset="0"/>
+                <a:ea typeface="Open Sans" panose="020B0604020202020204" charset="0"/>
+                <a:cs typeface="Open Sans" panose="020B0604020202020204" charset="0"/>
+                <a:sym typeface="Lato"/>
+              </a:rPr>
+              <a:t>corresponde</a:t>
+            </a:r>
+            <a:r>
+              <a:rPr lang="en-US" sz="1100" dirty="0">
+                <a:solidFill>
+                  <a:srgbClr val="677480"/>
+                </a:solidFill>
+                <a:latin typeface="Montserrat Medium" panose="020B0604020202020204" charset="0"/>
+                <a:ea typeface="Open Sans" panose="020B0604020202020204" charset="0"/>
+                <a:cs typeface="Open Sans" panose="020B0604020202020204" charset="0"/>
+                <a:sym typeface="Lato"/>
+              </a:rPr>
+              <a:t> a un fractal </a:t>
+            </a:r>
+            <a:r>
+              <a:rPr lang="en-US" sz="1100" dirty="0" err="1">
+                <a:solidFill>
+                  <a:srgbClr val="677480"/>
+                </a:solidFill>
+                <a:latin typeface="Montserrat Medium" panose="020B0604020202020204" charset="0"/>
+                <a:ea typeface="Open Sans" panose="020B0604020202020204" charset="0"/>
+                <a:cs typeface="Open Sans" panose="020B0604020202020204" charset="0"/>
+                <a:sym typeface="Lato"/>
+              </a:rPr>
+              <a:t>calculado</a:t>
+            </a:r>
+            <a:r>
+              <a:rPr lang="en-US" sz="1100" dirty="0">
+                <a:solidFill>
+                  <a:srgbClr val="677480"/>
+                </a:solidFill>
+                <a:latin typeface="Montserrat Medium" panose="020B0604020202020204" charset="0"/>
+                <a:ea typeface="Open Sans" panose="020B0604020202020204" charset="0"/>
+                <a:cs typeface="Open Sans" panose="020B0604020202020204" charset="0"/>
+                <a:sym typeface="Lato"/>
+              </a:rPr>
+              <a:t> con </a:t>
+            </a:r>
+            <a:r>
+              <a:rPr lang="en-US" sz="1100" dirty="0" err="1">
+                <a:solidFill>
+                  <a:srgbClr val="677480"/>
+                </a:solidFill>
+                <a:latin typeface="Montserrat Medium" panose="020B0604020202020204" charset="0"/>
+                <a:ea typeface="Open Sans" panose="020B0604020202020204" charset="0"/>
+                <a:cs typeface="Open Sans" panose="020B0604020202020204" charset="0"/>
+                <a:sym typeface="Lato"/>
+              </a:rPr>
+              <a:t>frecuencia</a:t>
+            </a:r>
+            <a:r>
+              <a:rPr lang="en-US" sz="1100" dirty="0">
+                <a:solidFill>
+                  <a:srgbClr val="677480"/>
+                </a:solidFill>
+                <a:latin typeface="Montserrat Medium" panose="020B0604020202020204" charset="0"/>
+                <a:ea typeface="Open Sans" panose="020B0604020202020204" charset="0"/>
+                <a:cs typeface="Open Sans" panose="020B0604020202020204" charset="0"/>
+                <a:sym typeface="Lato"/>
+              </a:rPr>
+              <a:t> </a:t>
+            </a:r>
+            <a:r>
+              <a:rPr lang="en-US" sz="1100" dirty="0" err="1">
+                <a:solidFill>
+                  <a:srgbClr val="677480"/>
+                </a:solidFill>
+                <a:latin typeface="Montserrat Medium" panose="020B0604020202020204" charset="0"/>
+                <a:ea typeface="Open Sans" panose="020B0604020202020204" charset="0"/>
+                <a:cs typeface="Open Sans" panose="020B0604020202020204" charset="0"/>
+                <a:sym typeface="Lato"/>
+              </a:rPr>
+              <a:t>intradiaria</a:t>
+            </a:r>
+            <a:r>
+              <a:rPr lang="en-US" sz="1100" dirty="0">
+                <a:solidFill>
+                  <a:srgbClr val="677480"/>
+                </a:solidFill>
+                <a:latin typeface="Montserrat Medium" panose="020B0604020202020204" charset="0"/>
+                <a:ea typeface="Open Sans" panose="020B0604020202020204" charset="0"/>
+                <a:cs typeface="Open Sans" panose="020B0604020202020204" charset="0"/>
+                <a:sym typeface="Lato"/>
+              </a:rPr>
+              <a:t> </a:t>
+            </a:r>
+            <a:r>
+              <a:rPr lang="en-US" sz="1100" dirty="0" err="1">
+                <a:solidFill>
+                  <a:srgbClr val="677480"/>
+                </a:solidFill>
+                <a:latin typeface="Montserrat Medium" panose="020B0604020202020204" charset="0"/>
+                <a:ea typeface="Open Sans" panose="020B0604020202020204" charset="0"/>
+                <a:cs typeface="Open Sans" panose="020B0604020202020204" charset="0"/>
+                <a:sym typeface="Lato"/>
+              </a:rPr>
+              <a:t>pero</a:t>
+            </a:r>
+            <a:r>
+              <a:rPr lang="en-US" sz="1100" dirty="0">
+                <a:solidFill>
+                  <a:srgbClr val="677480"/>
+                </a:solidFill>
+                <a:latin typeface="Montserrat Medium" panose="020B0604020202020204" charset="0"/>
+                <a:ea typeface="Open Sans" panose="020B0604020202020204" charset="0"/>
+                <a:cs typeface="Open Sans" panose="020B0604020202020204" charset="0"/>
+                <a:sym typeface="Lato"/>
+              </a:rPr>
+              <a:t> con base </a:t>
+            </a:r>
+            <a:r>
+              <a:rPr lang="en-US" sz="1100" dirty="0" err="1">
+                <a:solidFill>
+                  <a:srgbClr val="677480"/>
+                </a:solidFill>
+                <a:latin typeface="Montserrat Medium" panose="020B0604020202020204" charset="0"/>
+                <a:ea typeface="Open Sans" panose="020B0604020202020204" charset="0"/>
+                <a:cs typeface="Open Sans" panose="020B0604020202020204" charset="0"/>
+                <a:sym typeface="Lato"/>
+              </a:rPr>
+              <a:t>en</a:t>
+            </a:r>
+            <a:r>
+              <a:rPr lang="en-US" sz="1100" dirty="0">
+                <a:solidFill>
+                  <a:srgbClr val="677480"/>
+                </a:solidFill>
+                <a:latin typeface="Montserrat Medium" panose="020B0604020202020204" charset="0"/>
+                <a:ea typeface="Open Sans" panose="020B0604020202020204" charset="0"/>
+                <a:cs typeface="Open Sans" panose="020B0604020202020204" charset="0"/>
+                <a:sym typeface="Lato"/>
+              </a:rPr>
+              <a:t> una </a:t>
+            </a:r>
+            <a:r>
+              <a:rPr lang="en-US" sz="1100" dirty="0" err="1">
+                <a:solidFill>
+                  <a:srgbClr val="677480"/>
+                </a:solidFill>
+                <a:latin typeface="Montserrat Medium" panose="020B0604020202020204" charset="0"/>
+                <a:ea typeface="Open Sans" panose="020B0604020202020204" charset="0"/>
+                <a:cs typeface="Open Sans" panose="020B0604020202020204" charset="0"/>
+                <a:sym typeface="Lato"/>
+              </a:rPr>
+              <a:t>ventana</a:t>
+            </a:r>
+            <a:r>
+              <a:rPr lang="en-US" sz="1100" dirty="0">
+                <a:solidFill>
+                  <a:srgbClr val="677480"/>
+                </a:solidFill>
+                <a:latin typeface="Montserrat Medium" panose="020B0604020202020204" charset="0"/>
+                <a:ea typeface="Open Sans" panose="020B0604020202020204" charset="0"/>
+                <a:cs typeface="Open Sans" panose="020B0604020202020204" charset="0"/>
+                <a:sym typeface="Lato"/>
+              </a:rPr>
+              <a:t> </a:t>
+            </a:r>
+            <a:r>
+              <a:rPr lang="en-US" sz="1100" dirty="0" err="1">
+                <a:solidFill>
+                  <a:srgbClr val="677480"/>
+                </a:solidFill>
+                <a:latin typeface="Montserrat Medium" panose="020B0604020202020204" charset="0"/>
+                <a:ea typeface="Open Sans" panose="020B0604020202020204" charset="0"/>
+                <a:cs typeface="Open Sans" panose="020B0604020202020204" charset="0"/>
+                <a:sym typeface="Lato"/>
+              </a:rPr>
+              <a:t>móvil</a:t>
+            </a:r>
+            <a:r>
+              <a:rPr lang="en-US" sz="1100" dirty="0">
+                <a:solidFill>
+                  <a:srgbClr val="677480"/>
+                </a:solidFill>
+                <a:latin typeface="Montserrat Medium" panose="020B0604020202020204" charset="0"/>
+                <a:ea typeface="Open Sans" panose="020B0604020202020204" charset="0"/>
+                <a:cs typeface="Open Sans" panose="020B0604020202020204" charset="0"/>
+                <a:sym typeface="Lato"/>
+              </a:rPr>
+              <a:t> </a:t>
+            </a:r>
+            <a:r>
+              <a:rPr lang="en-US" sz="1100" dirty="0" err="1">
+                <a:solidFill>
+                  <a:srgbClr val="677480"/>
+                </a:solidFill>
+                <a:latin typeface="Montserrat Medium" panose="020B0604020202020204" charset="0"/>
+                <a:ea typeface="Open Sans" panose="020B0604020202020204" charset="0"/>
+                <a:cs typeface="Open Sans" panose="020B0604020202020204" charset="0"/>
+                <a:sym typeface="Lato"/>
+              </a:rPr>
+              <a:t>diaria</a:t>
+            </a:r>
+            <a:r>
+              <a:rPr lang="en-US" sz="1100" dirty="0">
+                <a:solidFill>
+                  <a:srgbClr val="677480"/>
+                </a:solidFill>
+                <a:latin typeface="Montserrat Medium" panose="020B0604020202020204" charset="0"/>
+                <a:ea typeface="Open Sans" panose="020B0604020202020204" charset="0"/>
+                <a:cs typeface="Open Sans" panose="020B0604020202020204" charset="0"/>
+                <a:sym typeface="Lato"/>
+              </a:rPr>
+              <a:t>.</a:t>
+            </a:r>
+          </a:p>
+          <a:p>
+            <a:pPr marL="0" indent="0">
+              <a:lnSpc>
+                <a:spcPct val="100000"/>
+              </a:lnSpc>
+              <a:buClr>
+                <a:srgbClr val="677480"/>
+              </a:buClr>
+              <a:buSzPts val="1100"/>
+              <a:buNone/>
+              <a:defRPr/>
+            </a:pPr>
+            <a:r>
+              <a:rPr lang="en-US" sz="1100" dirty="0">
+                <a:solidFill>
+                  <a:srgbClr val="677480"/>
+                </a:solidFill>
+                <a:latin typeface="Montserrat Medium" panose="020B0604020202020204" charset="0"/>
+                <a:ea typeface="Open Sans" panose="020B0604020202020204" charset="0"/>
+                <a:cs typeface="Open Sans" panose="020B0604020202020204" charset="0"/>
+                <a:sym typeface="Lato"/>
+              </a:rPr>
+              <a:t>* Si no hay FIR, (FIR no es </a:t>
+            </a:r>
+            <a:r>
+              <a:rPr lang="en-US" sz="1100" dirty="0" err="1">
+                <a:solidFill>
+                  <a:srgbClr val="677480"/>
+                </a:solidFill>
+                <a:latin typeface="Montserrat Medium" panose="020B0604020202020204" charset="0"/>
+                <a:ea typeface="Open Sans" panose="020B0604020202020204" charset="0"/>
+                <a:cs typeface="Open Sans" panose="020B0604020202020204" charset="0"/>
+                <a:sym typeface="Lato"/>
+              </a:rPr>
+              <a:t>ni</a:t>
+            </a:r>
+            <a:r>
+              <a:rPr lang="en-US" sz="1100" dirty="0">
+                <a:solidFill>
+                  <a:srgbClr val="677480"/>
+                </a:solidFill>
+                <a:latin typeface="Montserrat Medium" panose="020B0604020202020204" charset="0"/>
+                <a:ea typeface="Open Sans" panose="020B0604020202020204" charset="0"/>
+                <a:cs typeface="Open Sans" panose="020B0604020202020204" charset="0"/>
+                <a:sym typeface="Lato"/>
+              </a:rPr>
+              <a:t> BUY </a:t>
+            </a:r>
+            <a:r>
+              <a:rPr lang="en-US" sz="1100" dirty="0" err="1">
+                <a:solidFill>
+                  <a:srgbClr val="677480"/>
+                </a:solidFill>
+                <a:latin typeface="Montserrat Medium" panose="020B0604020202020204" charset="0"/>
+                <a:ea typeface="Open Sans" panose="020B0604020202020204" charset="0"/>
+                <a:cs typeface="Open Sans" panose="020B0604020202020204" charset="0"/>
+                <a:sym typeface="Lato"/>
+              </a:rPr>
+              <a:t>ni</a:t>
+            </a:r>
+            <a:r>
+              <a:rPr lang="en-US" sz="1100" dirty="0">
+                <a:solidFill>
+                  <a:srgbClr val="677480"/>
+                </a:solidFill>
+                <a:latin typeface="Montserrat Medium" panose="020B0604020202020204" charset="0"/>
+                <a:ea typeface="Open Sans" panose="020B0604020202020204" charset="0"/>
+                <a:cs typeface="Open Sans" panose="020B0604020202020204" charset="0"/>
+                <a:sym typeface="Lato"/>
+              </a:rPr>
+              <a:t> SELL), </a:t>
+            </a:r>
+            <a:r>
+              <a:rPr lang="en-US" sz="1100" dirty="0" err="1">
+                <a:solidFill>
+                  <a:srgbClr val="677480"/>
+                </a:solidFill>
+                <a:latin typeface="Montserrat Medium" panose="020B0604020202020204" charset="0"/>
+                <a:ea typeface="Open Sans" panose="020B0604020202020204" charset="0"/>
+                <a:cs typeface="Open Sans" panose="020B0604020202020204" charset="0"/>
+                <a:sym typeface="Lato"/>
+              </a:rPr>
+              <a:t>entonces</a:t>
+            </a:r>
+            <a:r>
+              <a:rPr lang="en-US" sz="1100" dirty="0">
+                <a:solidFill>
+                  <a:srgbClr val="677480"/>
+                </a:solidFill>
+                <a:latin typeface="Montserrat Medium" panose="020B0604020202020204" charset="0"/>
+                <a:ea typeface="Open Sans" panose="020B0604020202020204" charset="0"/>
+                <a:cs typeface="Open Sans" panose="020B0604020202020204" charset="0"/>
+                <a:sym typeface="Lato"/>
+              </a:rPr>
+              <a:t>  se </a:t>
+            </a:r>
+            <a:r>
+              <a:rPr lang="en-US" sz="1100" dirty="0" err="1">
+                <a:solidFill>
+                  <a:srgbClr val="677480"/>
+                </a:solidFill>
+                <a:latin typeface="Montserrat Medium" panose="020B0604020202020204" charset="0"/>
+                <a:ea typeface="Open Sans" panose="020B0604020202020204" charset="0"/>
+                <a:cs typeface="Open Sans" panose="020B0604020202020204" charset="0"/>
+                <a:sym typeface="Lato"/>
+              </a:rPr>
+              <a:t>asigna</a:t>
+            </a:r>
+            <a:r>
+              <a:rPr lang="en-US" sz="1100" dirty="0">
+                <a:solidFill>
+                  <a:srgbClr val="677480"/>
+                </a:solidFill>
+                <a:latin typeface="Montserrat Medium" panose="020B0604020202020204" charset="0"/>
+                <a:ea typeface="Open Sans" panose="020B0604020202020204" charset="0"/>
+                <a:cs typeface="Open Sans" panose="020B0604020202020204" charset="0"/>
+                <a:sym typeface="Lato"/>
+              </a:rPr>
+              <a:t> el valor de FD, lo que </a:t>
+            </a:r>
+            <a:r>
+              <a:rPr lang="en-US" sz="1100" dirty="0" err="1">
+                <a:solidFill>
+                  <a:srgbClr val="677480"/>
+                </a:solidFill>
+                <a:latin typeface="Montserrat Medium" panose="020B0604020202020204" charset="0"/>
+                <a:ea typeface="Open Sans" panose="020B0604020202020204" charset="0"/>
+                <a:cs typeface="Open Sans" panose="020B0604020202020204" charset="0"/>
+                <a:sym typeface="Lato"/>
+              </a:rPr>
+              <a:t>constituye</a:t>
+            </a:r>
+            <a:r>
+              <a:rPr lang="en-US" sz="1100" dirty="0">
+                <a:solidFill>
+                  <a:srgbClr val="677480"/>
+                </a:solidFill>
+                <a:latin typeface="Montserrat Medium" panose="020B0604020202020204" charset="0"/>
+                <a:ea typeface="Open Sans" panose="020B0604020202020204" charset="0"/>
+                <a:cs typeface="Open Sans" panose="020B0604020202020204" charset="0"/>
+                <a:sym typeface="Lato"/>
+              </a:rPr>
+              <a:t> el Fractal </a:t>
+            </a:r>
+            <a:r>
+              <a:rPr lang="en-US" sz="1100" dirty="0" err="1">
+                <a:solidFill>
+                  <a:srgbClr val="677480"/>
+                </a:solidFill>
+                <a:latin typeface="Montserrat Medium" panose="020B0604020202020204" charset="0"/>
+                <a:ea typeface="Open Sans" panose="020B0604020202020204" charset="0"/>
+                <a:cs typeface="Open Sans" panose="020B0604020202020204" charset="0"/>
+                <a:sym typeface="Lato"/>
+              </a:rPr>
+              <a:t>Intradiario</a:t>
+            </a:r>
+            <a:r>
+              <a:rPr lang="en-US" sz="1100" dirty="0">
+                <a:solidFill>
+                  <a:srgbClr val="677480"/>
+                </a:solidFill>
+                <a:latin typeface="Montserrat Medium" panose="020B0604020202020204" charset="0"/>
+                <a:ea typeface="Open Sans" panose="020B0604020202020204" charset="0"/>
+                <a:cs typeface="Open Sans" panose="020B0604020202020204" charset="0"/>
+                <a:sym typeface="Lato"/>
+              </a:rPr>
+              <a:t> Final.</a:t>
+            </a:r>
           </a:p>
           <a:p>
             <a:pPr marL="0">
               <a:lnSpc>
-                <a:spcPct val="100000"/>
+                <a:spcPct val="150000"/>
               </a:lnSpc>
               <a:buClr>
                 <a:srgbClr val="677480"/>
@@ -11057,13 +11398,13 @@
           <p:nvPr>
             <p:extLst>
               <p:ext uri="{D42A27DB-BD31-4B8C-83A1-F6EECF244321}">
-                <p14:modId xmlns:p14="http://schemas.microsoft.com/office/powerpoint/2010/main" val="3000396736"/>
+                <p14:modId xmlns:p14="http://schemas.microsoft.com/office/powerpoint/2010/main" val="4149025912"/>
               </p:ext>
             </p:extLst>
           </p:nvPr>
         </p:nvGraphicFramePr>
         <p:xfrm>
-          <a:off x="57793" y="1112138"/>
+          <a:off x="57793" y="836234"/>
           <a:ext cx="9036000" cy="2651760"/>
         </p:xfrm>
         <a:graphic>
@@ -11417,7 +11758,7 @@
                         <a:rPr lang="es-CO" sz="900" noProof="0" dirty="0">
                           <a:latin typeface="Montserrat Medium" panose="020B0604020202020204" charset="0"/>
                         </a:rPr>
-                        <a:t>FIR</a:t>
+                        <a:t>FIRX</a:t>
                       </a:r>
                     </a:p>
                   </a:txBody>

--- a/Presentaciones/Swell - Optimización de estrategias - R2 (19-02-2021).pptx
+++ b/Presentaciones/Swell - Optimización de estrategias - R2 (19-02-2021).pptx
@@ -434,7 +434,7 @@
           <a:p>
             <a:fld id="{58996DD2-7C55-401B-B490-511405823B84}" type="datetimeFigureOut">
               <a:rPr lang="en-US" smtClean="0"/>
-              <a:t>03/04/2021</a:t>
+              <a:t>03/07/2021</a:t>
             </a:fld>
             <a:endParaRPr lang="en-US"/>
           </a:p>
@@ -10204,149 +10204,18 @@
             </a:r>
           </a:p>
           <a:p>
-            <a:pPr>
-              <a:lnSpc>
-                <a:spcPct val="150000"/>
-              </a:lnSpc>
-              <a:buClr>
-                <a:srgbClr val="677480"/>
-              </a:buClr>
-              <a:buSzPts val="1100"/>
-              <a:defRPr/>
-            </a:pPr>
-            <a:r>
-              <a:rPr lang="en-US" sz="1500" dirty="0" err="1">
-                <a:solidFill>
-                  <a:srgbClr val="677480"/>
-                </a:solidFill>
-                <a:latin typeface="Montserrat Medium" panose="020B0604020202020204" charset="0"/>
-                <a:ea typeface="Open Sans" panose="020B0604020202020204" charset="0"/>
-                <a:cs typeface="Open Sans" panose="020B0604020202020204" charset="0"/>
-                <a:sym typeface="Lato"/>
-              </a:rPr>
-              <a:t>Resumen</a:t>
-            </a:r>
-            <a:r>
-              <a:rPr lang="en-US" sz="1500" dirty="0">
-                <a:solidFill>
-                  <a:srgbClr val="677480"/>
-                </a:solidFill>
-                <a:latin typeface="Montserrat Medium" panose="020B0604020202020204" charset="0"/>
-                <a:ea typeface="Open Sans" panose="020B0604020202020204" charset="0"/>
-                <a:cs typeface="Open Sans" panose="020B0604020202020204" charset="0"/>
-                <a:sym typeface="Lato"/>
-              </a:rPr>
-              <a:t> de fractal </a:t>
-            </a:r>
-            <a:r>
-              <a:rPr lang="en-US" sz="1500" dirty="0" err="1">
-                <a:solidFill>
-                  <a:srgbClr val="677480"/>
-                </a:solidFill>
-                <a:latin typeface="Montserrat Medium" panose="020B0604020202020204" charset="0"/>
-                <a:ea typeface="Open Sans" panose="020B0604020202020204" charset="0"/>
-                <a:cs typeface="Open Sans" panose="020B0604020202020204" charset="0"/>
-                <a:sym typeface="Lato"/>
-              </a:rPr>
-              <a:t>intradiario</a:t>
-            </a:r>
-            <a:r>
-              <a:rPr lang="en-US" sz="1500" dirty="0">
-                <a:solidFill>
-                  <a:srgbClr val="677480"/>
-                </a:solidFill>
-                <a:latin typeface="Montserrat Medium" panose="020B0604020202020204" charset="0"/>
-                <a:ea typeface="Open Sans" panose="020B0604020202020204" charset="0"/>
-                <a:cs typeface="Open Sans" panose="020B0604020202020204" charset="0"/>
-                <a:sym typeface="Lato"/>
-              </a:rPr>
-              <a:t> (FI), </a:t>
-            </a:r>
-            <a:r>
-              <a:rPr lang="en-US" sz="1500" dirty="0" err="1">
-                <a:solidFill>
-                  <a:srgbClr val="677480"/>
-                </a:solidFill>
-                <a:latin typeface="Montserrat Medium" panose="020B0604020202020204" charset="0"/>
-                <a:ea typeface="Open Sans" panose="020B0604020202020204" charset="0"/>
-                <a:cs typeface="Open Sans" panose="020B0604020202020204" charset="0"/>
-                <a:sym typeface="Lato"/>
-              </a:rPr>
-              <a:t>diario</a:t>
-            </a:r>
-            <a:r>
-              <a:rPr lang="en-US" sz="1500" dirty="0">
-                <a:solidFill>
-                  <a:srgbClr val="677480"/>
-                </a:solidFill>
-                <a:latin typeface="Montserrat Medium" panose="020B0604020202020204" charset="0"/>
-                <a:ea typeface="Open Sans" panose="020B0604020202020204" charset="0"/>
-                <a:cs typeface="Open Sans" panose="020B0604020202020204" charset="0"/>
-                <a:sym typeface="Lato"/>
-              </a:rPr>
-              <a:t> (FD) e </a:t>
-            </a:r>
-            <a:r>
-              <a:rPr lang="en-US" sz="1500" dirty="0" err="1">
-                <a:solidFill>
-                  <a:srgbClr val="677480"/>
-                </a:solidFill>
-                <a:latin typeface="Montserrat Medium" panose="020B0604020202020204" charset="0"/>
-                <a:ea typeface="Open Sans" panose="020B0604020202020204" charset="0"/>
-                <a:cs typeface="Open Sans" panose="020B0604020202020204" charset="0"/>
-                <a:sym typeface="Lato"/>
-              </a:rPr>
-              <a:t>intradiario</a:t>
-            </a:r>
-            <a:r>
-              <a:rPr lang="en-US" sz="1500" dirty="0">
-                <a:solidFill>
-                  <a:srgbClr val="677480"/>
-                </a:solidFill>
-                <a:latin typeface="Montserrat Medium" panose="020B0604020202020204" charset="0"/>
-                <a:ea typeface="Open Sans" panose="020B0604020202020204" charset="0"/>
-                <a:cs typeface="Open Sans" panose="020B0604020202020204" charset="0"/>
-                <a:sym typeface="Lato"/>
-              </a:rPr>
-              <a:t> de </a:t>
-            </a:r>
-            <a:r>
-              <a:rPr lang="en-US" sz="1500" dirty="0" err="1">
-                <a:solidFill>
-                  <a:srgbClr val="677480"/>
-                </a:solidFill>
-                <a:latin typeface="Montserrat Medium" panose="020B0604020202020204" charset="0"/>
-                <a:ea typeface="Open Sans" panose="020B0604020202020204" charset="0"/>
-                <a:cs typeface="Open Sans" panose="020B0604020202020204" charset="0"/>
-                <a:sym typeface="Lato"/>
-              </a:rPr>
-              <a:t>referencia</a:t>
-            </a:r>
-            <a:r>
-              <a:rPr lang="en-US" sz="1500" dirty="0">
-                <a:solidFill>
-                  <a:srgbClr val="677480"/>
-                </a:solidFill>
-                <a:latin typeface="Montserrat Medium" panose="020B0604020202020204" charset="0"/>
-                <a:ea typeface="Open Sans" panose="020B0604020202020204" charset="0"/>
-                <a:cs typeface="Open Sans" panose="020B0604020202020204" charset="0"/>
-                <a:sym typeface="Lato"/>
-              </a:rPr>
-              <a:t> (FIR)</a:t>
-            </a:r>
-          </a:p>
-          <a:p>
-            <a:pPr>
-              <a:lnSpc>
-                <a:spcPct val="100000"/>
-              </a:lnSpc>
-              <a:buClr>
-                <a:srgbClr val="677480"/>
-              </a:buClr>
-              <a:buSzPts val="1100"/>
-              <a:defRPr/>
-            </a:pPr>
-            <a:endParaRPr lang="en-US" sz="1500" dirty="0">
+            <a:pPr marL="114300" indent="0">
+              <a:lnSpc>
+                <a:spcPct val="100000"/>
+              </a:lnSpc>
+              <a:buClr>
+                <a:srgbClr val="677480"/>
+              </a:buClr>
+              <a:buSzPts val="1100"/>
+              <a:buNone/>
+              <a:defRPr/>
+            </a:pPr>
+            <a:endParaRPr lang="es-MX" sz="1600" dirty="0">
               <a:solidFill>
                 <a:srgbClr val="677480"/>
               </a:solidFill>
@@ -10359,7 +10228,139 @@
           <a:p>
             <a:pPr>
               <a:lnSpc>
-                <a:spcPct val="100000"/>
+                <a:spcPct val="150000"/>
+              </a:lnSpc>
+              <a:buClr>
+                <a:srgbClr val="677480"/>
+              </a:buClr>
+              <a:buSzPts val="1100"/>
+              <a:defRPr/>
+            </a:pPr>
+            <a:r>
+              <a:rPr lang="en-US" sz="1500" dirty="0" err="1">
+                <a:solidFill>
+                  <a:srgbClr val="677480"/>
+                </a:solidFill>
+                <a:latin typeface="Montserrat Medium" panose="020B0604020202020204" charset="0"/>
+                <a:ea typeface="Open Sans" panose="020B0604020202020204" charset="0"/>
+                <a:cs typeface="Open Sans" panose="020B0604020202020204" charset="0"/>
+                <a:sym typeface="Lato"/>
+              </a:rPr>
+              <a:t>Resumen</a:t>
+            </a:r>
+            <a:r>
+              <a:rPr lang="en-US" sz="1500" dirty="0">
+                <a:solidFill>
+                  <a:srgbClr val="677480"/>
+                </a:solidFill>
+                <a:latin typeface="Montserrat Medium" panose="020B0604020202020204" charset="0"/>
+                <a:ea typeface="Open Sans" panose="020B0604020202020204" charset="0"/>
+                <a:cs typeface="Open Sans" panose="020B0604020202020204" charset="0"/>
+                <a:sym typeface="Lato"/>
+              </a:rPr>
+              <a:t> de fractal </a:t>
+            </a:r>
+            <a:r>
+              <a:rPr lang="en-US" sz="1500" dirty="0" err="1">
+                <a:solidFill>
+                  <a:srgbClr val="677480"/>
+                </a:solidFill>
+                <a:latin typeface="Montserrat Medium" panose="020B0604020202020204" charset="0"/>
+                <a:ea typeface="Open Sans" panose="020B0604020202020204" charset="0"/>
+                <a:cs typeface="Open Sans" panose="020B0604020202020204" charset="0"/>
+                <a:sym typeface="Lato"/>
+              </a:rPr>
+              <a:t>intradiario</a:t>
+            </a:r>
+            <a:r>
+              <a:rPr lang="en-US" sz="1500" dirty="0">
+                <a:solidFill>
+                  <a:srgbClr val="677480"/>
+                </a:solidFill>
+                <a:latin typeface="Montserrat Medium" panose="020B0604020202020204" charset="0"/>
+                <a:ea typeface="Open Sans" panose="020B0604020202020204" charset="0"/>
+                <a:cs typeface="Open Sans" panose="020B0604020202020204" charset="0"/>
+                <a:sym typeface="Lato"/>
+              </a:rPr>
+              <a:t> (FI), </a:t>
+            </a:r>
+            <a:r>
+              <a:rPr lang="en-US" sz="1500" dirty="0" err="1">
+                <a:solidFill>
+                  <a:srgbClr val="677480"/>
+                </a:solidFill>
+                <a:latin typeface="Montserrat Medium" panose="020B0604020202020204" charset="0"/>
+                <a:ea typeface="Open Sans" panose="020B0604020202020204" charset="0"/>
+                <a:cs typeface="Open Sans" panose="020B0604020202020204" charset="0"/>
+                <a:sym typeface="Lato"/>
+              </a:rPr>
+              <a:t>diario</a:t>
+            </a:r>
+            <a:r>
+              <a:rPr lang="en-US" sz="1500" dirty="0">
+                <a:solidFill>
+                  <a:srgbClr val="677480"/>
+                </a:solidFill>
+                <a:latin typeface="Montserrat Medium" panose="020B0604020202020204" charset="0"/>
+                <a:ea typeface="Open Sans" panose="020B0604020202020204" charset="0"/>
+                <a:cs typeface="Open Sans" panose="020B0604020202020204" charset="0"/>
+                <a:sym typeface="Lato"/>
+              </a:rPr>
+              <a:t> (FD) e </a:t>
+            </a:r>
+            <a:r>
+              <a:rPr lang="en-US" sz="1500" dirty="0" err="1">
+                <a:solidFill>
+                  <a:srgbClr val="677480"/>
+                </a:solidFill>
+                <a:latin typeface="Montserrat Medium" panose="020B0604020202020204" charset="0"/>
+                <a:ea typeface="Open Sans" panose="020B0604020202020204" charset="0"/>
+                <a:cs typeface="Open Sans" panose="020B0604020202020204" charset="0"/>
+                <a:sym typeface="Lato"/>
+              </a:rPr>
+              <a:t>intradiario</a:t>
+            </a:r>
+            <a:r>
+              <a:rPr lang="en-US" sz="1500" dirty="0">
+                <a:solidFill>
+                  <a:srgbClr val="677480"/>
+                </a:solidFill>
+                <a:latin typeface="Montserrat Medium" panose="020B0604020202020204" charset="0"/>
+                <a:ea typeface="Open Sans" panose="020B0604020202020204" charset="0"/>
+                <a:cs typeface="Open Sans" panose="020B0604020202020204" charset="0"/>
+                <a:sym typeface="Lato"/>
+              </a:rPr>
+              <a:t> de </a:t>
+            </a:r>
+            <a:r>
+              <a:rPr lang="en-US" sz="1500" dirty="0" err="1">
+                <a:solidFill>
+                  <a:srgbClr val="677480"/>
+                </a:solidFill>
+                <a:latin typeface="Montserrat Medium" panose="020B0604020202020204" charset="0"/>
+                <a:ea typeface="Open Sans" panose="020B0604020202020204" charset="0"/>
+                <a:cs typeface="Open Sans" panose="020B0604020202020204" charset="0"/>
+                <a:sym typeface="Lato"/>
+              </a:rPr>
+              <a:t>referencia</a:t>
+            </a:r>
+            <a:r>
+              <a:rPr lang="en-US" sz="1500" dirty="0">
+                <a:solidFill>
+                  <a:srgbClr val="677480"/>
+                </a:solidFill>
+                <a:latin typeface="Montserrat Medium" panose="020B0604020202020204" charset="0"/>
+                <a:ea typeface="Open Sans" panose="020B0604020202020204" charset="0"/>
+                <a:cs typeface="Open Sans" panose="020B0604020202020204" charset="0"/>
+                <a:sym typeface="Lato"/>
+              </a:rPr>
+              <a:t> (FIR)</a:t>
+            </a:r>
+          </a:p>
+          <a:p>
+            <a:pPr>
+              <a:lnSpc>
+                <a:spcPct val="150000"/>
               </a:lnSpc>
               <a:buClr>
                 <a:srgbClr val="677480"/>
@@ -10588,635 +10589,17 @@
             </a:endParaRPr>
           </a:p>
           <a:p>
-            <a:pPr marL="0" indent="0">
-              <a:lnSpc>
-                <a:spcPct val="100000"/>
-              </a:lnSpc>
-              <a:buClr>
-                <a:srgbClr val="677480"/>
-              </a:buClr>
-              <a:buSzPts val="1100"/>
-              <a:buNone/>
-              <a:defRPr/>
-            </a:pPr>
-            <a:r>
-              <a:rPr lang="en-US" sz="1100" dirty="0">
-                <a:solidFill>
-                  <a:srgbClr val="677480"/>
-                </a:solidFill>
-                <a:latin typeface="Montserrat Medium" panose="020B0604020202020204" charset="0"/>
-                <a:ea typeface="Open Sans" panose="020B0604020202020204" charset="0"/>
-                <a:cs typeface="Open Sans" panose="020B0604020202020204" charset="0"/>
-                <a:sym typeface="Lato"/>
-              </a:rPr>
-              <a:t>* Si no hay FI o FD (FI o FD no es </a:t>
-            </a:r>
-            <a:r>
-              <a:rPr lang="en-US" sz="1100" dirty="0" err="1">
-                <a:solidFill>
-                  <a:srgbClr val="677480"/>
-                </a:solidFill>
-                <a:latin typeface="Montserrat Medium" panose="020B0604020202020204" charset="0"/>
-                <a:ea typeface="Open Sans" panose="020B0604020202020204" charset="0"/>
-                <a:cs typeface="Open Sans" panose="020B0604020202020204" charset="0"/>
-                <a:sym typeface="Lato"/>
-              </a:rPr>
-              <a:t>ni</a:t>
-            </a:r>
-            <a:r>
-              <a:rPr lang="en-US" sz="1100" dirty="0">
-                <a:solidFill>
-                  <a:srgbClr val="677480"/>
-                </a:solidFill>
-                <a:latin typeface="Montserrat Medium" panose="020B0604020202020204" charset="0"/>
-                <a:ea typeface="Open Sans" panose="020B0604020202020204" charset="0"/>
-                <a:cs typeface="Open Sans" panose="020B0604020202020204" charset="0"/>
-                <a:sym typeface="Lato"/>
-              </a:rPr>
-              <a:t> BUY </a:t>
-            </a:r>
-            <a:r>
-              <a:rPr lang="en-US" sz="1100" dirty="0" err="1">
-                <a:solidFill>
-                  <a:srgbClr val="677480"/>
-                </a:solidFill>
-                <a:latin typeface="Montserrat Medium" panose="020B0604020202020204" charset="0"/>
-                <a:ea typeface="Open Sans" panose="020B0604020202020204" charset="0"/>
-                <a:cs typeface="Open Sans" panose="020B0604020202020204" charset="0"/>
-                <a:sym typeface="Lato"/>
-              </a:rPr>
-              <a:t>ni</a:t>
-            </a:r>
-            <a:r>
-              <a:rPr lang="en-US" sz="1100" dirty="0">
-                <a:solidFill>
-                  <a:srgbClr val="677480"/>
-                </a:solidFill>
-                <a:latin typeface="Montserrat Medium" panose="020B0604020202020204" charset="0"/>
-                <a:ea typeface="Open Sans" panose="020B0604020202020204" charset="0"/>
-                <a:cs typeface="Open Sans" panose="020B0604020202020204" charset="0"/>
-                <a:sym typeface="Lato"/>
-              </a:rPr>
-              <a:t> SELL), </a:t>
-            </a:r>
-            <a:r>
-              <a:rPr lang="en-US" sz="1100" dirty="0" err="1">
-                <a:solidFill>
-                  <a:srgbClr val="677480"/>
-                </a:solidFill>
-                <a:latin typeface="Montserrat Medium" panose="020B0604020202020204" charset="0"/>
-                <a:ea typeface="Open Sans" panose="020B0604020202020204" charset="0"/>
-                <a:cs typeface="Open Sans" panose="020B0604020202020204" charset="0"/>
-                <a:sym typeface="Lato"/>
-              </a:rPr>
-              <a:t>entonces</a:t>
-            </a:r>
-            <a:r>
-              <a:rPr lang="en-US" sz="1100" dirty="0">
-                <a:solidFill>
-                  <a:srgbClr val="677480"/>
-                </a:solidFill>
-                <a:latin typeface="Montserrat Medium" panose="020B0604020202020204" charset="0"/>
-                <a:ea typeface="Open Sans" panose="020B0604020202020204" charset="0"/>
-                <a:cs typeface="Open Sans" panose="020B0604020202020204" charset="0"/>
-                <a:sym typeface="Lato"/>
-              </a:rPr>
-              <a:t>  se </a:t>
-            </a:r>
-            <a:r>
-              <a:rPr lang="en-US" sz="1100" dirty="0" err="1">
-                <a:solidFill>
-                  <a:srgbClr val="677480"/>
-                </a:solidFill>
-                <a:latin typeface="Montserrat Medium" panose="020B0604020202020204" charset="0"/>
-                <a:ea typeface="Open Sans" panose="020B0604020202020204" charset="0"/>
-                <a:cs typeface="Open Sans" panose="020B0604020202020204" charset="0"/>
-                <a:sym typeface="Lato"/>
-              </a:rPr>
-              <a:t>asigna</a:t>
-            </a:r>
-            <a:r>
-              <a:rPr lang="en-US" sz="1100" dirty="0">
-                <a:solidFill>
-                  <a:srgbClr val="677480"/>
-                </a:solidFill>
-                <a:latin typeface="Montserrat Medium" panose="020B0604020202020204" charset="0"/>
-                <a:ea typeface="Open Sans" panose="020B0604020202020204" charset="0"/>
-                <a:cs typeface="Open Sans" panose="020B0604020202020204" charset="0"/>
-                <a:sym typeface="Lato"/>
-              </a:rPr>
-              <a:t> el valor anterior de FI o FD. </a:t>
-            </a:r>
-          </a:p>
-          <a:p>
-            <a:pPr marL="0" indent="0">
-              <a:lnSpc>
-                <a:spcPct val="100000"/>
-              </a:lnSpc>
-              <a:buClr>
-                <a:srgbClr val="677480"/>
-              </a:buClr>
-              <a:buSzPts val="1100"/>
-              <a:buNone/>
-              <a:defRPr/>
-            </a:pPr>
-            <a:r>
-              <a:rPr lang="en-US" sz="1100" dirty="0">
-                <a:solidFill>
-                  <a:srgbClr val="677480"/>
-                </a:solidFill>
-                <a:latin typeface="Montserrat Medium" panose="020B0604020202020204" charset="0"/>
-                <a:ea typeface="Open Sans" panose="020B0604020202020204" charset="0"/>
-                <a:cs typeface="Open Sans" panose="020B0604020202020204" charset="0"/>
-                <a:sym typeface="Lato"/>
-              </a:rPr>
-              <a:t>* FIRX </a:t>
-            </a:r>
-            <a:r>
-              <a:rPr lang="en-US" sz="1100" dirty="0" err="1">
-                <a:solidFill>
-                  <a:srgbClr val="677480"/>
-                </a:solidFill>
-                <a:latin typeface="Montserrat Medium" panose="020B0604020202020204" charset="0"/>
-                <a:ea typeface="Open Sans" panose="020B0604020202020204" charset="0"/>
-                <a:cs typeface="Open Sans" panose="020B0604020202020204" charset="0"/>
-                <a:sym typeface="Lato"/>
-              </a:rPr>
-              <a:t>corresponde</a:t>
-            </a:r>
-            <a:r>
-              <a:rPr lang="en-US" sz="1100" dirty="0">
-                <a:solidFill>
-                  <a:srgbClr val="677480"/>
-                </a:solidFill>
-                <a:latin typeface="Montserrat Medium" panose="020B0604020202020204" charset="0"/>
-                <a:ea typeface="Open Sans" panose="020B0604020202020204" charset="0"/>
-                <a:cs typeface="Open Sans" panose="020B0604020202020204" charset="0"/>
-                <a:sym typeface="Lato"/>
-              </a:rPr>
-              <a:t> a un fractal </a:t>
-            </a:r>
-            <a:r>
-              <a:rPr lang="en-US" sz="1100" dirty="0" err="1">
-                <a:solidFill>
-                  <a:srgbClr val="677480"/>
-                </a:solidFill>
-                <a:latin typeface="Montserrat Medium" panose="020B0604020202020204" charset="0"/>
-                <a:ea typeface="Open Sans" panose="020B0604020202020204" charset="0"/>
-                <a:cs typeface="Open Sans" panose="020B0604020202020204" charset="0"/>
-                <a:sym typeface="Lato"/>
-              </a:rPr>
-              <a:t>calculado</a:t>
-            </a:r>
-            <a:r>
-              <a:rPr lang="en-US" sz="1100" dirty="0">
-                <a:solidFill>
-                  <a:srgbClr val="677480"/>
-                </a:solidFill>
-                <a:latin typeface="Montserrat Medium" panose="020B0604020202020204" charset="0"/>
-                <a:ea typeface="Open Sans" panose="020B0604020202020204" charset="0"/>
-                <a:cs typeface="Open Sans" panose="020B0604020202020204" charset="0"/>
-                <a:sym typeface="Lato"/>
-              </a:rPr>
-              <a:t> con </a:t>
-            </a:r>
-            <a:r>
-              <a:rPr lang="en-US" sz="1100" dirty="0" err="1">
-                <a:solidFill>
-                  <a:srgbClr val="677480"/>
-                </a:solidFill>
-                <a:latin typeface="Montserrat Medium" panose="020B0604020202020204" charset="0"/>
-                <a:ea typeface="Open Sans" panose="020B0604020202020204" charset="0"/>
-                <a:cs typeface="Open Sans" panose="020B0604020202020204" charset="0"/>
-                <a:sym typeface="Lato"/>
-              </a:rPr>
-              <a:t>frecuencia</a:t>
-            </a:r>
-            <a:r>
-              <a:rPr lang="en-US" sz="1100" dirty="0">
-                <a:solidFill>
-                  <a:srgbClr val="677480"/>
-                </a:solidFill>
-                <a:latin typeface="Montserrat Medium" panose="020B0604020202020204" charset="0"/>
-                <a:ea typeface="Open Sans" panose="020B0604020202020204" charset="0"/>
-                <a:cs typeface="Open Sans" panose="020B0604020202020204" charset="0"/>
-                <a:sym typeface="Lato"/>
-              </a:rPr>
-              <a:t> </a:t>
-            </a:r>
-            <a:r>
-              <a:rPr lang="en-US" sz="1100" dirty="0" err="1">
-                <a:solidFill>
-                  <a:srgbClr val="677480"/>
-                </a:solidFill>
-                <a:latin typeface="Montserrat Medium" panose="020B0604020202020204" charset="0"/>
-                <a:ea typeface="Open Sans" panose="020B0604020202020204" charset="0"/>
-                <a:cs typeface="Open Sans" panose="020B0604020202020204" charset="0"/>
-                <a:sym typeface="Lato"/>
-              </a:rPr>
-              <a:t>intradiaria</a:t>
-            </a:r>
-            <a:r>
-              <a:rPr lang="en-US" sz="1100" dirty="0">
-                <a:solidFill>
-                  <a:srgbClr val="677480"/>
-                </a:solidFill>
-                <a:latin typeface="Montserrat Medium" panose="020B0604020202020204" charset="0"/>
-                <a:ea typeface="Open Sans" panose="020B0604020202020204" charset="0"/>
-                <a:cs typeface="Open Sans" panose="020B0604020202020204" charset="0"/>
-                <a:sym typeface="Lato"/>
-              </a:rPr>
-              <a:t> </a:t>
-            </a:r>
-            <a:r>
-              <a:rPr lang="en-US" sz="1100" dirty="0" err="1">
-                <a:solidFill>
-                  <a:srgbClr val="677480"/>
-                </a:solidFill>
-                <a:latin typeface="Montserrat Medium" panose="020B0604020202020204" charset="0"/>
-                <a:ea typeface="Open Sans" panose="020B0604020202020204" charset="0"/>
-                <a:cs typeface="Open Sans" panose="020B0604020202020204" charset="0"/>
-                <a:sym typeface="Lato"/>
-              </a:rPr>
-              <a:t>pero</a:t>
-            </a:r>
-            <a:r>
-              <a:rPr lang="en-US" sz="1100" dirty="0">
-                <a:solidFill>
-                  <a:srgbClr val="677480"/>
-                </a:solidFill>
-                <a:latin typeface="Montserrat Medium" panose="020B0604020202020204" charset="0"/>
-                <a:ea typeface="Open Sans" panose="020B0604020202020204" charset="0"/>
-                <a:cs typeface="Open Sans" panose="020B0604020202020204" charset="0"/>
-                <a:sym typeface="Lato"/>
-              </a:rPr>
-              <a:t> con base </a:t>
-            </a:r>
-            <a:r>
-              <a:rPr lang="en-US" sz="1100" dirty="0" err="1">
-                <a:solidFill>
-                  <a:srgbClr val="677480"/>
-                </a:solidFill>
-                <a:latin typeface="Montserrat Medium" panose="020B0604020202020204" charset="0"/>
-                <a:ea typeface="Open Sans" panose="020B0604020202020204" charset="0"/>
-                <a:cs typeface="Open Sans" panose="020B0604020202020204" charset="0"/>
-                <a:sym typeface="Lato"/>
-              </a:rPr>
-              <a:t>en</a:t>
-            </a:r>
-            <a:r>
-              <a:rPr lang="en-US" sz="1100" dirty="0">
-                <a:solidFill>
-                  <a:srgbClr val="677480"/>
-                </a:solidFill>
-                <a:latin typeface="Montserrat Medium" panose="020B0604020202020204" charset="0"/>
-                <a:ea typeface="Open Sans" panose="020B0604020202020204" charset="0"/>
-                <a:cs typeface="Open Sans" panose="020B0604020202020204" charset="0"/>
-                <a:sym typeface="Lato"/>
-              </a:rPr>
-              <a:t> una </a:t>
-            </a:r>
-            <a:r>
-              <a:rPr lang="en-US" sz="1100" dirty="0" err="1">
-                <a:solidFill>
-                  <a:srgbClr val="677480"/>
-                </a:solidFill>
-                <a:latin typeface="Montserrat Medium" panose="020B0604020202020204" charset="0"/>
-                <a:ea typeface="Open Sans" panose="020B0604020202020204" charset="0"/>
-                <a:cs typeface="Open Sans" panose="020B0604020202020204" charset="0"/>
-                <a:sym typeface="Lato"/>
-              </a:rPr>
-              <a:t>ventana</a:t>
-            </a:r>
-            <a:r>
-              <a:rPr lang="en-US" sz="1100" dirty="0">
-                <a:solidFill>
-                  <a:srgbClr val="677480"/>
-                </a:solidFill>
-                <a:latin typeface="Montserrat Medium" panose="020B0604020202020204" charset="0"/>
-                <a:ea typeface="Open Sans" panose="020B0604020202020204" charset="0"/>
-                <a:cs typeface="Open Sans" panose="020B0604020202020204" charset="0"/>
-                <a:sym typeface="Lato"/>
-              </a:rPr>
-              <a:t> </a:t>
-            </a:r>
-            <a:r>
-              <a:rPr lang="en-US" sz="1100" dirty="0" err="1">
-                <a:solidFill>
-                  <a:srgbClr val="677480"/>
-                </a:solidFill>
-                <a:latin typeface="Montserrat Medium" panose="020B0604020202020204" charset="0"/>
-                <a:ea typeface="Open Sans" panose="020B0604020202020204" charset="0"/>
-                <a:cs typeface="Open Sans" panose="020B0604020202020204" charset="0"/>
-                <a:sym typeface="Lato"/>
-              </a:rPr>
-              <a:t>móvil</a:t>
-            </a:r>
-            <a:r>
-              <a:rPr lang="en-US" sz="1100" dirty="0">
-                <a:solidFill>
-                  <a:srgbClr val="677480"/>
-                </a:solidFill>
-                <a:latin typeface="Montserrat Medium" panose="020B0604020202020204" charset="0"/>
-                <a:ea typeface="Open Sans" panose="020B0604020202020204" charset="0"/>
-                <a:cs typeface="Open Sans" panose="020B0604020202020204" charset="0"/>
-                <a:sym typeface="Lato"/>
-              </a:rPr>
-              <a:t> </a:t>
-            </a:r>
-            <a:r>
-              <a:rPr lang="en-US" sz="1100" dirty="0" err="1">
-                <a:solidFill>
-                  <a:srgbClr val="677480"/>
-                </a:solidFill>
-                <a:latin typeface="Montserrat Medium" panose="020B0604020202020204" charset="0"/>
-                <a:ea typeface="Open Sans" panose="020B0604020202020204" charset="0"/>
-                <a:cs typeface="Open Sans" panose="020B0604020202020204" charset="0"/>
-                <a:sym typeface="Lato"/>
-              </a:rPr>
-              <a:t>diaria</a:t>
-            </a:r>
-            <a:r>
-              <a:rPr lang="en-US" sz="1100" dirty="0">
-                <a:solidFill>
-                  <a:srgbClr val="677480"/>
-                </a:solidFill>
-                <a:latin typeface="Montserrat Medium" panose="020B0604020202020204" charset="0"/>
-                <a:ea typeface="Open Sans" panose="020B0604020202020204" charset="0"/>
-                <a:cs typeface="Open Sans" panose="020B0604020202020204" charset="0"/>
-                <a:sym typeface="Lato"/>
-              </a:rPr>
-              <a:t>.</a:t>
-            </a:r>
-          </a:p>
-          <a:p>
-            <a:pPr marL="0" indent="0">
-              <a:lnSpc>
-                <a:spcPct val="100000"/>
-              </a:lnSpc>
-              <a:buClr>
-                <a:srgbClr val="677480"/>
-              </a:buClr>
-              <a:buSzPts val="1100"/>
-              <a:buNone/>
-              <a:defRPr/>
-            </a:pPr>
-            <a:r>
-              <a:rPr lang="en-US" sz="1100" dirty="0">
-                <a:solidFill>
-                  <a:srgbClr val="677480"/>
-                </a:solidFill>
-                <a:latin typeface="Montserrat Medium" panose="020B0604020202020204" charset="0"/>
-                <a:ea typeface="Open Sans" panose="020B0604020202020204" charset="0"/>
-                <a:cs typeface="Open Sans" panose="020B0604020202020204" charset="0"/>
-                <a:sym typeface="Lato"/>
-              </a:rPr>
-              <a:t>* Si no hay FIR, (FIR no es </a:t>
-            </a:r>
-            <a:r>
-              <a:rPr lang="en-US" sz="1100" dirty="0" err="1">
-                <a:solidFill>
-                  <a:srgbClr val="677480"/>
-                </a:solidFill>
-                <a:latin typeface="Montserrat Medium" panose="020B0604020202020204" charset="0"/>
-                <a:ea typeface="Open Sans" panose="020B0604020202020204" charset="0"/>
-                <a:cs typeface="Open Sans" panose="020B0604020202020204" charset="0"/>
-                <a:sym typeface="Lato"/>
-              </a:rPr>
-              <a:t>ni</a:t>
-            </a:r>
-            <a:r>
-              <a:rPr lang="en-US" sz="1100" dirty="0">
-                <a:solidFill>
-                  <a:srgbClr val="677480"/>
-                </a:solidFill>
-                <a:latin typeface="Montserrat Medium" panose="020B0604020202020204" charset="0"/>
-                <a:ea typeface="Open Sans" panose="020B0604020202020204" charset="0"/>
-                <a:cs typeface="Open Sans" panose="020B0604020202020204" charset="0"/>
-                <a:sym typeface="Lato"/>
-              </a:rPr>
-              <a:t> BUY </a:t>
-            </a:r>
-            <a:r>
-              <a:rPr lang="en-US" sz="1100" dirty="0" err="1">
-                <a:solidFill>
-                  <a:srgbClr val="677480"/>
-                </a:solidFill>
-                <a:latin typeface="Montserrat Medium" panose="020B0604020202020204" charset="0"/>
-                <a:ea typeface="Open Sans" panose="020B0604020202020204" charset="0"/>
-                <a:cs typeface="Open Sans" panose="020B0604020202020204" charset="0"/>
-                <a:sym typeface="Lato"/>
-              </a:rPr>
-              <a:t>ni</a:t>
-            </a:r>
-            <a:r>
-              <a:rPr lang="en-US" sz="1100" dirty="0">
-                <a:solidFill>
-                  <a:srgbClr val="677480"/>
-                </a:solidFill>
-                <a:latin typeface="Montserrat Medium" panose="020B0604020202020204" charset="0"/>
-                <a:ea typeface="Open Sans" panose="020B0604020202020204" charset="0"/>
-                <a:cs typeface="Open Sans" panose="020B0604020202020204" charset="0"/>
-                <a:sym typeface="Lato"/>
-              </a:rPr>
-              <a:t> SELL), </a:t>
-            </a:r>
-            <a:r>
-              <a:rPr lang="en-US" sz="1100" dirty="0" err="1">
-                <a:solidFill>
-                  <a:srgbClr val="677480"/>
-                </a:solidFill>
-                <a:latin typeface="Montserrat Medium" panose="020B0604020202020204" charset="0"/>
-                <a:ea typeface="Open Sans" panose="020B0604020202020204" charset="0"/>
-                <a:cs typeface="Open Sans" panose="020B0604020202020204" charset="0"/>
-                <a:sym typeface="Lato"/>
-              </a:rPr>
-              <a:t>entonces</a:t>
-            </a:r>
-            <a:r>
-              <a:rPr lang="en-US" sz="1100" dirty="0">
-                <a:solidFill>
-                  <a:srgbClr val="677480"/>
-                </a:solidFill>
-                <a:latin typeface="Montserrat Medium" panose="020B0604020202020204" charset="0"/>
-                <a:ea typeface="Open Sans" panose="020B0604020202020204" charset="0"/>
-                <a:cs typeface="Open Sans" panose="020B0604020202020204" charset="0"/>
-                <a:sym typeface="Lato"/>
-              </a:rPr>
-              <a:t>  se </a:t>
-            </a:r>
-            <a:r>
-              <a:rPr lang="en-US" sz="1100" dirty="0" err="1">
-                <a:solidFill>
-                  <a:srgbClr val="677480"/>
-                </a:solidFill>
-                <a:latin typeface="Montserrat Medium" panose="020B0604020202020204" charset="0"/>
-                <a:ea typeface="Open Sans" panose="020B0604020202020204" charset="0"/>
-                <a:cs typeface="Open Sans" panose="020B0604020202020204" charset="0"/>
-                <a:sym typeface="Lato"/>
-              </a:rPr>
-              <a:t>asigna</a:t>
-            </a:r>
-            <a:r>
-              <a:rPr lang="en-US" sz="1100" dirty="0">
-                <a:solidFill>
-                  <a:srgbClr val="677480"/>
-                </a:solidFill>
-                <a:latin typeface="Montserrat Medium" panose="020B0604020202020204" charset="0"/>
-                <a:ea typeface="Open Sans" panose="020B0604020202020204" charset="0"/>
-                <a:cs typeface="Open Sans" panose="020B0604020202020204" charset="0"/>
-                <a:sym typeface="Lato"/>
-              </a:rPr>
-              <a:t> el valor de FD, lo que </a:t>
-            </a:r>
-            <a:r>
-              <a:rPr lang="en-US" sz="1100" dirty="0" err="1">
-                <a:solidFill>
-                  <a:srgbClr val="677480"/>
-                </a:solidFill>
-                <a:latin typeface="Montserrat Medium" panose="020B0604020202020204" charset="0"/>
-                <a:ea typeface="Open Sans" panose="020B0604020202020204" charset="0"/>
-                <a:cs typeface="Open Sans" panose="020B0604020202020204" charset="0"/>
-                <a:sym typeface="Lato"/>
-              </a:rPr>
-              <a:t>constituye</a:t>
-            </a:r>
-            <a:r>
-              <a:rPr lang="en-US" sz="1100" dirty="0">
-                <a:solidFill>
-                  <a:srgbClr val="677480"/>
-                </a:solidFill>
-                <a:latin typeface="Montserrat Medium" panose="020B0604020202020204" charset="0"/>
-                <a:ea typeface="Open Sans" panose="020B0604020202020204" charset="0"/>
-                <a:cs typeface="Open Sans" panose="020B0604020202020204" charset="0"/>
-                <a:sym typeface="Lato"/>
-              </a:rPr>
-              <a:t> el Fractal </a:t>
-            </a:r>
-            <a:r>
-              <a:rPr lang="en-US" sz="1100" dirty="0" err="1">
-                <a:solidFill>
-                  <a:srgbClr val="677480"/>
-                </a:solidFill>
-                <a:latin typeface="Montserrat Medium" panose="020B0604020202020204" charset="0"/>
-                <a:ea typeface="Open Sans" panose="020B0604020202020204" charset="0"/>
-                <a:cs typeface="Open Sans" panose="020B0604020202020204" charset="0"/>
-                <a:sym typeface="Lato"/>
-              </a:rPr>
-              <a:t>Intradiario</a:t>
-            </a:r>
-            <a:r>
-              <a:rPr lang="en-US" sz="1100" dirty="0">
-                <a:solidFill>
-                  <a:srgbClr val="677480"/>
-                </a:solidFill>
-                <a:latin typeface="Montserrat Medium" panose="020B0604020202020204" charset="0"/>
-                <a:ea typeface="Open Sans" panose="020B0604020202020204" charset="0"/>
-                <a:cs typeface="Open Sans" panose="020B0604020202020204" charset="0"/>
-                <a:sym typeface="Lato"/>
-              </a:rPr>
-              <a:t> Final.</a:t>
-            </a:r>
-          </a:p>
-          <a:p>
-            <a:pPr marL="0">
-              <a:lnSpc>
-                <a:spcPct val="150000"/>
-              </a:lnSpc>
-              <a:buClr>
-                <a:srgbClr val="677480"/>
-              </a:buClr>
-              <a:buSzPts val="1100"/>
-              <a:defRPr/>
-            </a:pPr>
-            <a:r>
-              <a:rPr lang="en-US" sz="1500" dirty="0" err="1">
-                <a:solidFill>
-                  <a:srgbClr val="677480"/>
-                </a:solidFill>
-                <a:latin typeface="Montserrat Medium" panose="020B0604020202020204" charset="0"/>
-                <a:ea typeface="Open Sans" panose="020B0604020202020204" charset="0"/>
-                <a:cs typeface="Open Sans" panose="020B0604020202020204" charset="0"/>
-                <a:sym typeface="Lato"/>
-              </a:rPr>
-              <a:t>Resumen</a:t>
-            </a:r>
-            <a:r>
-              <a:rPr lang="en-US" sz="1500" dirty="0">
-                <a:solidFill>
-                  <a:srgbClr val="677480"/>
-                </a:solidFill>
-                <a:latin typeface="Montserrat Medium" panose="020B0604020202020204" charset="0"/>
-                <a:ea typeface="Open Sans" panose="020B0604020202020204" charset="0"/>
-                <a:cs typeface="Open Sans" panose="020B0604020202020204" charset="0"/>
-                <a:sym typeface="Lato"/>
-              </a:rPr>
-              <a:t> de Fractal </a:t>
-            </a:r>
-            <a:r>
-              <a:rPr lang="en-US" sz="1500" dirty="0" err="1">
-                <a:solidFill>
-                  <a:srgbClr val="677480"/>
-                </a:solidFill>
-                <a:latin typeface="Montserrat Medium" panose="020B0604020202020204" charset="0"/>
-                <a:ea typeface="Open Sans" panose="020B0604020202020204" charset="0"/>
-                <a:cs typeface="Open Sans" panose="020B0604020202020204" charset="0"/>
-                <a:sym typeface="Lato"/>
-              </a:rPr>
-              <a:t>intradiario</a:t>
-            </a:r>
-            <a:r>
-              <a:rPr lang="en-US" sz="1500" dirty="0">
-                <a:solidFill>
-                  <a:srgbClr val="677480"/>
-                </a:solidFill>
-                <a:latin typeface="Montserrat Medium" panose="020B0604020202020204" charset="0"/>
-                <a:ea typeface="Open Sans" panose="020B0604020202020204" charset="0"/>
-                <a:cs typeface="Open Sans" panose="020B0604020202020204" charset="0"/>
-                <a:sym typeface="Lato"/>
-              </a:rPr>
-              <a:t> final (FIF)</a:t>
-            </a:r>
-          </a:p>
-          <a:p>
-            <a:pPr marL="457200" lvl="2">
-              <a:lnSpc>
-                <a:spcPct val="100000"/>
-              </a:lnSpc>
-              <a:spcBef>
-                <a:spcPts val="0"/>
-              </a:spcBef>
-              <a:buClr>
-                <a:srgbClr val="677480"/>
-              </a:buClr>
-              <a:buSzPts val="1100"/>
-              <a:defRPr/>
-            </a:pPr>
-            <a:r>
-              <a:rPr lang="en-US" sz="1100" dirty="0">
-                <a:solidFill>
-                  <a:srgbClr val="677480"/>
-                </a:solidFill>
-                <a:latin typeface="Montserrat Medium" panose="020B0604020202020204" charset="0"/>
-                <a:ea typeface="Open Sans" panose="020B0604020202020204" charset="0"/>
-                <a:cs typeface="Open Sans" panose="020B0604020202020204" charset="0"/>
-                <a:sym typeface="Lato"/>
-              </a:rPr>
-              <a:t>Si hay FIR (FIR es BUY o SELL), </a:t>
-            </a:r>
-            <a:r>
-              <a:rPr lang="en-US" sz="1100" dirty="0" err="1">
-                <a:solidFill>
-                  <a:srgbClr val="677480"/>
-                </a:solidFill>
-                <a:latin typeface="Montserrat Medium" panose="020B0604020202020204" charset="0"/>
-                <a:ea typeface="Open Sans" panose="020B0604020202020204" charset="0"/>
-                <a:cs typeface="Open Sans" panose="020B0604020202020204" charset="0"/>
-                <a:sym typeface="Lato"/>
-              </a:rPr>
-              <a:t>entonces</a:t>
-            </a:r>
-            <a:endParaRPr lang="en-US" sz="1100" dirty="0">
+            <a:pPr>
+              <a:lnSpc>
+                <a:spcPct val="100000"/>
+              </a:lnSpc>
+              <a:buClr>
+                <a:srgbClr val="677480"/>
+              </a:buClr>
+              <a:buSzPts val="1100"/>
+              <a:defRPr/>
+            </a:pPr>
+            <a:endParaRPr lang="en-US" sz="1500" dirty="0">
               <a:solidFill>
                 <a:srgbClr val="677480"/>
               </a:solidFill>
@@ -11227,17 +10610,36 @@
             </a:endParaRPr>
           </a:p>
           <a:p>
-            <a:pPr marL="914400" lvl="4">
-              <a:lnSpc>
-                <a:spcPct val="100000"/>
-              </a:lnSpc>
-              <a:spcBef>
-                <a:spcPts val="0"/>
-              </a:spcBef>
-              <a:buClr>
-                <a:srgbClr val="677480"/>
-              </a:buClr>
-              <a:buSzPts val="1100"/>
+            <a:pPr>
+              <a:lnSpc>
+                <a:spcPct val="100000"/>
+              </a:lnSpc>
+              <a:buClr>
+                <a:srgbClr val="677480"/>
+              </a:buClr>
+              <a:buSzPts val="1100"/>
+              <a:defRPr/>
+            </a:pPr>
+            <a:endParaRPr lang="en-US" sz="1500" dirty="0">
+              <a:solidFill>
+                <a:srgbClr val="677480"/>
+              </a:solidFill>
+              <a:latin typeface="Montserrat Medium" panose="020B0604020202020204" charset="0"/>
+              <a:ea typeface="Open Sans" panose="020B0604020202020204" charset="0"/>
+              <a:cs typeface="Open Sans" panose="020B0604020202020204" charset="0"/>
+              <a:sym typeface="Lato"/>
+            </a:endParaRPr>
+          </a:p>
+          <a:p>
+            <a:pPr marL="0" indent="0">
+              <a:lnSpc>
+                <a:spcPct val="100000"/>
+              </a:lnSpc>
+              <a:buClr>
+                <a:srgbClr val="677480"/>
+              </a:buClr>
+              <a:buSzPts val="1100"/>
+              <a:buNone/>
               <a:defRPr/>
             </a:pPr>
             <a:r>
@@ -11250,23 +10652,20 @@
                 <a:cs typeface="Open Sans" panose="020B0604020202020204" charset="0"/>
                 <a:sym typeface="Lato"/>
               </a:rPr>
-              <a:t>FIF = FIR</a:t>
-            </a:r>
-          </a:p>
-          <a:p>
-            <a:pPr marL="457200" lvl="2">
-              <a:lnSpc>
-                <a:spcPct val="100000"/>
-              </a:lnSpc>
-              <a:spcBef>
-                <a:spcPts val="0"/>
-              </a:spcBef>
-              <a:buClr>
-                <a:srgbClr val="677480"/>
-              </a:buClr>
-              <a:buSzPts val="1100"/>
-              <a:defRPr/>
-            </a:pPr>
+              <a:t>* Si no hay FI o FD (FI o FD no es </a:t>
+            </a:r>
+            <a:r>
+              <a:rPr lang="en-US" sz="1100" dirty="0" err="1">
+                <a:solidFill>
+                  <a:srgbClr val="677480"/>
+                </a:solidFill>
+                <a:latin typeface="Montserrat Medium" panose="020B0604020202020204" charset="0"/>
+                <a:ea typeface="Open Sans" panose="020B0604020202020204" charset="0"/>
+                <a:cs typeface="Open Sans" panose="020B0604020202020204" charset="0"/>
+                <a:sym typeface="Lato"/>
+              </a:rPr>
+              <a:t>ni</a:t>
+            </a:r>
             <a:r>
               <a:rPr lang="en-US" sz="1100" dirty="0">
                 <a:solidFill>
@@ -11277,19 +10676,19 @@
                 <a:cs typeface="Open Sans" panose="020B0604020202020204" charset="0"/>
                 <a:sym typeface="Lato"/>
               </a:rPr>
-              <a:t>Si </a:t>
-            </a:r>
-            <a:r>
-              <a:rPr lang="en-US" sz="1100" b="1" u="sng" dirty="0">
-                <a:solidFill>
-                  <a:srgbClr val="677480"/>
-                </a:solidFill>
-                <a:latin typeface="Montserrat Medium" panose="020B0604020202020204" charset="0"/>
-                <a:ea typeface="Open Sans" panose="020B0604020202020204" charset="0"/>
-                <a:cs typeface="Open Sans" panose="020B0604020202020204" charset="0"/>
-                <a:sym typeface="Lato"/>
-              </a:rPr>
-              <a:t>NO</a:t>
+              <a:t> BUY </a:t>
+            </a:r>
+            <a:r>
+              <a:rPr lang="en-US" sz="1100" dirty="0" err="1">
+                <a:solidFill>
+                  <a:srgbClr val="677480"/>
+                </a:solidFill>
+                <a:latin typeface="Montserrat Medium" panose="020B0604020202020204" charset="0"/>
+                <a:ea typeface="Open Sans" panose="020B0604020202020204" charset="0"/>
+                <a:cs typeface="Open Sans" panose="020B0604020202020204" charset="0"/>
+                <a:sym typeface="Lato"/>
+              </a:rPr>
+              <a:t>ni</a:t>
             </a:r>
             <a:r>
               <a:rPr lang="en-US" sz="1100" dirty="0">
@@ -11301,7 +10700,7 @@
                 <a:cs typeface="Open Sans" panose="020B0604020202020204" charset="0"/>
                 <a:sym typeface="Lato"/>
               </a:rPr>
-              <a:t> hay FIR (FIR no es </a:t>
+              <a:t> SELL), </a:t>
             </a:r>
             <a:r>
               <a:rPr lang="en-US" sz="1100" dirty="0" err="1">
@@ -11313,6 +10712,320 @@
                 <a:cs typeface="Open Sans" panose="020B0604020202020204" charset="0"/>
                 <a:sym typeface="Lato"/>
               </a:rPr>
+              <a:t>entonces</a:t>
+            </a:r>
+            <a:r>
+              <a:rPr lang="en-US" sz="1100" dirty="0">
+                <a:solidFill>
+                  <a:srgbClr val="677480"/>
+                </a:solidFill>
+                <a:latin typeface="Montserrat Medium" panose="020B0604020202020204" charset="0"/>
+                <a:ea typeface="Open Sans" panose="020B0604020202020204" charset="0"/>
+                <a:cs typeface="Open Sans" panose="020B0604020202020204" charset="0"/>
+                <a:sym typeface="Lato"/>
+              </a:rPr>
+              <a:t>  se </a:t>
+            </a:r>
+            <a:r>
+              <a:rPr lang="en-US" sz="1100" dirty="0" err="1">
+                <a:solidFill>
+                  <a:srgbClr val="677480"/>
+                </a:solidFill>
+                <a:latin typeface="Montserrat Medium" panose="020B0604020202020204" charset="0"/>
+                <a:ea typeface="Open Sans" panose="020B0604020202020204" charset="0"/>
+                <a:cs typeface="Open Sans" panose="020B0604020202020204" charset="0"/>
+                <a:sym typeface="Lato"/>
+              </a:rPr>
+              <a:t>asigna</a:t>
+            </a:r>
+            <a:r>
+              <a:rPr lang="en-US" sz="1100" dirty="0">
+                <a:solidFill>
+                  <a:srgbClr val="677480"/>
+                </a:solidFill>
+                <a:latin typeface="Montserrat Medium" panose="020B0604020202020204" charset="0"/>
+                <a:ea typeface="Open Sans" panose="020B0604020202020204" charset="0"/>
+                <a:cs typeface="Open Sans" panose="020B0604020202020204" charset="0"/>
+                <a:sym typeface="Lato"/>
+              </a:rPr>
+              <a:t> el valor anterior de FI o FD. </a:t>
+            </a:r>
+          </a:p>
+          <a:p>
+            <a:pPr marL="0" indent="0">
+              <a:lnSpc>
+                <a:spcPct val="100000"/>
+              </a:lnSpc>
+              <a:buClr>
+                <a:srgbClr val="677480"/>
+              </a:buClr>
+              <a:buSzPts val="1100"/>
+              <a:buNone/>
+              <a:defRPr/>
+            </a:pPr>
+            <a:r>
+              <a:rPr lang="en-US" sz="1100" dirty="0">
+                <a:solidFill>
+                  <a:srgbClr val="677480"/>
+                </a:solidFill>
+                <a:latin typeface="Montserrat Medium" panose="020B0604020202020204" charset="0"/>
+                <a:ea typeface="Open Sans" panose="020B0604020202020204" charset="0"/>
+                <a:cs typeface="Open Sans" panose="020B0604020202020204" charset="0"/>
+                <a:sym typeface="Lato"/>
+              </a:rPr>
+              <a:t>* FIRX </a:t>
+            </a:r>
+            <a:r>
+              <a:rPr lang="en-US" sz="1100" dirty="0" err="1">
+                <a:solidFill>
+                  <a:srgbClr val="677480"/>
+                </a:solidFill>
+                <a:latin typeface="Montserrat Medium" panose="020B0604020202020204" charset="0"/>
+                <a:ea typeface="Open Sans" panose="020B0604020202020204" charset="0"/>
+                <a:cs typeface="Open Sans" panose="020B0604020202020204" charset="0"/>
+                <a:sym typeface="Lato"/>
+              </a:rPr>
+              <a:t>corresponde</a:t>
+            </a:r>
+            <a:r>
+              <a:rPr lang="en-US" sz="1100" dirty="0">
+                <a:solidFill>
+                  <a:srgbClr val="677480"/>
+                </a:solidFill>
+                <a:latin typeface="Montserrat Medium" panose="020B0604020202020204" charset="0"/>
+                <a:ea typeface="Open Sans" panose="020B0604020202020204" charset="0"/>
+                <a:cs typeface="Open Sans" panose="020B0604020202020204" charset="0"/>
+                <a:sym typeface="Lato"/>
+              </a:rPr>
+              <a:t> a un fractal </a:t>
+            </a:r>
+            <a:r>
+              <a:rPr lang="en-US" sz="1100" dirty="0" err="1">
+                <a:solidFill>
+                  <a:srgbClr val="677480"/>
+                </a:solidFill>
+                <a:latin typeface="Montserrat Medium" panose="020B0604020202020204" charset="0"/>
+                <a:ea typeface="Open Sans" panose="020B0604020202020204" charset="0"/>
+                <a:cs typeface="Open Sans" panose="020B0604020202020204" charset="0"/>
+                <a:sym typeface="Lato"/>
+              </a:rPr>
+              <a:t>calculado</a:t>
+            </a:r>
+            <a:r>
+              <a:rPr lang="en-US" sz="1100" dirty="0">
+                <a:solidFill>
+                  <a:srgbClr val="677480"/>
+                </a:solidFill>
+                <a:latin typeface="Montserrat Medium" panose="020B0604020202020204" charset="0"/>
+                <a:ea typeface="Open Sans" panose="020B0604020202020204" charset="0"/>
+                <a:cs typeface="Open Sans" panose="020B0604020202020204" charset="0"/>
+                <a:sym typeface="Lato"/>
+              </a:rPr>
+              <a:t> con </a:t>
+            </a:r>
+            <a:r>
+              <a:rPr lang="en-US" sz="1100" dirty="0" err="1">
+                <a:solidFill>
+                  <a:srgbClr val="677480"/>
+                </a:solidFill>
+                <a:latin typeface="Montserrat Medium" panose="020B0604020202020204" charset="0"/>
+                <a:ea typeface="Open Sans" panose="020B0604020202020204" charset="0"/>
+                <a:cs typeface="Open Sans" panose="020B0604020202020204" charset="0"/>
+                <a:sym typeface="Lato"/>
+              </a:rPr>
+              <a:t>frecuencia</a:t>
+            </a:r>
+            <a:r>
+              <a:rPr lang="en-US" sz="1100" dirty="0">
+                <a:solidFill>
+                  <a:srgbClr val="677480"/>
+                </a:solidFill>
+                <a:latin typeface="Montserrat Medium" panose="020B0604020202020204" charset="0"/>
+                <a:ea typeface="Open Sans" panose="020B0604020202020204" charset="0"/>
+                <a:cs typeface="Open Sans" panose="020B0604020202020204" charset="0"/>
+                <a:sym typeface="Lato"/>
+              </a:rPr>
+              <a:t> </a:t>
+            </a:r>
+            <a:r>
+              <a:rPr lang="en-US" sz="1100" dirty="0" err="1">
+                <a:solidFill>
+                  <a:srgbClr val="677480"/>
+                </a:solidFill>
+                <a:latin typeface="Montserrat Medium" panose="020B0604020202020204" charset="0"/>
+                <a:ea typeface="Open Sans" panose="020B0604020202020204" charset="0"/>
+                <a:cs typeface="Open Sans" panose="020B0604020202020204" charset="0"/>
+                <a:sym typeface="Lato"/>
+              </a:rPr>
+              <a:t>intradiaria</a:t>
+            </a:r>
+            <a:r>
+              <a:rPr lang="en-US" sz="1100" dirty="0">
+                <a:solidFill>
+                  <a:srgbClr val="677480"/>
+                </a:solidFill>
+                <a:latin typeface="Montserrat Medium" panose="020B0604020202020204" charset="0"/>
+                <a:ea typeface="Open Sans" panose="020B0604020202020204" charset="0"/>
+                <a:cs typeface="Open Sans" panose="020B0604020202020204" charset="0"/>
+                <a:sym typeface="Lato"/>
+              </a:rPr>
+              <a:t> </a:t>
+            </a:r>
+            <a:r>
+              <a:rPr lang="en-US" sz="1100" dirty="0" err="1">
+                <a:solidFill>
+                  <a:srgbClr val="677480"/>
+                </a:solidFill>
+                <a:latin typeface="Montserrat Medium" panose="020B0604020202020204" charset="0"/>
+                <a:ea typeface="Open Sans" panose="020B0604020202020204" charset="0"/>
+                <a:cs typeface="Open Sans" panose="020B0604020202020204" charset="0"/>
+                <a:sym typeface="Lato"/>
+              </a:rPr>
+              <a:t>pero</a:t>
+            </a:r>
+            <a:r>
+              <a:rPr lang="en-US" sz="1100" dirty="0">
+                <a:solidFill>
+                  <a:srgbClr val="677480"/>
+                </a:solidFill>
+                <a:latin typeface="Montserrat Medium" panose="020B0604020202020204" charset="0"/>
+                <a:ea typeface="Open Sans" panose="020B0604020202020204" charset="0"/>
+                <a:cs typeface="Open Sans" panose="020B0604020202020204" charset="0"/>
+                <a:sym typeface="Lato"/>
+              </a:rPr>
+              <a:t> con base </a:t>
+            </a:r>
+            <a:r>
+              <a:rPr lang="en-US" sz="1100" dirty="0" err="1">
+                <a:solidFill>
+                  <a:srgbClr val="677480"/>
+                </a:solidFill>
+                <a:latin typeface="Montserrat Medium" panose="020B0604020202020204" charset="0"/>
+                <a:ea typeface="Open Sans" panose="020B0604020202020204" charset="0"/>
+                <a:cs typeface="Open Sans" panose="020B0604020202020204" charset="0"/>
+                <a:sym typeface="Lato"/>
+              </a:rPr>
+              <a:t>en</a:t>
+            </a:r>
+            <a:r>
+              <a:rPr lang="en-US" sz="1100" dirty="0">
+                <a:solidFill>
+                  <a:srgbClr val="677480"/>
+                </a:solidFill>
+                <a:latin typeface="Montserrat Medium" panose="020B0604020202020204" charset="0"/>
+                <a:ea typeface="Open Sans" panose="020B0604020202020204" charset="0"/>
+                <a:cs typeface="Open Sans" panose="020B0604020202020204" charset="0"/>
+                <a:sym typeface="Lato"/>
+              </a:rPr>
+              <a:t> una </a:t>
+            </a:r>
+            <a:r>
+              <a:rPr lang="en-US" sz="1100" dirty="0" err="1">
+                <a:solidFill>
+                  <a:srgbClr val="677480"/>
+                </a:solidFill>
+                <a:latin typeface="Montserrat Medium" panose="020B0604020202020204" charset="0"/>
+                <a:ea typeface="Open Sans" panose="020B0604020202020204" charset="0"/>
+                <a:cs typeface="Open Sans" panose="020B0604020202020204" charset="0"/>
+                <a:sym typeface="Lato"/>
+              </a:rPr>
+              <a:t>ventana</a:t>
+            </a:r>
+            <a:r>
+              <a:rPr lang="en-US" sz="1100" dirty="0">
+                <a:solidFill>
+                  <a:srgbClr val="677480"/>
+                </a:solidFill>
+                <a:latin typeface="Montserrat Medium" panose="020B0604020202020204" charset="0"/>
+                <a:ea typeface="Open Sans" panose="020B0604020202020204" charset="0"/>
+                <a:cs typeface="Open Sans" panose="020B0604020202020204" charset="0"/>
+                <a:sym typeface="Lato"/>
+              </a:rPr>
+              <a:t> </a:t>
+            </a:r>
+            <a:r>
+              <a:rPr lang="en-US" sz="1100" dirty="0" err="1">
+                <a:solidFill>
+                  <a:srgbClr val="677480"/>
+                </a:solidFill>
+                <a:latin typeface="Montserrat Medium" panose="020B0604020202020204" charset="0"/>
+                <a:ea typeface="Open Sans" panose="020B0604020202020204" charset="0"/>
+                <a:cs typeface="Open Sans" panose="020B0604020202020204" charset="0"/>
+                <a:sym typeface="Lato"/>
+              </a:rPr>
+              <a:t>móvil</a:t>
+            </a:r>
+            <a:r>
+              <a:rPr lang="en-US" sz="1100" dirty="0">
+                <a:solidFill>
+                  <a:srgbClr val="677480"/>
+                </a:solidFill>
+                <a:latin typeface="Montserrat Medium" panose="020B0604020202020204" charset="0"/>
+                <a:ea typeface="Open Sans" panose="020B0604020202020204" charset="0"/>
+                <a:cs typeface="Open Sans" panose="020B0604020202020204" charset="0"/>
+                <a:sym typeface="Lato"/>
+              </a:rPr>
+              <a:t> </a:t>
+            </a:r>
+            <a:r>
+              <a:rPr lang="en-US" sz="1100" dirty="0" err="1">
+                <a:solidFill>
+                  <a:srgbClr val="677480"/>
+                </a:solidFill>
+                <a:latin typeface="Montserrat Medium" panose="020B0604020202020204" charset="0"/>
+                <a:ea typeface="Open Sans" panose="020B0604020202020204" charset="0"/>
+                <a:cs typeface="Open Sans" panose="020B0604020202020204" charset="0"/>
+                <a:sym typeface="Lato"/>
+              </a:rPr>
+              <a:t>diaria</a:t>
+            </a:r>
+            <a:r>
+              <a:rPr lang="en-US" sz="1100" dirty="0">
+                <a:solidFill>
+                  <a:srgbClr val="677480"/>
+                </a:solidFill>
+                <a:latin typeface="Montserrat Medium" panose="020B0604020202020204" charset="0"/>
+                <a:ea typeface="Open Sans" panose="020B0604020202020204" charset="0"/>
+                <a:cs typeface="Open Sans" panose="020B0604020202020204" charset="0"/>
+                <a:sym typeface="Lato"/>
+              </a:rPr>
+              <a:t>.</a:t>
+            </a:r>
+          </a:p>
+          <a:p>
+            <a:pPr marL="0" indent="0">
+              <a:lnSpc>
+                <a:spcPct val="100000"/>
+              </a:lnSpc>
+              <a:buClr>
+                <a:srgbClr val="677480"/>
+              </a:buClr>
+              <a:buSzPts val="1100"/>
+              <a:buNone/>
+              <a:defRPr/>
+            </a:pPr>
+            <a:r>
+              <a:rPr lang="en-US" sz="1100" dirty="0">
+                <a:solidFill>
+                  <a:srgbClr val="677480"/>
+                </a:solidFill>
+                <a:latin typeface="Montserrat Medium" panose="020B0604020202020204" charset="0"/>
+                <a:ea typeface="Open Sans" panose="020B0604020202020204" charset="0"/>
+                <a:cs typeface="Open Sans" panose="020B0604020202020204" charset="0"/>
+                <a:sym typeface="Lato"/>
+              </a:rPr>
+              <a:t>* Si no hay FIR, (FIR no es </a:t>
+            </a:r>
+            <a:r>
+              <a:rPr lang="en-US" sz="1100" dirty="0" err="1">
+                <a:solidFill>
+                  <a:srgbClr val="677480"/>
+                </a:solidFill>
+                <a:latin typeface="Montserrat Medium" panose="020B0604020202020204" charset="0"/>
+                <a:ea typeface="Open Sans" panose="020B0604020202020204" charset="0"/>
+                <a:cs typeface="Open Sans" panose="020B0604020202020204" charset="0"/>
+                <a:sym typeface="Lato"/>
+              </a:rPr>
               <a:t>ni</a:t>
             </a:r>
             <a:r>
@@ -11349,25 +11062,20 @@
                 <a:cs typeface="Open Sans" panose="020B0604020202020204" charset="0"/>
                 <a:sym typeface="Lato"/>
               </a:rPr>
-              <a:t> SELL)</a:t>
-            </a:r>
-          </a:p>
-          <a:p>
-            <a:pPr marL="914400" lvl="3">
-              <a:lnSpc>
-                <a:spcPct val="100000"/>
-              </a:lnSpc>
-              <a:spcBef>
-                <a:spcPts val="0"/>
-              </a:spcBef>
-              <a:buClr>
-                <a:srgbClr val="677480"/>
-              </a:buClr>
-              <a:buSzPts val="1100"/>
-              <a:buFont typeface="Courier New" panose="02070309020205020404" pitchFamily="49" charset="0"/>
-              <a:buChar char="o"/>
-              <a:defRPr/>
-            </a:pPr>
+              <a:t> SELL), </a:t>
+            </a:r>
+            <a:r>
+              <a:rPr lang="en-US" sz="1100" dirty="0" err="1">
+                <a:solidFill>
+                  <a:srgbClr val="677480"/>
+                </a:solidFill>
+                <a:latin typeface="Montserrat Medium" panose="020B0604020202020204" charset="0"/>
+                <a:ea typeface="Open Sans" panose="020B0604020202020204" charset="0"/>
+                <a:cs typeface="Open Sans" panose="020B0604020202020204" charset="0"/>
+                <a:sym typeface="Lato"/>
+              </a:rPr>
+              <a:t>entonces</a:t>
+            </a:r>
             <a:r>
               <a:rPr lang="en-US" sz="1100" dirty="0">
                 <a:solidFill>
@@ -11378,7 +11086,31 @@
                 <a:cs typeface="Open Sans" panose="020B0604020202020204" charset="0"/>
                 <a:sym typeface="Lato"/>
               </a:rPr>
-              <a:t>FIF = FD</a:t>
+              <a:t>  se </a:t>
+            </a:r>
+            <a:r>
+              <a:rPr lang="en-US" sz="1100" dirty="0" err="1">
+                <a:solidFill>
+                  <a:srgbClr val="677480"/>
+                </a:solidFill>
+                <a:latin typeface="Montserrat Medium" panose="020B0604020202020204" charset="0"/>
+                <a:ea typeface="Open Sans" panose="020B0604020202020204" charset="0"/>
+                <a:cs typeface="Open Sans" panose="020B0604020202020204" charset="0"/>
+                <a:sym typeface="Lato"/>
+              </a:rPr>
+              <a:t>asigna</a:t>
+            </a:r>
+            <a:r>
+              <a:rPr lang="en-US" sz="1100" dirty="0">
+                <a:solidFill>
+                  <a:srgbClr val="677480"/>
+                </a:solidFill>
+                <a:latin typeface="Montserrat Medium" panose="020B0604020202020204" charset="0"/>
+                <a:ea typeface="Open Sans" panose="020B0604020202020204" charset="0"/>
+                <a:cs typeface="Open Sans" panose="020B0604020202020204" charset="0"/>
+                <a:sym typeface="Lato"/>
+              </a:rPr>
+              <a:t> el valor anterior de FD.</a:t>
             </a:r>
           </a:p>
         </p:txBody>
@@ -11398,13 +11130,13 @@
           <p:nvPr>
             <p:extLst>
               <p:ext uri="{D42A27DB-BD31-4B8C-83A1-F6EECF244321}">
-                <p14:modId xmlns:p14="http://schemas.microsoft.com/office/powerpoint/2010/main" val="4149025912"/>
+                <p14:modId xmlns:p14="http://schemas.microsoft.com/office/powerpoint/2010/main" val="2725295734"/>
               </p:ext>
             </p:extLst>
           </p:nvPr>
         </p:nvGraphicFramePr>
         <p:xfrm>
-          <a:off x="57793" y="836234"/>
+          <a:off x="57793" y="1356505"/>
           <a:ext cx="9036000" cy="2651760"/>
         </p:xfrm>
         <a:graphic>
@@ -14528,7 +14260,7 @@
                 <a:cs typeface="Open Sans" panose="020B0604020202020204" charset="0"/>
                 <a:sym typeface="Lato"/>
               </a:rPr>
-              <a:t>Si FIF = FI, entonces</a:t>
+              <a:t>Si FI = FIR, entonces</a:t>
             </a:r>
           </a:p>
           <a:p>
@@ -14555,7 +14287,7 @@
                 <a:cs typeface="Open Sans" panose="020B0604020202020204" charset="0"/>
                 <a:sym typeface="Lato"/>
               </a:rPr>
-              <a:t>SIF = FIF</a:t>
+              <a:t>SIF = FIR = FI</a:t>
             </a:r>
           </a:p>
           <a:p>
@@ -14792,7 +14524,7 @@
                 <a:cs typeface="Open Sans" panose="020B0604020202020204" charset="0"/>
                 <a:sym typeface="Lato"/>
               </a:rPr>
-              <a:t>Si SIF es igual a la FH anterior, entonces</a:t>
+              <a:t>Si SIF en la FH actual es igual al SIF en la FH anterior, entonces</a:t>
             </a:r>
           </a:p>
           <a:p>
@@ -14846,7 +14578,7 @@
                 <a:cs typeface="Open Sans" panose="020B0604020202020204" charset="0"/>
                 <a:sym typeface="Lato"/>
               </a:rPr>
-              <a:t>Si SIF es diferente a la FH anterior, entonces</a:t>
+              <a:t>Si SIF en la FH actual es diferente al SIF en la FH anterior, entonces</a:t>
             </a:r>
           </a:p>
           <a:p>
@@ -14873,7 +14605,7 @@
                 <a:cs typeface="Open Sans" panose="020B0604020202020204" charset="0"/>
                 <a:sym typeface="Lato"/>
               </a:rPr>
-              <a:t>Si hay SIF FH actual </a:t>
+              <a:t>Si hay SIF en la FH actual </a:t>
             </a:r>
             <a:r>
               <a:rPr lang="it-IT" sz="1100" b="1" u="sng" dirty="0">
@@ -14897,7 +14629,7 @@
                 <a:cs typeface="Open Sans" panose="020B0604020202020204" charset="0"/>
                 <a:sym typeface="Lato"/>
               </a:rPr>
-              <a:t> la FH anterior (SIF es BUY o SELL), entonces</a:t>
+              <a:t> en la FH anterior (SIF es BUY o SELL), entonces</a:t>
             </a:r>
           </a:p>
           <a:p>
@@ -15527,6 +15259,33 @@
                 <a:sym typeface="Lato"/>
               </a:rPr>
               <a:t>F9: es similar F8 pero con HIGH como referencia para venta en vez de LOW. Intuitivamente parece que puede tener menor fortaleza que F8.</a:t>
+            </a:r>
+          </a:p>
+          <a:p>
+            <a:pPr marL="717550" lvl="2" indent="-268288">
+              <a:lnSpc>
+                <a:spcPct val="100000"/>
+              </a:lnSpc>
+              <a:spcBef>
+                <a:spcPts val="0"/>
+              </a:spcBef>
+              <a:buClr>
+                <a:srgbClr val="677480"/>
+              </a:buClr>
+              <a:buSzPts val="1100"/>
+              <a:defRPr/>
+            </a:pPr>
+            <a:r>
+              <a:rPr lang="it-IT" sz="1100" dirty="0">
+                <a:solidFill>
+                  <a:srgbClr val="677480"/>
+                </a:solidFill>
+                <a:latin typeface="Montserrat Medium" panose="020B0604020202020204" charset="0"/>
+                <a:ea typeface="Open Sans" panose="020B0604020202020204" charset="0"/>
+                <a:cs typeface="Open Sans" panose="020B0604020202020204" charset="0"/>
+                <a:sym typeface="Lato"/>
+              </a:rPr>
+              <a:t>Validar si en realidad se desea operar solo cuando FI coinicde con FIR, o también cuando una de ellas no es  «BUY» o «SELL» directamente obtenido de la condición actual del fractal.</a:t>
             </a:r>
           </a:p>
           <a:p>

--- a/Presentaciones/Swell - Optimización de estrategias - R2 (19-02-2021).pptx
+++ b/Presentaciones/Swell - Optimización de estrategias - R2 (19-02-2021).pptx
@@ -434,7 +434,7 @@
           <a:p>
             <a:fld id="{58996DD2-7C55-401B-B490-511405823B84}" type="datetimeFigureOut">
               <a:rPr lang="en-US" smtClean="0"/>
-              <a:t>03/07/2021</a:t>
+              <a:t>03/13/2021</a:t>
             </a:fld>
             <a:endParaRPr lang="en-US"/>
           </a:p>
@@ -14542,6 +14542,18 @@
               <a:defRPr/>
             </a:pPr>
             <a:r>
+              <a:rPr lang="it-IT" sz="1100" b="1" dirty="0">
+                <a:solidFill>
+                  <a:srgbClr val="FF5D5D"/>
+                </a:solidFill>
+                <a:latin typeface="Montserrat Medium" panose="020B0604020202020204" charset="0"/>
+                <a:ea typeface="Open Sans" panose="020B0604020202020204" charset="0"/>
+                <a:cs typeface="Open Sans" panose="020B0604020202020204" charset="0"/>
+                <a:sym typeface="Lato"/>
+              </a:rPr>
+              <a:t>HOLD</a:t>
+            </a:r>
+            <a:r>
               <a:rPr lang="it-IT" sz="1100" dirty="0">
                 <a:solidFill>
                   <a:srgbClr val="677480"/>
@@ -14551,7 +14563,7 @@
                 <a:cs typeface="Open Sans" panose="020B0604020202020204" charset="0"/>
                 <a:sym typeface="Lato"/>
               </a:rPr>
-              <a:t>No hacer nada.</a:t>
+              <a:t>: No hacer nada.</a:t>
             </a:r>
           </a:p>
           <a:p>
@@ -14647,6 +14659,18 @@
               <a:defRPr/>
             </a:pPr>
             <a:r>
+              <a:rPr lang="it-IT" sz="1100" b="1" dirty="0">
+                <a:solidFill>
+                  <a:srgbClr val="FF5D5D"/>
+                </a:solidFill>
+                <a:latin typeface="Montserrat Medium" panose="020B0604020202020204" charset="0"/>
+                <a:ea typeface="Open Sans" panose="020B0604020202020204" charset="0"/>
+                <a:cs typeface="Open Sans" panose="020B0604020202020204" charset="0"/>
+                <a:sym typeface="Lato"/>
+              </a:rPr>
+              <a:t>CLOSE-OPEN</a:t>
+            </a:r>
+            <a:r>
               <a:rPr lang="it-IT" sz="1100" dirty="0">
                 <a:solidFill>
                   <a:srgbClr val="677480"/>
@@ -14656,7 +14680,7 @@
                 <a:cs typeface="Open Sans" panose="020B0604020202020204" charset="0"/>
                 <a:sym typeface="Lato"/>
               </a:rPr>
-              <a:t>Se cierra la posición de la FH anterior y se abre la posición de la FH actual</a:t>
+              <a:t>: Se cierra la posición de la FH anterior y se abre la posición de la FH actual.</a:t>
             </a:r>
           </a:p>
           <a:p>
@@ -14802,6 +14826,18 @@
               <a:defRPr/>
             </a:pPr>
             <a:r>
+              <a:rPr lang="it-IT" sz="1100" b="1" dirty="0">
+                <a:solidFill>
+                  <a:srgbClr val="FF5D5D"/>
+                </a:solidFill>
+                <a:latin typeface="Montserrat Medium" panose="020B0604020202020204" charset="0"/>
+                <a:ea typeface="Open Sans" panose="020B0604020202020204" charset="0"/>
+                <a:cs typeface="Open Sans" panose="020B0604020202020204" charset="0"/>
+                <a:sym typeface="Lato"/>
+              </a:rPr>
+              <a:t>OPEN</a:t>
+            </a:r>
+            <a:r>
               <a:rPr lang="it-IT" sz="1100" dirty="0">
                 <a:solidFill>
                   <a:srgbClr val="677480"/>
@@ -14811,7 +14847,7 @@
                 <a:cs typeface="Open Sans" panose="020B0604020202020204" charset="0"/>
                 <a:sym typeface="Lato"/>
               </a:rPr>
-              <a:t>Se abre la posición BUY o SELL en la FH actual.</a:t>
+              <a:t>: Se abre la posición BUY o SELL en la FH actual.</a:t>
             </a:r>
           </a:p>
           <a:p>
@@ -14882,6 +14918,18 @@
               <a:defRPr/>
             </a:pPr>
             <a:r>
+              <a:rPr lang="it-IT" sz="1100" b="1" dirty="0">
+                <a:solidFill>
+                  <a:srgbClr val="FF5D5D"/>
+                </a:solidFill>
+                <a:latin typeface="Montserrat Medium" panose="020B0604020202020204" charset="0"/>
+                <a:ea typeface="Open Sans" panose="020B0604020202020204" charset="0"/>
+                <a:cs typeface="Open Sans" panose="020B0604020202020204" charset="0"/>
+                <a:sym typeface="Lato"/>
+              </a:rPr>
+              <a:t>CLOSE</a:t>
+            </a:r>
+            <a:r>
               <a:rPr lang="it-IT" sz="1100" dirty="0">
                 <a:solidFill>
                   <a:srgbClr val="677480"/>
@@ -14891,7 +14939,7 @@
                 <a:cs typeface="Open Sans" panose="020B0604020202020204" charset="0"/>
                 <a:sym typeface="Lato"/>
               </a:rPr>
-              <a:t>Se cierra la posición BUY o SELL de la FH anterior.</a:t>
+              <a:t>: Se cierra la posición BUY o SELL de la FH anterior.</a:t>
             </a:r>
           </a:p>
         </p:txBody>
